--- a/Presentations/SD1/SD1_presentation.pptx
+++ b/Presentations/SD1/SD1_presentation.pptx
@@ -4,6 +4,12 @@
   <p:sldMasterIdLst>
     <p:sldMasterId id="2147483648" r:id="rId1"/>
   </p:sldMasterIdLst>
+  <p:notesMasterIdLst>
+    <p:notesMasterId r:id="rId16"/>
+  </p:notesMasterIdLst>
+  <p:handoutMasterIdLst>
+    <p:handoutMasterId r:id="rId17"/>
+  </p:handoutMasterIdLst>
   <p:sldIdLst>
     <p:sldId id="256" r:id="rId2"/>
     <p:sldId id="257" r:id="rId3"/>
@@ -11,6 +17,14 @@
     <p:sldId id="259" r:id="rId5"/>
     <p:sldId id="260" r:id="rId6"/>
     <p:sldId id="261" r:id="rId7"/>
+    <p:sldId id="262" r:id="rId8"/>
+    <p:sldId id="264" r:id="rId9"/>
+    <p:sldId id="265" r:id="rId10"/>
+    <p:sldId id="263" r:id="rId11"/>
+    <p:sldId id="266" r:id="rId12"/>
+    <p:sldId id="267" r:id="rId13"/>
+    <p:sldId id="269" r:id="rId14"/>
+    <p:sldId id="270" r:id="rId15"/>
   </p:sldIdLst>
   <p:sldSz cx="12192000" cy="6858000"/>
   <p:notesSz cx="6858000" cy="9144000"/>
@@ -109,7 +123,3453 @@
       </a:defRPr>
     </a:lvl9pPr>
   </p:defaultTextStyle>
+  <p:extLst>
+    <p:ext uri="{EFAFB233-063F-42B5-8137-9DF3F51BA10A}">
+      <p15:sldGuideLst xmlns:p15="http://schemas.microsoft.com/office/powerpoint/2012/main"/>
+    </p:ext>
+  </p:extLst>
 </p:presentation>
+</file>
+
+<file path=ppt/charts/chart1.xml><?xml version="1.0" encoding="utf-8"?>
+<c:chartSpace xmlns:c="http://schemas.openxmlformats.org/drawingml/2006/chart" xmlns:a="http://schemas.openxmlformats.org/drawingml/2006/main" xmlns:r="http://schemas.openxmlformats.org/officeDocument/2006/relationships">
+  <c:date1904 val="0"/>
+  <c:lang val="en-US"/>
+  <c:roundedCorners val="0"/>
+  <mc:AlternateContent xmlns:mc="http://schemas.openxmlformats.org/markup-compatibility/2006">
+    <mc:Choice xmlns:c14="http://schemas.microsoft.com/office/drawing/2007/8/2/chart" Requires="c14">
+      <c14:style val="102"/>
+    </mc:Choice>
+    <mc:Fallback>
+      <c:style val="2"/>
+    </mc:Fallback>
+  </mc:AlternateContent>
+  <c:chart>
+    <c:title>
+      <c:tx>
+        <c:rich>
+          <a:bodyPr rot="0" spcFirstLastPara="1" vertOverflow="ellipsis" vert="horz" wrap="square" anchor="ctr" anchorCtr="1"/>
+          <a:lstStyle/>
+          <a:p>
+            <a:pPr>
+              <a:defRPr sz="1862" b="1" i="0" u="none" strike="noStrike" kern="1200" cap="none" baseline="0">
+                <a:solidFill>
+                  <a:schemeClr val="lt1">
+                    <a:lumMod val="85000"/>
+                  </a:schemeClr>
+                </a:solidFill>
+                <a:latin typeface="+mn-lt"/>
+                <a:ea typeface="+mn-ea"/>
+                <a:cs typeface="+mn-cs"/>
+              </a:defRPr>
+            </a:pPr>
+            <a:r>
+              <a:rPr lang="en-US" baseline="0" dirty="0" smtClean="0"/>
+              <a:t>Amateur Satellite Telemetry BER Performance in AWGN Roundup</a:t>
+            </a:r>
+            <a:endParaRPr lang="en-US" dirty="0"/>
+          </a:p>
+        </c:rich>
+      </c:tx>
+      <c:layout/>
+      <c:overlay val="0"/>
+      <c:spPr>
+        <a:noFill/>
+        <a:ln>
+          <a:noFill/>
+        </a:ln>
+        <a:effectLst/>
+      </c:spPr>
+      <c:txPr>
+        <a:bodyPr rot="0" spcFirstLastPara="1" vertOverflow="ellipsis" vert="horz" wrap="square" anchor="ctr" anchorCtr="1"/>
+        <a:lstStyle/>
+        <a:p>
+          <a:pPr>
+            <a:defRPr sz="1862" b="1" i="0" u="none" strike="noStrike" kern="1200" cap="none" baseline="0">
+              <a:solidFill>
+                <a:schemeClr val="lt1">
+                  <a:lumMod val="85000"/>
+                </a:schemeClr>
+              </a:solidFill>
+              <a:latin typeface="+mn-lt"/>
+              <a:ea typeface="+mn-ea"/>
+              <a:cs typeface="+mn-cs"/>
+            </a:defRPr>
+          </a:pPr>
+          <a:endParaRPr lang="en-US"/>
+        </a:p>
+      </c:txPr>
+    </c:title>
+    <c:autoTitleDeleted val="0"/>
+    <c:plotArea>
+      <c:layout/>
+      <c:lineChart>
+        <c:grouping val="standard"/>
+        <c:varyColors val="0"/>
+        <c:ser>
+          <c:idx val="0"/>
+          <c:order val="0"/>
+          <c:tx>
+            <c:strRef>
+              <c:f>Sheet1!$B$1</c:f>
+              <c:strCache>
+                <c:ptCount val="1"/>
+                <c:pt idx="0">
+                  <c:v>1200 b/sec BFSK</c:v>
+                </c:pt>
+              </c:strCache>
+            </c:strRef>
+          </c:tx>
+          <c:spPr>
+            <a:ln w="22225" cap="rnd">
+              <a:solidFill>
+                <a:schemeClr val="accent1"/>
+              </a:solidFill>
+            </a:ln>
+            <a:effectLst>
+              <a:glow rad="139700">
+                <a:schemeClr val="accent1">
+                  <a:satMod val="175000"/>
+                  <a:alpha val="14000"/>
+                </a:schemeClr>
+              </a:glow>
+            </a:effectLst>
+          </c:spPr>
+          <c:marker>
+            <c:symbol val="none"/>
+          </c:marker>
+          <c:cat>
+            <c:numRef>
+              <c:f>Sheet1!$A$2:$A$10</c:f>
+              <c:numCache>
+                <c:formatCode>General</c:formatCode>
+                <c:ptCount val="9"/>
+                <c:pt idx="0">
+                  <c:v>0</c:v>
+                </c:pt>
+                <c:pt idx="1">
+                  <c:v>1</c:v>
+                </c:pt>
+                <c:pt idx="2">
+                  <c:v>2</c:v>
+                </c:pt>
+                <c:pt idx="3">
+                  <c:v>3</c:v>
+                </c:pt>
+                <c:pt idx="4">
+                  <c:v>4</c:v>
+                </c:pt>
+                <c:pt idx="5">
+                  <c:v>5</c:v>
+                </c:pt>
+                <c:pt idx="6">
+                  <c:v>6</c:v>
+                </c:pt>
+                <c:pt idx="7">
+                  <c:v>7</c:v>
+                </c:pt>
+                <c:pt idx="8">
+                  <c:v>8</c:v>
+                </c:pt>
+              </c:numCache>
+            </c:numRef>
+          </c:cat>
+          <c:val>
+            <c:numRef>
+              <c:f>Sheet1!$B$2:$B$10</c:f>
+              <c:numCache>
+                <c:formatCode>0.00E+00</c:formatCode>
+                <c:ptCount val="9"/>
+                <c:pt idx="0">
+                  <c:v>0.24560000000000001</c:v>
+                </c:pt>
+                <c:pt idx="1">
+                  <c:v>0.21</c:v>
+                </c:pt>
+                <c:pt idx="2">
+                  <c:v>0.18332999999999999</c:v>
+                </c:pt>
+                <c:pt idx="3">
+                  <c:v>0.15</c:v>
+                </c:pt>
+                <c:pt idx="4">
+                  <c:v>0.13519999999999999</c:v>
+                </c:pt>
+                <c:pt idx="5">
+                  <c:v>0.1</c:v>
+                </c:pt>
+                <c:pt idx="6">
+                  <c:v>8.0399999999999999E-2</c:v>
+                </c:pt>
+                <c:pt idx="7">
+                  <c:v>0.05</c:v>
+                </c:pt>
+                <c:pt idx="8">
+                  <c:v>3.5000000000000003E-2</c:v>
+                </c:pt>
+              </c:numCache>
+            </c:numRef>
+          </c:val>
+          <c:smooth val="1"/>
+        </c:ser>
+        <c:ser>
+          <c:idx val="1"/>
+          <c:order val="1"/>
+          <c:tx>
+            <c:strRef>
+              <c:f>Sheet1!$C$1</c:f>
+              <c:strCache>
+                <c:ptCount val="1"/>
+                <c:pt idx="0">
+                  <c:v>1200 b/sec BPSK</c:v>
+                </c:pt>
+              </c:strCache>
+            </c:strRef>
+          </c:tx>
+          <c:spPr>
+            <a:ln w="22225" cap="rnd">
+              <a:solidFill>
+                <a:schemeClr val="accent2"/>
+              </a:solidFill>
+            </a:ln>
+            <a:effectLst>
+              <a:glow rad="139700">
+                <a:schemeClr val="accent2">
+                  <a:satMod val="175000"/>
+                  <a:alpha val="14000"/>
+                </a:schemeClr>
+              </a:glow>
+            </a:effectLst>
+          </c:spPr>
+          <c:marker>
+            <c:symbol val="none"/>
+          </c:marker>
+          <c:cat>
+            <c:numRef>
+              <c:f>Sheet1!$A$2:$A$10</c:f>
+              <c:numCache>
+                <c:formatCode>General</c:formatCode>
+                <c:ptCount val="9"/>
+                <c:pt idx="0">
+                  <c:v>0</c:v>
+                </c:pt>
+                <c:pt idx="1">
+                  <c:v>1</c:v>
+                </c:pt>
+                <c:pt idx="2">
+                  <c:v>2</c:v>
+                </c:pt>
+                <c:pt idx="3">
+                  <c:v>3</c:v>
+                </c:pt>
+                <c:pt idx="4">
+                  <c:v>4</c:v>
+                </c:pt>
+                <c:pt idx="5">
+                  <c:v>5</c:v>
+                </c:pt>
+                <c:pt idx="6">
+                  <c:v>6</c:v>
+                </c:pt>
+                <c:pt idx="7">
+                  <c:v>7</c:v>
+                </c:pt>
+                <c:pt idx="8">
+                  <c:v>8</c:v>
+                </c:pt>
+              </c:numCache>
+            </c:numRef>
+          </c:cat>
+          <c:val>
+            <c:numRef>
+              <c:f>Sheet1!$C$2:$C$10</c:f>
+              <c:numCache>
+                <c:formatCode>0.00E+00</c:formatCode>
+                <c:ptCount val="9"/>
+                <c:pt idx="0">
+                  <c:v>8.3989999999999995E-2</c:v>
+                </c:pt>
+                <c:pt idx="1">
+                  <c:v>6.0589999999999998E-2</c:v>
+                </c:pt>
+                <c:pt idx="2">
+                  <c:v>3.9699999999999999E-2</c:v>
+                </c:pt>
+                <c:pt idx="3">
+                  <c:v>2.53E-2</c:v>
+                </c:pt>
+                <c:pt idx="4">
+                  <c:v>1.47E-2</c:v>
+                </c:pt>
+                <c:pt idx="5">
+                  <c:v>6.0990000000000003E-3</c:v>
+                </c:pt>
+                <c:pt idx="6">
+                  <c:v>1.9E-3</c:v>
+                </c:pt>
+                <c:pt idx="7">
+                  <c:v>7.9989999999999998E-4</c:v>
+                </c:pt>
+                <c:pt idx="8" formatCode="General">
+                  <c:v>0</c:v>
+                </c:pt>
+              </c:numCache>
+            </c:numRef>
+          </c:val>
+          <c:smooth val="1"/>
+        </c:ser>
+        <c:ser>
+          <c:idx val="2"/>
+          <c:order val="2"/>
+          <c:tx>
+            <c:strRef>
+              <c:f>Sheet1!$D$1</c:f>
+              <c:strCache>
+                <c:ptCount val="1"/>
+                <c:pt idx="0">
+                  <c:v>1200 b/sec BPSK-FEC (hard-decision)</c:v>
+                </c:pt>
+              </c:strCache>
+            </c:strRef>
+          </c:tx>
+          <c:spPr>
+            <a:ln w="22225" cap="rnd">
+              <a:solidFill>
+                <a:schemeClr val="accent3"/>
+              </a:solidFill>
+            </a:ln>
+            <a:effectLst>
+              <a:glow rad="139700">
+                <a:schemeClr val="accent3">
+                  <a:satMod val="175000"/>
+                  <a:alpha val="14000"/>
+                </a:schemeClr>
+              </a:glow>
+            </a:effectLst>
+          </c:spPr>
+          <c:marker>
+            <c:symbol val="none"/>
+          </c:marker>
+          <c:cat>
+            <c:numRef>
+              <c:f>Sheet1!$A$2:$A$10</c:f>
+              <c:numCache>
+                <c:formatCode>General</c:formatCode>
+                <c:ptCount val="9"/>
+                <c:pt idx="0">
+                  <c:v>0</c:v>
+                </c:pt>
+                <c:pt idx="1">
+                  <c:v>1</c:v>
+                </c:pt>
+                <c:pt idx="2">
+                  <c:v>2</c:v>
+                </c:pt>
+                <c:pt idx="3">
+                  <c:v>3</c:v>
+                </c:pt>
+                <c:pt idx="4">
+                  <c:v>4</c:v>
+                </c:pt>
+                <c:pt idx="5">
+                  <c:v>5</c:v>
+                </c:pt>
+                <c:pt idx="6">
+                  <c:v>6</c:v>
+                </c:pt>
+                <c:pt idx="7">
+                  <c:v>7</c:v>
+                </c:pt>
+                <c:pt idx="8">
+                  <c:v>8</c:v>
+                </c:pt>
+              </c:numCache>
+            </c:numRef>
+          </c:cat>
+          <c:val>
+            <c:numRef>
+              <c:f>Sheet1!$D$2:$D$10</c:f>
+              <c:numCache>
+                <c:formatCode>0.00E+00</c:formatCode>
+                <c:ptCount val="9"/>
+                <c:pt idx="0">
+                  <c:v>0.39739999999999998</c:v>
+                </c:pt>
+                <c:pt idx="1">
+                  <c:v>0.29420000000000002</c:v>
+                </c:pt>
+                <c:pt idx="2">
+                  <c:v>0.1124</c:v>
+                </c:pt>
+                <c:pt idx="3">
+                  <c:v>2.0209999999999999E-2</c:v>
+                </c:pt>
+                <c:pt idx="4">
+                  <c:v>8.0440000000000004E-4</c:v>
+                </c:pt>
+                <c:pt idx="5" formatCode="General">
+                  <c:v>0</c:v>
+                </c:pt>
+                <c:pt idx="6" formatCode="General">
+                  <c:v>0</c:v>
+                </c:pt>
+                <c:pt idx="7" formatCode="General">
+                  <c:v>0</c:v>
+                </c:pt>
+                <c:pt idx="8" formatCode="General">
+                  <c:v>0</c:v>
+                </c:pt>
+              </c:numCache>
+            </c:numRef>
+          </c:val>
+          <c:smooth val="1"/>
+        </c:ser>
+        <c:ser>
+          <c:idx val="3"/>
+          <c:order val="3"/>
+          <c:tx>
+            <c:strRef>
+              <c:f>Sheet1!$E$1</c:f>
+              <c:strCache>
+                <c:ptCount val="1"/>
+                <c:pt idx="0">
+                  <c:v>1200 b/sec BPSK-FEC (soft-decision)</c:v>
+                </c:pt>
+              </c:strCache>
+            </c:strRef>
+          </c:tx>
+          <c:spPr>
+            <a:ln w="22225" cap="rnd">
+              <a:solidFill>
+                <a:schemeClr val="accent4"/>
+              </a:solidFill>
+            </a:ln>
+            <a:effectLst>
+              <a:glow rad="139700">
+                <a:schemeClr val="accent4">
+                  <a:satMod val="175000"/>
+                  <a:alpha val="14000"/>
+                </a:schemeClr>
+              </a:glow>
+            </a:effectLst>
+          </c:spPr>
+          <c:marker>
+            <c:symbol val="none"/>
+          </c:marker>
+          <c:cat>
+            <c:numRef>
+              <c:f>Sheet1!$A$2:$A$10</c:f>
+              <c:numCache>
+                <c:formatCode>General</c:formatCode>
+                <c:ptCount val="9"/>
+                <c:pt idx="0">
+                  <c:v>0</c:v>
+                </c:pt>
+                <c:pt idx="1">
+                  <c:v>1</c:v>
+                </c:pt>
+                <c:pt idx="2">
+                  <c:v>2</c:v>
+                </c:pt>
+                <c:pt idx="3">
+                  <c:v>3</c:v>
+                </c:pt>
+                <c:pt idx="4">
+                  <c:v>4</c:v>
+                </c:pt>
+                <c:pt idx="5">
+                  <c:v>5</c:v>
+                </c:pt>
+                <c:pt idx="6">
+                  <c:v>6</c:v>
+                </c:pt>
+                <c:pt idx="7">
+                  <c:v>7</c:v>
+                </c:pt>
+                <c:pt idx="8">
+                  <c:v>8</c:v>
+                </c:pt>
+              </c:numCache>
+            </c:numRef>
+          </c:cat>
+          <c:val>
+            <c:numRef>
+              <c:f>Sheet1!$E$2:$E$10</c:f>
+              <c:numCache>
+                <c:formatCode>0.00E+00</c:formatCode>
+                <c:ptCount val="9"/>
+                <c:pt idx="0">
+                  <c:v>0.2802</c:v>
+                </c:pt>
+                <c:pt idx="1">
+                  <c:v>0.1057</c:v>
+                </c:pt>
+                <c:pt idx="2">
+                  <c:v>1.0359999999999999E-2</c:v>
+                </c:pt>
+                <c:pt idx="3">
+                  <c:v>2.0110000000000001E-4</c:v>
+                </c:pt>
+                <c:pt idx="4" formatCode="General">
+                  <c:v>0</c:v>
+                </c:pt>
+                <c:pt idx="5" formatCode="General">
+                  <c:v>0</c:v>
+                </c:pt>
+                <c:pt idx="6" formatCode="General">
+                  <c:v>0</c:v>
+                </c:pt>
+                <c:pt idx="7" formatCode="General">
+                  <c:v>0</c:v>
+                </c:pt>
+                <c:pt idx="8" formatCode="General">
+                  <c:v>0</c:v>
+                </c:pt>
+              </c:numCache>
+            </c:numRef>
+          </c:val>
+          <c:smooth val="1"/>
+        </c:ser>
+        <c:dLbls>
+          <c:showLegendKey val="0"/>
+          <c:showVal val="0"/>
+          <c:showCatName val="0"/>
+          <c:showSerName val="0"/>
+          <c:showPercent val="0"/>
+          <c:showBubbleSize val="0"/>
+        </c:dLbls>
+        <c:smooth val="0"/>
+        <c:axId val="200461632"/>
+        <c:axId val="200462192"/>
+      </c:lineChart>
+      <c:catAx>
+        <c:axId val="200461632"/>
+        <c:scaling>
+          <c:orientation val="minMax"/>
+        </c:scaling>
+        <c:delete val="0"/>
+        <c:axPos val="b"/>
+        <c:majorGridlines>
+          <c:spPr>
+            <a:ln w="9525" cap="flat" cmpd="sng" algn="ctr">
+              <a:gradFill>
+                <a:gsLst>
+                  <a:gs pos="100000">
+                    <a:schemeClr val="dk1">
+                      <a:lumMod val="75000"/>
+                      <a:lumOff val="25000"/>
+                    </a:schemeClr>
+                  </a:gs>
+                  <a:gs pos="0">
+                    <a:schemeClr val="dk1">
+                      <a:lumMod val="65000"/>
+                      <a:lumOff val="35000"/>
+                    </a:schemeClr>
+                  </a:gs>
+                </a:gsLst>
+                <a:lin ang="5400000" scaled="0"/>
+              </a:gradFill>
+              <a:round/>
+            </a:ln>
+            <a:effectLst/>
+          </c:spPr>
+        </c:majorGridlines>
+        <c:title>
+          <c:tx>
+            <c:rich>
+              <a:bodyPr rot="0" spcFirstLastPara="1" vertOverflow="ellipsis" vert="horz" wrap="square" anchor="ctr" anchorCtr="1"/>
+              <a:lstStyle/>
+              <a:p>
+                <a:pPr>
+                  <a:defRPr sz="1197" b="1" i="0" u="none" strike="noStrike" kern="1200" baseline="0">
+                    <a:solidFill>
+                      <a:schemeClr val="lt1">
+                        <a:lumMod val="75000"/>
+                      </a:schemeClr>
+                    </a:solidFill>
+                    <a:latin typeface="+mn-lt"/>
+                    <a:ea typeface="+mn-ea"/>
+                    <a:cs typeface="+mn-cs"/>
+                  </a:defRPr>
+                </a:pPr>
+                <a:r>
+                  <a:rPr lang="en-US" dirty="0" err="1" smtClean="0"/>
+                  <a:t>Eb</a:t>
+                </a:r>
+                <a:r>
+                  <a:rPr lang="en-US" dirty="0" smtClean="0"/>
+                  <a:t>/N0 (dB)</a:t>
+                </a:r>
+                <a:endParaRPr lang="en-US" dirty="0"/>
+              </a:p>
+            </c:rich>
+          </c:tx>
+          <c:layout/>
+          <c:overlay val="0"/>
+          <c:spPr>
+            <a:noFill/>
+            <a:ln>
+              <a:noFill/>
+            </a:ln>
+            <a:effectLst/>
+          </c:spPr>
+          <c:txPr>
+            <a:bodyPr rot="0" spcFirstLastPara="1" vertOverflow="ellipsis" vert="horz" wrap="square" anchor="ctr" anchorCtr="1"/>
+            <a:lstStyle/>
+            <a:p>
+              <a:pPr>
+                <a:defRPr sz="1197" b="1" i="0" u="none" strike="noStrike" kern="1200" baseline="0">
+                  <a:solidFill>
+                    <a:schemeClr val="lt1">
+                      <a:lumMod val="75000"/>
+                    </a:schemeClr>
+                  </a:solidFill>
+                  <a:latin typeface="+mn-lt"/>
+                  <a:ea typeface="+mn-ea"/>
+                  <a:cs typeface="+mn-cs"/>
+                </a:defRPr>
+              </a:pPr>
+              <a:endParaRPr lang="en-US"/>
+            </a:p>
+          </c:txPr>
+        </c:title>
+        <c:numFmt formatCode="General" sourceLinked="1"/>
+        <c:majorTickMark val="none"/>
+        <c:minorTickMark val="none"/>
+        <c:tickLblPos val="nextTo"/>
+        <c:spPr>
+          <a:noFill/>
+          <a:ln>
+            <a:noFill/>
+          </a:ln>
+          <a:effectLst/>
+        </c:spPr>
+        <c:txPr>
+          <a:bodyPr rot="-60000000" spcFirstLastPara="1" vertOverflow="ellipsis" vert="horz" wrap="square" anchor="ctr" anchorCtr="1"/>
+          <a:lstStyle/>
+          <a:p>
+            <a:pPr>
+              <a:defRPr sz="1197" b="0" i="0" u="none" strike="noStrike" kern="1200" baseline="0">
+                <a:solidFill>
+                  <a:schemeClr val="lt1">
+                    <a:lumMod val="75000"/>
+                  </a:schemeClr>
+                </a:solidFill>
+                <a:latin typeface="+mn-lt"/>
+                <a:ea typeface="+mn-ea"/>
+                <a:cs typeface="+mn-cs"/>
+              </a:defRPr>
+            </a:pPr>
+            <a:endParaRPr lang="en-US"/>
+          </a:p>
+        </c:txPr>
+        <c:crossAx val="200462192"/>
+        <c:crosses val="autoZero"/>
+        <c:auto val="1"/>
+        <c:lblAlgn val="ctr"/>
+        <c:lblOffset val="100"/>
+        <c:noMultiLvlLbl val="0"/>
+      </c:catAx>
+      <c:valAx>
+        <c:axId val="200462192"/>
+        <c:scaling>
+          <c:orientation val="minMax"/>
+        </c:scaling>
+        <c:delete val="0"/>
+        <c:axPos val="l"/>
+        <c:majorGridlines>
+          <c:spPr>
+            <a:ln w="9525" cap="flat" cmpd="sng" algn="ctr">
+              <a:gradFill>
+                <a:gsLst>
+                  <a:gs pos="100000">
+                    <a:schemeClr val="dk1">
+                      <a:lumMod val="75000"/>
+                      <a:lumOff val="25000"/>
+                    </a:schemeClr>
+                  </a:gs>
+                  <a:gs pos="0">
+                    <a:schemeClr val="dk1">
+                      <a:lumMod val="65000"/>
+                      <a:lumOff val="35000"/>
+                    </a:schemeClr>
+                  </a:gs>
+                </a:gsLst>
+                <a:lin ang="5400000" scaled="0"/>
+              </a:gradFill>
+              <a:round/>
+            </a:ln>
+            <a:effectLst/>
+          </c:spPr>
+        </c:majorGridlines>
+        <c:title>
+          <c:tx>
+            <c:rich>
+              <a:bodyPr rot="-5400000" spcFirstLastPara="1" vertOverflow="ellipsis" vert="horz" wrap="square" anchor="ctr" anchorCtr="1"/>
+              <a:lstStyle/>
+              <a:p>
+                <a:pPr>
+                  <a:defRPr sz="1197" b="1" i="0" u="none" strike="noStrike" kern="1200" baseline="0">
+                    <a:solidFill>
+                      <a:schemeClr val="lt1">
+                        <a:lumMod val="75000"/>
+                      </a:schemeClr>
+                    </a:solidFill>
+                    <a:latin typeface="+mn-lt"/>
+                    <a:ea typeface="+mn-ea"/>
+                    <a:cs typeface="+mn-cs"/>
+                  </a:defRPr>
+                </a:pPr>
+                <a:r>
+                  <a:rPr lang="en-US" dirty="0" smtClean="0"/>
+                  <a:t>BER</a:t>
+                </a:r>
+                <a:endParaRPr lang="en-US" dirty="0"/>
+              </a:p>
+            </c:rich>
+          </c:tx>
+          <c:layout/>
+          <c:overlay val="0"/>
+          <c:spPr>
+            <a:noFill/>
+            <a:ln>
+              <a:noFill/>
+            </a:ln>
+            <a:effectLst/>
+          </c:spPr>
+          <c:txPr>
+            <a:bodyPr rot="-5400000" spcFirstLastPara="1" vertOverflow="ellipsis" vert="horz" wrap="square" anchor="ctr" anchorCtr="1"/>
+            <a:lstStyle/>
+            <a:p>
+              <a:pPr>
+                <a:defRPr sz="1197" b="1" i="0" u="none" strike="noStrike" kern="1200" baseline="0">
+                  <a:solidFill>
+                    <a:schemeClr val="lt1">
+                      <a:lumMod val="75000"/>
+                    </a:schemeClr>
+                  </a:solidFill>
+                  <a:latin typeface="+mn-lt"/>
+                  <a:ea typeface="+mn-ea"/>
+                  <a:cs typeface="+mn-cs"/>
+                </a:defRPr>
+              </a:pPr>
+              <a:endParaRPr lang="en-US"/>
+            </a:p>
+          </c:txPr>
+        </c:title>
+        <c:numFmt formatCode="0.00E+00" sourceLinked="1"/>
+        <c:majorTickMark val="none"/>
+        <c:minorTickMark val="none"/>
+        <c:tickLblPos val="nextTo"/>
+        <c:spPr>
+          <a:noFill/>
+          <a:ln>
+            <a:noFill/>
+          </a:ln>
+          <a:effectLst/>
+        </c:spPr>
+        <c:txPr>
+          <a:bodyPr rot="-60000000" spcFirstLastPara="1" vertOverflow="ellipsis" vert="horz" wrap="square" anchor="ctr" anchorCtr="1"/>
+          <a:lstStyle/>
+          <a:p>
+            <a:pPr>
+              <a:defRPr sz="1197" b="0" i="0" u="none" strike="noStrike" kern="1200" baseline="0">
+                <a:solidFill>
+                  <a:schemeClr val="lt1">
+                    <a:lumMod val="75000"/>
+                  </a:schemeClr>
+                </a:solidFill>
+                <a:latin typeface="+mn-lt"/>
+                <a:ea typeface="+mn-ea"/>
+                <a:cs typeface="+mn-cs"/>
+              </a:defRPr>
+            </a:pPr>
+            <a:endParaRPr lang="en-US"/>
+          </a:p>
+        </c:txPr>
+        <c:crossAx val="200461632"/>
+        <c:crosses val="autoZero"/>
+        <c:crossBetween val="between"/>
+      </c:valAx>
+      <c:spPr>
+        <a:noFill/>
+        <a:ln>
+          <a:noFill/>
+        </a:ln>
+        <a:effectLst/>
+      </c:spPr>
+    </c:plotArea>
+    <c:legend>
+      <c:legendPos val="t"/>
+      <c:layout/>
+      <c:overlay val="0"/>
+      <c:spPr>
+        <a:noFill/>
+        <a:ln>
+          <a:noFill/>
+        </a:ln>
+        <a:effectLst/>
+      </c:spPr>
+      <c:txPr>
+        <a:bodyPr rot="0" spcFirstLastPara="1" vertOverflow="ellipsis" vert="horz" wrap="square" anchor="ctr" anchorCtr="1"/>
+        <a:lstStyle/>
+        <a:p>
+          <a:pPr>
+            <a:defRPr sz="1197" b="0" i="0" u="none" strike="noStrike" kern="1200" baseline="0">
+              <a:solidFill>
+                <a:schemeClr val="lt1">
+                  <a:lumMod val="75000"/>
+                </a:schemeClr>
+              </a:solidFill>
+              <a:latin typeface="+mn-lt"/>
+              <a:ea typeface="+mn-ea"/>
+              <a:cs typeface="+mn-cs"/>
+            </a:defRPr>
+          </a:pPr>
+          <a:endParaRPr lang="en-US"/>
+        </a:p>
+      </c:txPr>
+    </c:legend>
+    <c:plotVisOnly val="1"/>
+    <c:dispBlanksAs val="gap"/>
+    <c:showDLblsOverMax val="0"/>
+  </c:chart>
+  <c:spPr>
+    <a:solidFill>
+      <a:schemeClr val="dk1">
+        <a:lumMod val="75000"/>
+        <a:lumOff val="25000"/>
+      </a:schemeClr>
+    </a:solidFill>
+    <a:ln w="9525" cap="flat" cmpd="sng" algn="ctr">
+      <a:solidFill>
+        <a:schemeClr val="dk1">
+          <a:lumMod val="15000"/>
+          <a:lumOff val="85000"/>
+        </a:schemeClr>
+      </a:solidFill>
+      <a:round/>
+    </a:ln>
+    <a:effectLst/>
+  </c:spPr>
+  <c:txPr>
+    <a:bodyPr/>
+    <a:lstStyle/>
+    <a:p>
+      <a:pPr>
+        <a:defRPr/>
+      </a:pPr>
+      <a:endParaRPr lang="en-US"/>
+    </a:p>
+  </c:txPr>
+  <c:externalData r:id="rId3">
+    <c:autoUpdate val="0"/>
+  </c:externalData>
+</c:chartSpace>
+</file>
+
+<file path=ppt/charts/chart2.xml><?xml version="1.0" encoding="utf-8"?>
+<c:chartSpace xmlns:c="http://schemas.openxmlformats.org/drawingml/2006/chart" xmlns:a="http://schemas.openxmlformats.org/drawingml/2006/main" xmlns:r="http://schemas.openxmlformats.org/officeDocument/2006/relationships">
+  <c:date1904 val="0"/>
+  <c:lang val="en-US"/>
+  <c:roundedCorners val="0"/>
+  <mc:AlternateContent xmlns:mc="http://schemas.openxmlformats.org/markup-compatibility/2006">
+    <mc:Choice xmlns:c14="http://schemas.microsoft.com/office/drawing/2007/8/2/chart" Requires="c14">
+      <c14:style val="102"/>
+    </mc:Choice>
+    <mc:Fallback>
+      <c:style val="2"/>
+    </mc:Fallback>
+  </mc:AlternateContent>
+  <c:chart>
+    <c:title>
+      <c:tx>
+        <c:rich>
+          <a:bodyPr rot="0" spcFirstLastPara="1" vertOverflow="ellipsis" vert="horz" wrap="square" anchor="ctr" anchorCtr="1"/>
+          <a:lstStyle/>
+          <a:p>
+            <a:pPr>
+              <a:defRPr sz="1862" b="1" i="0" u="none" strike="noStrike" kern="1200" cap="none" baseline="0">
+                <a:solidFill>
+                  <a:schemeClr val="lt1">
+                    <a:lumMod val="85000"/>
+                  </a:schemeClr>
+                </a:solidFill>
+                <a:latin typeface="+mn-lt"/>
+                <a:ea typeface="+mn-ea"/>
+                <a:cs typeface="+mn-cs"/>
+              </a:defRPr>
+            </a:pPr>
+            <a:r>
+              <a:rPr lang="en-US" dirty="0" smtClean="0"/>
+              <a:t>Our 1200 b/sec BPSK</a:t>
+            </a:r>
+            <a:r>
+              <a:rPr lang="en-US" baseline="0" dirty="0" smtClean="0"/>
+              <a:t> </a:t>
+            </a:r>
+            <a:r>
+              <a:rPr lang="en-US" dirty="0" smtClean="0"/>
+              <a:t>BER Performance vs. Theoretical in AWGN </a:t>
+            </a:r>
+            <a:endParaRPr lang="en-US" dirty="0"/>
+          </a:p>
+        </c:rich>
+      </c:tx>
+      <c:layout/>
+      <c:overlay val="0"/>
+      <c:spPr>
+        <a:noFill/>
+        <a:ln>
+          <a:noFill/>
+        </a:ln>
+        <a:effectLst/>
+      </c:spPr>
+      <c:txPr>
+        <a:bodyPr rot="0" spcFirstLastPara="1" vertOverflow="ellipsis" vert="horz" wrap="square" anchor="ctr" anchorCtr="1"/>
+        <a:lstStyle/>
+        <a:p>
+          <a:pPr>
+            <a:defRPr sz="1862" b="1" i="0" u="none" strike="noStrike" kern="1200" cap="none" baseline="0">
+              <a:solidFill>
+                <a:schemeClr val="lt1">
+                  <a:lumMod val="85000"/>
+                </a:schemeClr>
+              </a:solidFill>
+              <a:latin typeface="+mn-lt"/>
+              <a:ea typeface="+mn-ea"/>
+              <a:cs typeface="+mn-cs"/>
+            </a:defRPr>
+          </a:pPr>
+          <a:endParaRPr lang="en-US"/>
+        </a:p>
+      </c:txPr>
+    </c:title>
+    <c:autoTitleDeleted val="0"/>
+    <c:plotArea>
+      <c:layout/>
+      <c:lineChart>
+        <c:grouping val="standard"/>
+        <c:varyColors val="0"/>
+        <c:ser>
+          <c:idx val="0"/>
+          <c:order val="0"/>
+          <c:tx>
+            <c:strRef>
+              <c:f>Sheet1!$B$1</c:f>
+              <c:strCache>
+                <c:ptCount val="1"/>
+                <c:pt idx="0">
+                  <c:v>Our BPSK</c:v>
+                </c:pt>
+              </c:strCache>
+            </c:strRef>
+          </c:tx>
+          <c:spPr>
+            <a:ln w="41275" cap="rnd">
+              <a:solidFill>
+                <a:schemeClr val="accent1"/>
+              </a:solidFill>
+            </a:ln>
+            <a:effectLst>
+              <a:glow rad="139700">
+                <a:schemeClr val="accent1">
+                  <a:satMod val="175000"/>
+                  <a:alpha val="14000"/>
+                </a:schemeClr>
+              </a:glow>
+            </a:effectLst>
+          </c:spPr>
+          <c:marker>
+            <c:symbol val="none"/>
+          </c:marker>
+          <c:cat>
+            <c:numRef>
+              <c:f>Sheet1!$A$2:$A$10</c:f>
+              <c:numCache>
+                <c:formatCode>General</c:formatCode>
+                <c:ptCount val="9"/>
+                <c:pt idx="0">
+                  <c:v>10</c:v>
+                </c:pt>
+                <c:pt idx="1">
+                  <c:v>12</c:v>
+                </c:pt>
+                <c:pt idx="2">
+                  <c:v>14</c:v>
+                </c:pt>
+                <c:pt idx="3">
+                  <c:v>16</c:v>
+                </c:pt>
+                <c:pt idx="4">
+                  <c:v>18</c:v>
+                </c:pt>
+                <c:pt idx="5">
+                  <c:v>20</c:v>
+                </c:pt>
+                <c:pt idx="6">
+                  <c:v>22</c:v>
+                </c:pt>
+                <c:pt idx="7">
+                  <c:v>24</c:v>
+                </c:pt>
+                <c:pt idx="8">
+                  <c:v>26</c:v>
+                </c:pt>
+              </c:numCache>
+            </c:numRef>
+          </c:cat>
+          <c:val>
+            <c:numRef>
+              <c:f>Sheet1!$B$2:$B$10</c:f>
+              <c:numCache>
+                <c:formatCode>0.00E+00</c:formatCode>
+                <c:ptCount val="9"/>
+                <c:pt idx="0">
+                  <c:v>0.49138999999999999</c:v>
+                </c:pt>
+                <c:pt idx="1">
+                  <c:v>8.3210000000000006E-2</c:v>
+                </c:pt>
+                <c:pt idx="2">
+                  <c:v>5.0709999999999998E-2</c:v>
+                </c:pt>
+                <c:pt idx="3">
+                  <c:v>2.9510000000000002E-2</c:v>
+                </c:pt>
+                <c:pt idx="4">
+                  <c:v>1.26E-2</c:v>
+                </c:pt>
+                <c:pt idx="5">
+                  <c:v>4.6010000000000001E-3</c:v>
+                </c:pt>
+                <c:pt idx="6">
+                  <c:v>1.4E-3</c:v>
+                </c:pt>
+                <c:pt idx="7">
+                  <c:v>2.0000000000000001E-4</c:v>
+                </c:pt>
+                <c:pt idx="8">
+                  <c:v>1E-4</c:v>
+                </c:pt>
+              </c:numCache>
+            </c:numRef>
+          </c:val>
+          <c:smooth val="0"/>
+        </c:ser>
+        <c:ser>
+          <c:idx val="1"/>
+          <c:order val="1"/>
+          <c:tx>
+            <c:strRef>
+              <c:f>Sheet1!$C$1</c:f>
+              <c:strCache>
+                <c:ptCount val="1"/>
+                <c:pt idx="0">
+                  <c:v>Theoretical BPSK</c:v>
+                </c:pt>
+              </c:strCache>
+            </c:strRef>
+          </c:tx>
+          <c:spPr>
+            <a:ln w="60325" cap="rnd">
+              <a:solidFill>
+                <a:schemeClr val="accent2"/>
+              </a:solidFill>
+            </a:ln>
+            <a:effectLst>
+              <a:glow rad="139700">
+                <a:schemeClr val="accent2">
+                  <a:satMod val="175000"/>
+                  <a:alpha val="14000"/>
+                </a:schemeClr>
+              </a:glow>
+            </a:effectLst>
+          </c:spPr>
+          <c:marker>
+            <c:symbol val="none"/>
+          </c:marker>
+          <c:cat>
+            <c:numRef>
+              <c:f>Sheet1!$A$2:$A$10</c:f>
+              <c:numCache>
+                <c:formatCode>General</c:formatCode>
+                <c:ptCount val="9"/>
+                <c:pt idx="0">
+                  <c:v>10</c:v>
+                </c:pt>
+                <c:pt idx="1">
+                  <c:v>12</c:v>
+                </c:pt>
+                <c:pt idx="2">
+                  <c:v>14</c:v>
+                </c:pt>
+                <c:pt idx="3">
+                  <c:v>16</c:v>
+                </c:pt>
+                <c:pt idx="4">
+                  <c:v>18</c:v>
+                </c:pt>
+                <c:pt idx="5">
+                  <c:v>20</c:v>
+                </c:pt>
+                <c:pt idx="6">
+                  <c:v>22</c:v>
+                </c:pt>
+                <c:pt idx="7">
+                  <c:v>24</c:v>
+                </c:pt>
+                <c:pt idx="8">
+                  <c:v>26</c:v>
+                </c:pt>
+              </c:numCache>
+            </c:numRef>
+          </c:cat>
+          <c:val>
+            <c:numRef>
+              <c:f>Sheet1!$C$2:$C$10</c:f>
+              <c:numCache>
+                <c:formatCode>General</c:formatCode>
+                <c:ptCount val="9"/>
+                <c:pt idx="0">
+                  <c:v>0</c:v>
+                </c:pt>
+                <c:pt idx="1">
+                  <c:v>0</c:v>
+                </c:pt>
+                <c:pt idx="2">
+                  <c:v>0</c:v>
+                </c:pt>
+                <c:pt idx="3">
+                  <c:v>0</c:v>
+                </c:pt>
+                <c:pt idx="4">
+                  <c:v>0</c:v>
+                </c:pt>
+                <c:pt idx="5">
+                  <c:v>0</c:v>
+                </c:pt>
+                <c:pt idx="6">
+                  <c:v>0</c:v>
+                </c:pt>
+                <c:pt idx="7">
+                  <c:v>0</c:v>
+                </c:pt>
+                <c:pt idx="8">
+                  <c:v>0</c:v>
+                </c:pt>
+              </c:numCache>
+            </c:numRef>
+          </c:val>
+          <c:smooth val="0"/>
+        </c:ser>
+        <c:dLbls>
+          <c:showLegendKey val="0"/>
+          <c:showVal val="0"/>
+          <c:showCatName val="0"/>
+          <c:showSerName val="0"/>
+          <c:showPercent val="0"/>
+          <c:showBubbleSize val="0"/>
+        </c:dLbls>
+        <c:smooth val="0"/>
+        <c:axId val="200467232"/>
+        <c:axId val="161688368"/>
+      </c:lineChart>
+      <c:catAx>
+        <c:axId val="200467232"/>
+        <c:scaling>
+          <c:orientation val="minMax"/>
+        </c:scaling>
+        <c:delete val="0"/>
+        <c:axPos val="b"/>
+        <c:majorGridlines>
+          <c:spPr>
+            <a:ln w="9525" cap="flat" cmpd="sng" algn="ctr">
+              <a:gradFill>
+                <a:gsLst>
+                  <a:gs pos="100000">
+                    <a:schemeClr val="dk1">
+                      <a:lumMod val="75000"/>
+                      <a:lumOff val="25000"/>
+                    </a:schemeClr>
+                  </a:gs>
+                  <a:gs pos="0">
+                    <a:schemeClr val="dk1">
+                      <a:lumMod val="65000"/>
+                      <a:lumOff val="35000"/>
+                    </a:schemeClr>
+                  </a:gs>
+                </a:gsLst>
+                <a:lin ang="5400000" scaled="0"/>
+              </a:gradFill>
+              <a:round/>
+            </a:ln>
+            <a:effectLst/>
+          </c:spPr>
+        </c:majorGridlines>
+        <c:title>
+          <c:tx>
+            <c:rich>
+              <a:bodyPr rot="0" spcFirstLastPara="1" vertOverflow="ellipsis" vert="horz" wrap="square" anchor="ctr" anchorCtr="1"/>
+              <a:lstStyle/>
+              <a:p>
+                <a:pPr>
+                  <a:defRPr sz="1197" b="1" i="0" u="none" strike="noStrike" kern="1200" baseline="0">
+                    <a:solidFill>
+                      <a:schemeClr val="lt1">
+                        <a:lumMod val="75000"/>
+                      </a:schemeClr>
+                    </a:solidFill>
+                    <a:latin typeface="+mn-lt"/>
+                    <a:ea typeface="+mn-ea"/>
+                    <a:cs typeface="+mn-cs"/>
+                  </a:defRPr>
+                </a:pPr>
+                <a:r>
+                  <a:rPr lang="en-US" dirty="0" err="1" smtClean="0"/>
+                  <a:t>Eb</a:t>
+                </a:r>
+                <a:r>
+                  <a:rPr lang="en-US" dirty="0" smtClean="0"/>
+                  <a:t>/N0 (dB)</a:t>
+                </a:r>
+                <a:endParaRPr lang="en-US" dirty="0"/>
+              </a:p>
+            </c:rich>
+          </c:tx>
+          <c:layout/>
+          <c:overlay val="0"/>
+          <c:spPr>
+            <a:noFill/>
+            <a:ln>
+              <a:noFill/>
+            </a:ln>
+            <a:effectLst/>
+          </c:spPr>
+          <c:txPr>
+            <a:bodyPr rot="0" spcFirstLastPara="1" vertOverflow="ellipsis" vert="horz" wrap="square" anchor="ctr" anchorCtr="1"/>
+            <a:lstStyle/>
+            <a:p>
+              <a:pPr>
+                <a:defRPr sz="1197" b="1" i="0" u="none" strike="noStrike" kern="1200" baseline="0">
+                  <a:solidFill>
+                    <a:schemeClr val="lt1">
+                      <a:lumMod val="75000"/>
+                    </a:schemeClr>
+                  </a:solidFill>
+                  <a:latin typeface="+mn-lt"/>
+                  <a:ea typeface="+mn-ea"/>
+                  <a:cs typeface="+mn-cs"/>
+                </a:defRPr>
+              </a:pPr>
+              <a:endParaRPr lang="en-US"/>
+            </a:p>
+          </c:txPr>
+        </c:title>
+        <c:numFmt formatCode="General" sourceLinked="1"/>
+        <c:majorTickMark val="none"/>
+        <c:minorTickMark val="none"/>
+        <c:tickLblPos val="nextTo"/>
+        <c:spPr>
+          <a:noFill/>
+          <a:ln>
+            <a:noFill/>
+          </a:ln>
+          <a:effectLst/>
+        </c:spPr>
+        <c:txPr>
+          <a:bodyPr rot="-60000000" spcFirstLastPara="1" vertOverflow="ellipsis" vert="horz" wrap="square" anchor="ctr" anchorCtr="1"/>
+          <a:lstStyle/>
+          <a:p>
+            <a:pPr>
+              <a:defRPr sz="1197" b="0" i="0" u="none" strike="noStrike" kern="1200" baseline="0">
+                <a:solidFill>
+                  <a:schemeClr val="lt1">
+                    <a:lumMod val="75000"/>
+                  </a:schemeClr>
+                </a:solidFill>
+                <a:latin typeface="+mn-lt"/>
+                <a:ea typeface="+mn-ea"/>
+                <a:cs typeface="+mn-cs"/>
+              </a:defRPr>
+            </a:pPr>
+            <a:endParaRPr lang="en-US"/>
+          </a:p>
+        </c:txPr>
+        <c:crossAx val="161688368"/>
+        <c:crosses val="autoZero"/>
+        <c:auto val="1"/>
+        <c:lblAlgn val="ctr"/>
+        <c:lblOffset val="100"/>
+        <c:noMultiLvlLbl val="0"/>
+      </c:catAx>
+      <c:valAx>
+        <c:axId val="161688368"/>
+        <c:scaling>
+          <c:orientation val="minMax"/>
+        </c:scaling>
+        <c:delete val="0"/>
+        <c:axPos val="l"/>
+        <c:majorGridlines>
+          <c:spPr>
+            <a:ln w="9525" cap="flat" cmpd="sng" algn="ctr">
+              <a:gradFill>
+                <a:gsLst>
+                  <a:gs pos="100000">
+                    <a:schemeClr val="dk1">
+                      <a:lumMod val="75000"/>
+                      <a:lumOff val="25000"/>
+                    </a:schemeClr>
+                  </a:gs>
+                  <a:gs pos="0">
+                    <a:schemeClr val="dk1">
+                      <a:lumMod val="65000"/>
+                      <a:lumOff val="35000"/>
+                    </a:schemeClr>
+                  </a:gs>
+                </a:gsLst>
+                <a:lin ang="5400000" scaled="0"/>
+              </a:gradFill>
+              <a:round/>
+            </a:ln>
+            <a:effectLst/>
+          </c:spPr>
+        </c:majorGridlines>
+        <c:title>
+          <c:tx>
+            <c:rich>
+              <a:bodyPr rot="-5400000" spcFirstLastPara="1" vertOverflow="ellipsis" vert="horz" wrap="square" anchor="ctr" anchorCtr="1"/>
+              <a:lstStyle/>
+              <a:p>
+                <a:pPr>
+                  <a:defRPr sz="1197" b="1" i="0" u="none" strike="noStrike" kern="1200" baseline="0">
+                    <a:solidFill>
+                      <a:schemeClr val="lt1">
+                        <a:lumMod val="75000"/>
+                      </a:schemeClr>
+                    </a:solidFill>
+                    <a:latin typeface="+mn-lt"/>
+                    <a:ea typeface="+mn-ea"/>
+                    <a:cs typeface="+mn-cs"/>
+                  </a:defRPr>
+                </a:pPr>
+                <a:r>
+                  <a:rPr lang="en-US" dirty="0" smtClean="0"/>
+                  <a:t>BER</a:t>
+                </a:r>
+                <a:endParaRPr lang="en-US" dirty="0"/>
+              </a:p>
+            </c:rich>
+          </c:tx>
+          <c:layout/>
+          <c:overlay val="0"/>
+          <c:spPr>
+            <a:noFill/>
+            <a:ln>
+              <a:noFill/>
+            </a:ln>
+            <a:effectLst/>
+          </c:spPr>
+          <c:txPr>
+            <a:bodyPr rot="-5400000" spcFirstLastPara="1" vertOverflow="ellipsis" vert="horz" wrap="square" anchor="ctr" anchorCtr="1"/>
+            <a:lstStyle/>
+            <a:p>
+              <a:pPr>
+                <a:defRPr sz="1197" b="1" i="0" u="none" strike="noStrike" kern="1200" baseline="0">
+                  <a:solidFill>
+                    <a:schemeClr val="lt1">
+                      <a:lumMod val="75000"/>
+                    </a:schemeClr>
+                  </a:solidFill>
+                  <a:latin typeface="+mn-lt"/>
+                  <a:ea typeface="+mn-ea"/>
+                  <a:cs typeface="+mn-cs"/>
+                </a:defRPr>
+              </a:pPr>
+              <a:endParaRPr lang="en-US"/>
+            </a:p>
+          </c:txPr>
+        </c:title>
+        <c:numFmt formatCode="0.00E+00" sourceLinked="1"/>
+        <c:majorTickMark val="none"/>
+        <c:minorTickMark val="none"/>
+        <c:tickLblPos val="nextTo"/>
+        <c:spPr>
+          <a:noFill/>
+          <a:ln>
+            <a:noFill/>
+          </a:ln>
+          <a:effectLst/>
+        </c:spPr>
+        <c:txPr>
+          <a:bodyPr rot="-60000000" spcFirstLastPara="1" vertOverflow="ellipsis" vert="horz" wrap="square" anchor="ctr" anchorCtr="1"/>
+          <a:lstStyle/>
+          <a:p>
+            <a:pPr>
+              <a:defRPr sz="1197" b="0" i="0" u="none" strike="noStrike" kern="1200" baseline="0">
+                <a:solidFill>
+                  <a:schemeClr val="lt1">
+                    <a:lumMod val="75000"/>
+                  </a:schemeClr>
+                </a:solidFill>
+                <a:latin typeface="+mn-lt"/>
+                <a:ea typeface="+mn-ea"/>
+                <a:cs typeface="+mn-cs"/>
+              </a:defRPr>
+            </a:pPr>
+            <a:endParaRPr lang="en-US"/>
+          </a:p>
+        </c:txPr>
+        <c:crossAx val="200467232"/>
+        <c:crosses val="autoZero"/>
+        <c:crossBetween val="between"/>
+      </c:valAx>
+      <c:spPr>
+        <a:noFill/>
+        <a:ln>
+          <a:noFill/>
+        </a:ln>
+        <a:effectLst/>
+      </c:spPr>
+    </c:plotArea>
+    <c:legend>
+      <c:legendPos val="t"/>
+      <c:layout/>
+      <c:overlay val="0"/>
+      <c:spPr>
+        <a:noFill/>
+        <a:ln>
+          <a:noFill/>
+        </a:ln>
+        <a:effectLst/>
+      </c:spPr>
+      <c:txPr>
+        <a:bodyPr rot="0" spcFirstLastPara="1" vertOverflow="ellipsis" vert="horz" wrap="square" anchor="ctr" anchorCtr="1"/>
+        <a:lstStyle/>
+        <a:p>
+          <a:pPr>
+            <a:defRPr sz="1197" b="0" i="0" u="none" strike="noStrike" kern="1200" baseline="0">
+              <a:solidFill>
+                <a:schemeClr val="lt1">
+                  <a:lumMod val="75000"/>
+                </a:schemeClr>
+              </a:solidFill>
+              <a:latin typeface="+mn-lt"/>
+              <a:ea typeface="+mn-ea"/>
+              <a:cs typeface="+mn-cs"/>
+            </a:defRPr>
+          </a:pPr>
+          <a:endParaRPr lang="en-US"/>
+        </a:p>
+      </c:txPr>
+    </c:legend>
+    <c:plotVisOnly val="1"/>
+    <c:dispBlanksAs val="gap"/>
+    <c:showDLblsOverMax val="0"/>
+  </c:chart>
+  <c:spPr>
+    <a:solidFill>
+      <a:schemeClr val="dk1">
+        <a:lumMod val="75000"/>
+        <a:lumOff val="25000"/>
+      </a:schemeClr>
+    </a:solidFill>
+    <a:ln w="9525" cap="flat" cmpd="sng" algn="ctr">
+      <a:solidFill>
+        <a:schemeClr val="dk1">
+          <a:lumMod val="15000"/>
+          <a:lumOff val="85000"/>
+        </a:schemeClr>
+      </a:solidFill>
+      <a:round/>
+    </a:ln>
+    <a:effectLst/>
+  </c:spPr>
+  <c:txPr>
+    <a:bodyPr/>
+    <a:lstStyle/>
+    <a:p>
+      <a:pPr>
+        <a:defRPr/>
+      </a:pPr>
+      <a:endParaRPr lang="en-US"/>
+    </a:p>
+  </c:txPr>
+  <c:externalData r:id="rId3">
+    <c:autoUpdate val="0"/>
+  </c:externalData>
+</c:chartSpace>
+</file>
+
+<file path=ppt/charts/colors1.xml><?xml version="1.0" encoding="utf-8"?>
+<cs:colorStyle xmlns:cs="http://schemas.microsoft.com/office/drawing/2012/chartStyle" xmlns:a="http://schemas.openxmlformats.org/drawingml/2006/main" meth="cycle" id="10">
+  <a:schemeClr val="accent1"/>
+  <a:schemeClr val="accent2"/>
+  <a:schemeClr val="accent3"/>
+  <a:schemeClr val="accent4"/>
+  <a:schemeClr val="accent5"/>
+  <a:schemeClr val="accent6"/>
+  <cs:variation/>
+  <cs:variation>
+    <a:lumMod val="60000"/>
+  </cs:variation>
+  <cs:variation>
+    <a:lumMod val="80000"/>
+    <a:lumOff val="20000"/>
+  </cs:variation>
+  <cs:variation>
+    <a:lumMod val="80000"/>
+  </cs:variation>
+  <cs:variation>
+    <a:lumMod val="60000"/>
+    <a:lumOff val="40000"/>
+  </cs:variation>
+  <cs:variation>
+    <a:lumMod val="50000"/>
+  </cs:variation>
+  <cs:variation>
+    <a:lumMod val="70000"/>
+    <a:lumOff val="30000"/>
+  </cs:variation>
+  <cs:variation>
+    <a:lumMod val="70000"/>
+  </cs:variation>
+  <cs:variation>
+    <a:lumMod val="50000"/>
+    <a:lumOff val="50000"/>
+  </cs:variation>
+</cs:colorStyle>
+</file>
+
+<file path=ppt/charts/colors2.xml><?xml version="1.0" encoding="utf-8"?>
+<cs:colorStyle xmlns:cs="http://schemas.microsoft.com/office/drawing/2012/chartStyle" xmlns:a="http://schemas.openxmlformats.org/drawingml/2006/main" meth="cycle" id="10">
+  <a:schemeClr val="accent1"/>
+  <a:schemeClr val="accent2"/>
+  <a:schemeClr val="accent3"/>
+  <a:schemeClr val="accent4"/>
+  <a:schemeClr val="accent5"/>
+  <a:schemeClr val="accent6"/>
+  <cs:variation/>
+  <cs:variation>
+    <a:lumMod val="60000"/>
+  </cs:variation>
+  <cs:variation>
+    <a:lumMod val="80000"/>
+    <a:lumOff val="20000"/>
+  </cs:variation>
+  <cs:variation>
+    <a:lumMod val="80000"/>
+  </cs:variation>
+  <cs:variation>
+    <a:lumMod val="60000"/>
+    <a:lumOff val="40000"/>
+  </cs:variation>
+  <cs:variation>
+    <a:lumMod val="50000"/>
+  </cs:variation>
+  <cs:variation>
+    <a:lumMod val="70000"/>
+    <a:lumOff val="30000"/>
+  </cs:variation>
+  <cs:variation>
+    <a:lumMod val="70000"/>
+  </cs:variation>
+  <cs:variation>
+    <a:lumMod val="50000"/>
+    <a:lumOff val="50000"/>
+  </cs:variation>
+</cs:colorStyle>
+</file>
+
+<file path=ppt/charts/style1.xml><?xml version="1.0" encoding="utf-8"?>
+<cs:chartStyle xmlns:cs="http://schemas.microsoft.com/office/drawing/2012/chartStyle" xmlns:a="http://schemas.openxmlformats.org/drawingml/2006/main" id="236">
+  <cs:axisTitle>
+    <cs:lnRef idx="0"/>
+    <cs:fillRef idx="0"/>
+    <cs:effectRef idx="0"/>
+    <cs:fontRef idx="minor">
+      <a:schemeClr val="lt1">
+        <a:lumMod val="75000"/>
+      </a:schemeClr>
+    </cs:fontRef>
+    <cs:defRPr sz="1197" b="1" kern="1200"/>
+  </cs:axisTitle>
+  <cs:categoryAxis>
+    <cs:lnRef idx="0"/>
+    <cs:fillRef idx="0"/>
+    <cs:effectRef idx="0"/>
+    <cs:fontRef idx="minor">
+      <a:schemeClr val="lt1">
+        <a:lumMod val="75000"/>
+      </a:schemeClr>
+    </cs:fontRef>
+    <cs:defRPr sz="1197" kern="1200"/>
+  </cs:categoryAxis>
+  <cs:chartArea>
+    <cs:lnRef idx="0"/>
+    <cs:fillRef idx="0"/>
+    <cs:effectRef idx="0"/>
+    <cs:fontRef idx="minor">
+      <a:schemeClr val="dk1"/>
+    </cs:fontRef>
+    <cs:spPr>
+      <a:solidFill>
+        <a:schemeClr val="dk1">
+          <a:lumMod val="75000"/>
+          <a:lumOff val="25000"/>
+        </a:schemeClr>
+      </a:solidFill>
+      <a:ln w="9525" cap="flat" cmpd="sng" algn="ctr">
+        <a:solidFill>
+          <a:schemeClr val="dk1">
+            <a:lumMod val="15000"/>
+            <a:lumOff val="85000"/>
+          </a:schemeClr>
+        </a:solidFill>
+        <a:round/>
+      </a:ln>
+    </cs:spPr>
+    <cs:defRPr sz="1197" kern="1200"/>
+  </cs:chartArea>
+  <cs:dataLabel>
+    <cs:lnRef idx="0"/>
+    <cs:fillRef idx="0"/>
+    <cs:effectRef idx="0"/>
+    <cs:fontRef idx="minor">
+      <a:schemeClr val="lt1">
+        <a:lumMod val="75000"/>
+      </a:schemeClr>
+    </cs:fontRef>
+    <cs:defRPr sz="1197" kern="1200"/>
+  </cs:dataLabel>
+  <cs:dataLabelCallout>
+    <cs:lnRef idx="0"/>
+    <cs:fillRef idx="0"/>
+    <cs:effectRef idx="0"/>
+    <cs:fontRef idx="minor">
+      <a:schemeClr val="lt1">
+        <a:lumMod val="15000"/>
+        <a:lumOff val="85000"/>
+      </a:schemeClr>
+    </cs:fontRef>
+    <cs:spPr>
+      <a:solidFill>
+        <a:schemeClr val="dk1">
+          <a:lumMod val="65000"/>
+          <a:lumOff val="35000"/>
+        </a:schemeClr>
+      </a:solidFill>
+    </cs:spPr>
+    <cs:defRPr sz="1197" kern="1200"/>
+    <cs:bodyPr rot="0" spcFirstLastPara="1" vertOverflow="clip" horzOverflow="clip" vert="horz" wrap="square" lIns="36576" tIns="18288" rIns="36576" bIns="18288" anchor="ctr" anchorCtr="1">
+      <a:spAutoFit/>
+    </cs:bodyPr>
+  </cs:dataLabelCallout>
+  <cs:dataPoint>
+    <cs:lnRef idx="0">
+      <cs:styleClr val="auto"/>
+    </cs:lnRef>
+    <cs:fillRef idx="0"/>
+    <cs:effectRef idx="0">
+      <cs:styleClr val="auto"/>
+    </cs:effectRef>
+    <cs:fontRef idx="minor">
+      <a:schemeClr val="dk1"/>
+    </cs:fontRef>
+    <cs:spPr>
+      <a:ln w="9525" cap="flat" cmpd="sng" algn="ctr">
+        <a:solidFill>
+          <a:schemeClr val="phClr"/>
+        </a:solidFill>
+        <a:miter lim="800000"/>
+      </a:ln>
+      <a:effectLst>
+        <a:glow rad="63500">
+          <a:schemeClr val="phClr">
+            <a:satMod val="175000"/>
+            <a:alpha val="25000"/>
+          </a:schemeClr>
+        </a:glow>
+      </a:effectLst>
+    </cs:spPr>
+  </cs:dataPoint>
+  <cs:dataPoint3D>
+    <cs:lnRef idx="0">
+      <cs:styleClr val="auto"/>
+    </cs:lnRef>
+    <cs:fillRef idx="0">
+      <cs:styleClr val="auto"/>
+    </cs:fillRef>
+    <cs:effectRef idx="0">
+      <cs:styleClr val="auto"/>
+    </cs:effectRef>
+    <cs:fontRef idx="minor">
+      <a:schemeClr val="dk1"/>
+    </cs:fontRef>
+    <cs:spPr>
+      <a:ln w="9525" cap="flat" cmpd="sng" algn="ctr">
+        <a:solidFill>
+          <a:schemeClr val="phClr"/>
+        </a:solidFill>
+        <a:miter lim="800000"/>
+      </a:ln>
+      <a:effectLst>
+        <a:glow rad="63500">
+          <a:schemeClr val="phClr">
+            <a:satMod val="175000"/>
+            <a:alpha val="25000"/>
+          </a:schemeClr>
+        </a:glow>
+      </a:effectLst>
+    </cs:spPr>
+  </cs:dataPoint3D>
+  <cs:dataPointLine>
+    <cs:lnRef idx="0">
+      <cs:styleClr val="auto"/>
+    </cs:lnRef>
+    <cs:fillRef idx="0">
+      <cs:styleClr val="auto"/>
+    </cs:fillRef>
+    <cs:effectRef idx="0">
+      <cs:styleClr val="auto"/>
+    </cs:effectRef>
+    <cs:fontRef idx="minor">
+      <a:schemeClr val="dk1"/>
+    </cs:fontRef>
+    <cs:spPr>
+      <a:ln w="22225" cap="rnd">
+        <a:solidFill>
+          <a:schemeClr val="phClr"/>
+        </a:solidFill>
+      </a:ln>
+      <a:effectLst>
+        <a:glow rad="139700">
+          <a:schemeClr val="phClr">
+            <a:satMod val="175000"/>
+            <a:alpha val="14000"/>
+          </a:schemeClr>
+        </a:glow>
+      </a:effectLst>
+    </cs:spPr>
+  </cs:dataPointLine>
+  <cs:dataPointMarker>
+    <cs:lnRef idx="0">
+      <cs:styleClr val="auto"/>
+    </cs:lnRef>
+    <cs:fillRef idx="0">
+      <cs:styleClr val="auto"/>
+    </cs:fillRef>
+    <cs:effectRef idx="0">
+      <cs:styleClr val="auto"/>
+    </cs:effectRef>
+    <cs:fontRef idx="minor">
+      <a:schemeClr val="dk1"/>
+    </cs:fontRef>
+    <cs:spPr>
+      <a:solidFill>
+        <a:schemeClr val="phClr">
+          <a:lumMod val="60000"/>
+          <a:lumOff val="40000"/>
+        </a:schemeClr>
+      </a:solidFill>
+      <a:effectLst>
+        <a:glow rad="63500">
+          <a:schemeClr val="phClr">
+            <a:satMod val="175000"/>
+            <a:alpha val="25000"/>
+          </a:schemeClr>
+        </a:glow>
+      </a:effectLst>
+    </cs:spPr>
+  </cs:dataPointMarker>
+  <cs:dataPointMarkerLayout symbol="circle" size="4"/>
+  <cs:dataPointWireframe>
+    <cs:lnRef idx="0">
+      <cs:styleClr val="auto"/>
+    </cs:lnRef>
+    <cs:fillRef idx="0"/>
+    <cs:effectRef idx="0"/>
+    <cs:fontRef idx="minor">
+      <a:schemeClr val="dk1"/>
+    </cs:fontRef>
+    <cs:spPr>
+      <a:ln w="9525" cap="rnd">
+        <a:solidFill>
+          <a:schemeClr val="phClr"/>
+        </a:solidFill>
+        <a:round/>
+      </a:ln>
+    </cs:spPr>
+  </cs:dataPointWireframe>
+  <cs:dataTable>
+    <cs:lnRef idx="0"/>
+    <cs:fillRef idx="0"/>
+    <cs:effectRef idx="0"/>
+    <cs:fontRef idx="minor">
+      <a:schemeClr val="lt1">
+        <a:lumMod val="75000"/>
+      </a:schemeClr>
+    </cs:fontRef>
+    <cs:spPr>
+      <a:ln w="9525">
+        <a:solidFill>
+          <a:schemeClr val="dk1">
+            <a:lumMod val="50000"/>
+            <a:lumOff val="50000"/>
+          </a:schemeClr>
+        </a:solidFill>
+      </a:ln>
+    </cs:spPr>
+    <cs:defRPr sz="1197" kern="1200"/>
+  </cs:dataTable>
+  <cs:downBar>
+    <cs:lnRef idx="0"/>
+    <cs:fillRef idx="0"/>
+    <cs:effectRef idx="0"/>
+    <cs:fontRef idx="minor">
+      <a:schemeClr val="lt1"/>
+    </cs:fontRef>
+    <cs:spPr>
+      <a:solidFill>
+        <a:schemeClr val="dk1">
+          <a:lumMod val="50000"/>
+          <a:lumOff val="50000"/>
+        </a:schemeClr>
+      </a:solidFill>
+      <a:ln w="9525">
+        <a:solidFill>
+          <a:schemeClr val="dk1">
+            <a:lumMod val="75000"/>
+          </a:schemeClr>
+        </a:solidFill>
+        <a:round/>
+      </a:ln>
+    </cs:spPr>
+  </cs:downBar>
+  <cs:dropLine>
+    <cs:lnRef idx="0"/>
+    <cs:fillRef idx="0"/>
+    <cs:effectRef idx="0"/>
+    <cs:fontRef idx="minor">
+      <a:schemeClr val="dk1"/>
+    </cs:fontRef>
+    <cs:spPr>
+      <a:ln w="9525">
+        <a:solidFill>
+          <a:schemeClr val="lt1">
+            <a:lumMod val="50000"/>
+          </a:schemeClr>
+        </a:solidFill>
+        <a:round/>
+      </a:ln>
+    </cs:spPr>
+  </cs:dropLine>
+  <cs:errorBar>
+    <cs:lnRef idx="0"/>
+    <cs:fillRef idx="0"/>
+    <cs:effectRef idx="0"/>
+    <cs:fontRef idx="minor">
+      <a:schemeClr val="dk1"/>
+    </cs:fontRef>
+    <cs:spPr>
+      <a:ln w="9525">
+        <a:solidFill>
+          <a:schemeClr val="lt1">
+            <a:lumMod val="50000"/>
+          </a:schemeClr>
+        </a:solidFill>
+        <a:round/>
+      </a:ln>
+    </cs:spPr>
+  </cs:errorBar>
+  <cs:floor>
+    <cs:lnRef idx="0"/>
+    <cs:fillRef idx="0"/>
+    <cs:effectRef idx="0"/>
+    <cs:fontRef idx="minor">
+      <a:schemeClr val="dk1"/>
+    </cs:fontRef>
+  </cs:floor>
+  <cs:gridlineMajor>
+    <cs:lnRef idx="0"/>
+    <cs:fillRef idx="0"/>
+    <cs:effectRef idx="0"/>
+    <cs:fontRef idx="minor">
+      <a:schemeClr val="dk1"/>
+    </cs:fontRef>
+    <cs:spPr>
+      <a:ln w="9525" cap="flat" cmpd="sng" algn="ctr">
+        <a:gradFill>
+          <a:gsLst>
+            <a:gs pos="100000">
+              <a:schemeClr val="dk1">
+                <a:lumMod val="75000"/>
+                <a:lumOff val="25000"/>
+              </a:schemeClr>
+            </a:gs>
+            <a:gs pos="0">
+              <a:schemeClr val="dk1">
+                <a:lumMod val="65000"/>
+                <a:lumOff val="35000"/>
+              </a:schemeClr>
+            </a:gs>
+          </a:gsLst>
+          <a:lin ang="5400000" scaled="0"/>
+        </a:gradFill>
+        <a:round/>
+      </a:ln>
+    </cs:spPr>
+  </cs:gridlineMajor>
+  <cs:gridlineMinor>
+    <cs:lnRef idx="0"/>
+    <cs:fillRef idx="0"/>
+    <cs:effectRef idx="0"/>
+    <cs:fontRef idx="minor">
+      <a:schemeClr val="dk1"/>
+    </cs:fontRef>
+    <cs:spPr>
+      <a:ln w="9525" cap="flat" cmpd="sng" algn="ctr">
+        <a:gradFill>
+          <a:gsLst>
+            <a:gs pos="100000">
+              <a:schemeClr val="dk1">
+                <a:lumMod val="75000"/>
+                <a:lumOff val="25000"/>
+                <a:alpha val="25000"/>
+              </a:schemeClr>
+            </a:gs>
+            <a:gs pos="0">
+              <a:schemeClr val="dk1">
+                <a:lumMod val="65000"/>
+                <a:lumOff val="35000"/>
+                <a:alpha val="25000"/>
+              </a:schemeClr>
+            </a:gs>
+          </a:gsLst>
+          <a:lin ang="5400000" scaled="0"/>
+        </a:gradFill>
+        <a:round/>
+      </a:ln>
+    </cs:spPr>
+  </cs:gridlineMinor>
+  <cs:hiLoLine>
+    <cs:lnRef idx="0"/>
+    <cs:fillRef idx="0"/>
+    <cs:effectRef idx="0"/>
+    <cs:fontRef idx="minor">
+      <a:schemeClr val="dk1"/>
+    </cs:fontRef>
+    <cs:spPr>
+      <a:ln w="9525">
+        <a:solidFill>
+          <a:schemeClr val="lt1">
+            <a:lumMod val="50000"/>
+          </a:schemeClr>
+        </a:solidFill>
+        <a:round/>
+      </a:ln>
+    </cs:spPr>
+  </cs:hiLoLine>
+  <cs:leaderLine>
+    <cs:lnRef idx="0"/>
+    <cs:fillRef idx="0"/>
+    <cs:effectRef idx="0"/>
+    <cs:fontRef idx="minor">
+      <a:schemeClr val="dk1"/>
+    </cs:fontRef>
+    <cs:spPr>
+      <a:ln w="9525">
+        <a:solidFill>
+          <a:schemeClr val="lt1">
+            <a:lumMod val="50000"/>
+          </a:schemeClr>
+        </a:solidFill>
+        <a:round/>
+      </a:ln>
+    </cs:spPr>
+  </cs:leaderLine>
+  <cs:legend>
+    <cs:lnRef idx="0"/>
+    <cs:fillRef idx="0"/>
+    <cs:effectRef idx="0"/>
+    <cs:fontRef idx="minor">
+      <a:schemeClr val="lt1">
+        <a:lumMod val="75000"/>
+      </a:schemeClr>
+    </cs:fontRef>
+    <cs:defRPr sz="1197" kern="1200"/>
+  </cs:legend>
+  <cs:plotArea>
+    <cs:lnRef idx="0"/>
+    <cs:fillRef idx="0"/>
+    <cs:effectRef idx="0"/>
+    <cs:fontRef idx="minor">
+      <a:schemeClr val="dk1"/>
+    </cs:fontRef>
+  </cs:plotArea>
+  <cs:plotArea3D>
+    <cs:lnRef idx="0"/>
+    <cs:fillRef idx="0"/>
+    <cs:effectRef idx="0"/>
+    <cs:fontRef idx="minor">
+      <a:schemeClr val="dk1"/>
+    </cs:fontRef>
+  </cs:plotArea3D>
+  <cs:seriesAxis>
+    <cs:lnRef idx="0"/>
+    <cs:fillRef idx="0"/>
+    <cs:effectRef idx="0"/>
+    <cs:fontRef idx="minor">
+      <a:schemeClr val="lt1">
+        <a:lumMod val="75000"/>
+      </a:schemeClr>
+    </cs:fontRef>
+    <cs:defRPr sz="1197" kern="1200"/>
+  </cs:seriesAxis>
+  <cs:seriesLine>
+    <cs:lnRef idx="0"/>
+    <cs:fillRef idx="0"/>
+    <cs:effectRef idx="0"/>
+    <cs:fontRef idx="minor">
+      <a:schemeClr val="dk1"/>
+    </cs:fontRef>
+    <cs:spPr>
+      <a:ln w="9525">
+        <a:solidFill>
+          <a:schemeClr val="lt1">
+            <a:lumMod val="50000"/>
+          </a:schemeClr>
+        </a:solidFill>
+        <a:round/>
+      </a:ln>
+    </cs:spPr>
+  </cs:seriesLine>
+  <cs:title>
+    <cs:lnRef idx="0"/>
+    <cs:fillRef idx="0"/>
+    <cs:effectRef idx="0"/>
+    <cs:fontRef idx="minor">
+      <a:schemeClr val="lt1">
+        <a:lumMod val="85000"/>
+      </a:schemeClr>
+    </cs:fontRef>
+    <cs:defRPr sz="1862" b="1" kern="1200" cap="none" baseline="0"/>
+  </cs:title>
+  <cs:trendline>
+    <cs:lnRef idx="0">
+      <cs:styleClr val="auto"/>
+    </cs:lnRef>
+    <cs:fillRef idx="0"/>
+    <cs:effectRef idx="0"/>
+    <cs:fontRef idx="minor">
+      <a:schemeClr val="lt1"/>
+    </cs:fontRef>
+    <cs:spPr>
+      <a:ln w="25400" cap="rnd">
+        <a:solidFill>
+          <a:schemeClr val="phClr">
+            <a:alpha val="50000"/>
+          </a:schemeClr>
+        </a:solidFill>
+      </a:ln>
+    </cs:spPr>
+  </cs:trendline>
+  <cs:trendlineLabel>
+    <cs:lnRef idx="0"/>
+    <cs:fillRef idx="0"/>
+    <cs:effectRef idx="0"/>
+    <cs:fontRef idx="minor">
+      <a:schemeClr val="lt1">
+        <a:lumMod val="75000"/>
+      </a:schemeClr>
+    </cs:fontRef>
+    <cs:defRPr sz="1197" kern="1200"/>
+  </cs:trendlineLabel>
+  <cs:upBar>
+    <cs:lnRef idx="0"/>
+    <cs:fillRef idx="0"/>
+    <cs:effectRef idx="0"/>
+    <cs:fontRef idx="minor">
+      <a:schemeClr val="dk1"/>
+    </cs:fontRef>
+    <cs:spPr>
+      <a:solidFill>
+        <a:schemeClr val="lt1">
+          <a:lumMod val="85000"/>
+        </a:schemeClr>
+      </a:solidFill>
+      <a:ln w="9525">
+        <a:solidFill>
+          <a:schemeClr val="dk1">
+            <a:lumMod val="50000"/>
+          </a:schemeClr>
+        </a:solidFill>
+        <a:round/>
+      </a:ln>
+    </cs:spPr>
+  </cs:upBar>
+  <cs:valueAxis>
+    <cs:lnRef idx="0"/>
+    <cs:fillRef idx="0"/>
+    <cs:effectRef idx="0"/>
+    <cs:fontRef idx="minor">
+      <a:schemeClr val="lt1">
+        <a:lumMod val="75000"/>
+      </a:schemeClr>
+    </cs:fontRef>
+    <cs:defRPr sz="1197" kern="1200"/>
+  </cs:valueAxis>
+  <cs:wall>
+    <cs:lnRef idx="0"/>
+    <cs:fillRef idx="0"/>
+    <cs:effectRef idx="0"/>
+    <cs:fontRef idx="minor">
+      <a:schemeClr val="dk1"/>
+    </cs:fontRef>
+  </cs:wall>
+</cs:chartStyle>
+</file>
+
+<file path=ppt/charts/style2.xml><?xml version="1.0" encoding="utf-8"?>
+<cs:chartStyle xmlns:cs="http://schemas.microsoft.com/office/drawing/2012/chartStyle" xmlns:a="http://schemas.openxmlformats.org/drawingml/2006/main" id="236">
+  <cs:axisTitle>
+    <cs:lnRef idx="0"/>
+    <cs:fillRef idx="0"/>
+    <cs:effectRef idx="0"/>
+    <cs:fontRef idx="minor">
+      <a:schemeClr val="lt1">
+        <a:lumMod val="75000"/>
+      </a:schemeClr>
+    </cs:fontRef>
+    <cs:defRPr sz="1197" b="1" kern="1200"/>
+  </cs:axisTitle>
+  <cs:categoryAxis>
+    <cs:lnRef idx="0"/>
+    <cs:fillRef idx="0"/>
+    <cs:effectRef idx="0"/>
+    <cs:fontRef idx="minor">
+      <a:schemeClr val="lt1">
+        <a:lumMod val="75000"/>
+      </a:schemeClr>
+    </cs:fontRef>
+    <cs:defRPr sz="1197" kern="1200"/>
+  </cs:categoryAxis>
+  <cs:chartArea>
+    <cs:lnRef idx="0"/>
+    <cs:fillRef idx="0"/>
+    <cs:effectRef idx="0"/>
+    <cs:fontRef idx="minor">
+      <a:schemeClr val="dk1"/>
+    </cs:fontRef>
+    <cs:spPr>
+      <a:solidFill>
+        <a:schemeClr val="dk1">
+          <a:lumMod val="75000"/>
+          <a:lumOff val="25000"/>
+        </a:schemeClr>
+      </a:solidFill>
+      <a:ln w="9525" cap="flat" cmpd="sng" algn="ctr">
+        <a:solidFill>
+          <a:schemeClr val="dk1">
+            <a:lumMod val="15000"/>
+            <a:lumOff val="85000"/>
+          </a:schemeClr>
+        </a:solidFill>
+        <a:round/>
+      </a:ln>
+    </cs:spPr>
+    <cs:defRPr sz="1197" kern="1200"/>
+  </cs:chartArea>
+  <cs:dataLabel>
+    <cs:lnRef idx="0"/>
+    <cs:fillRef idx="0"/>
+    <cs:effectRef idx="0"/>
+    <cs:fontRef idx="minor">
+      <a:schemeClr val="lt1">
+        <a:lumMod val="75000"/>
+      </a:schemeClr>
+    </cs:fontRef>
+    <cs:defRPr sz="1197" kern="1200"/>
+  </cs:dataLabel>
+  <cs:dataLabelCallout>
+    <cs:lnRef idx="0"/>
+    <cs:fillRef idx="0"/>
+    <cs:effectRef idx="0"/>
+    <cs:fontRef idx="minor">
+      <a:schemeClr val="lt1">
+        <a:lumMod val="15000"/>
+        <a:lumOff val="85000"/>
+      </a:schemeClr>
+    </cs:fontRef>
+    <cs:spPr>
+      <a:solidFill>
+        <a:schemeClr val="dk1">
+          <a:lumMod val="65000"/>
+          <a:lumOff val="35000"/>
+        </a:schemeClr>
+      </a:solidFill>
+    </cs:spPr>
+    <cs:defRPr sz="1197" kern="1200"/>
+    <cs:bodyPr rot="0" spcFirstLastPara="1" vertOverflow="clip" horzOverflow="clip" vert="horz" wrap="square" lIns="36576" tIns="18288" rIns="36576" bIns="18288" anchor="ctr" anchorCtr="1">
+      <a:spAutoFit/>
+    </cs:bodyPr>
+  </cs:dataLabelCallout>
+  <cs:dataPoint>
+    <cs:lnRef idx="0">
+      <cs:styleClr val="auto"/>
+    </cs:lnRef>
+    <cs:fillRef idx="0"/>
+    <cs:effectRef idx="0">
+      <cs:styleClr val="auto"/>
+    </cs:effectRef>
+    <cs:fontRef idx="minor">
+      <a:schemeClr val="dk1"/>
+    </cs:fontRef>
+    <cs:spPr>
+      <a:ln w="9525" cap="flat" cmpd="sng" algn="ctr">
+        <a:solidFill>
+          <a:schemeClr val="phClr"/>
+        </a:solidFill>
+        <a:miter lim="800000"/>
+      </a:ln>
+      <a:effectLst>
+        <a:glow rad="63500">
+          <a:schemeClr val="phClr">
+            <a:satMod val="175000"/>
+            <a:alpha val="25000"/>
+          </a:schemeClr>
+        </a:glow>
+      </a:effectLst>
+    </cs:spPr>
+  </cs:dataPoint>
+  <cs:dataPoint3D>
+    <cs:lnRef idx="0">
+      <cs:styleClr val="auto"/>
+    </cs:lnRef>
+    <cs:fillRef idx="0">
+      <cs:styleClr val="auto"/>
+    </cs:fillRef>
+    <cs:effectRef idx="0">
+      <cs:styleClr val="auto"/>
+    </cs:effectRef>
+    <cs:fontRef idx="minor">
+      <a:schemeClr val="dk1"/>
+    </cs:fontRef>
+    <cs:spPr>
+      <a:ln w="9525" cap="flat" cmpd="sng" algn="ctr">
+        <a:solidFill>
+          <a:schemeClr val="phClr"/>
+        </a:solidFill>
+        <a:miter lim="800000"/>
+      </a:ln>
+      <a:effectLst>
+        <a:glow rad="63500">
+          <a:schemeClr val="phClr">
+            <a:satMod val="175000"/>
+            <a:alpha val="25000"/>
+          </a:schemeClr>
+        </a:glow>
+      </a:effectLst>
+    </cs:spPr>
+  </cs:dataPoint3D>
+  <cs:dataPointLine>
+    <cs:lnRef idx="0">
+      <cs:styleClr val="auto"/>
+    </cs:lnRef>
+    <cs:fillRef idx="0">
+      <cs:styleClr val="auto"/>
+    </cs:fillRef>
+    <cs:effectRef idx="0">
+      <cs:styleClr val="auto"/>
+    </cs:effectRef>
+    <cs:fontRef idx="minor">
+      <a:schemeClr val="dk1"/>
+    </cs:fontRef>
+    <cs:spPr>
+      <a:ln w="22225" cap="rnd">
+        <a:solidFill>
+          <a:schemeClr val="phClr"/>
+        </a:solidFill>
+      </a:ln>
+      <a:effectLst>
+        <a:glow rad="139700">
+          <a:schemeClr val="phClr">
+            <a:satMod val="175000"/>
+            <a:alpha val="14000"/>
+          </a:schemeClr>
+        </a:glow>
+      </a:effectLst>
+    </cs:spPr>
+  </cs:dataPointLine>
+  <cs:dataPointMarker>
+    <cs:lnRef idx="0">
+      <cs:styleClr val="auto"/>
+    </cs:lnRef>
+    <cs:fillRef idx="0">
+      <cs:styleClr val="auto"/>
+    </cs:fillRef>
+    <cs:effectRef idx="0">
+      <cs:styleClr val="auto"/>
+    </cs:effectRef>
+    <cs:fontRef idx="minor">
+      <a:schemeClr val="dk1"/>
+    </cs:fontRef>
+    <cs:spPr>
+      <a:solidFill>
+        <a:schemeClr val="phClr">
+          <a:lumMod val="60000"/>
+          <a:lumOff val="40000"/>
+        </a:schemeClr>
+      </a:solidFill>
+      <a:effectLst>
+        <a:glow rad="63500">
+          <a:schemeClr val="phClr">
+            <a:satMod val="175000"/>
+            <a:alpha val="25000"/>
+          </a:schemeClr>
+        </a:glow>
+      </a:effectLst>
+    </cs:spPr>
+  </cs:dataPointMarker>
+  <cs:dataPointMarkerLayout symbol="circle" size="4"/>
+  <cs:dataPointWireframe>
+    <cs:lnRef idx="0">
+      <cs:styleClr val="auto"/>
+    </cs:lnRef>
+    <cs:fillRef idx="0"/>
+    <cs:effectRef idx="0"/>
+    <cs:fontRef idx="minor">
+      <a:schemeClr val="dk1"/>
+    </cs:fontRef>
+    <cs:spPr>
+      <a:ln w="9525" cap="rnd">
+        <a:solidFill>
+          <a:schemeClr val="phClr"/>
+        </a:solidFill>
+        <a:round/>
+      </a:ln>
+    </cs:spPr>
+  </cs:dataPointWireframe>
+  <cs:dataTable>
+    <cs:lnRef idx="0"/>
+    <cs:fillRef idx="0"/>
+    <cs:effectRef idx="0"/>
+    <cs:fontRef idx="minor">
+      <a:schemeClr val="lt1">
+        <a:lumMod val="75000"/>
+      </a:schemeClr>
+    </cs:fontRef>
+    <cs:spPr>
+      <a:ln w="9525">
+        <a:solidFill>
+          <a:schemeClr val="dk1">
+            <a:lumMod val="50000"/>
+            <a:lumOff val="50000"/>
+          </a:schemeClr>
+        </a:solidFill>
+      </a:ln>
+    </cs:spPr>
+    <cs:defRPr sz="1197" kern="1200"/>
+  </cs:dataTable>
+  <cs:downBar>
+    <cs:lnRef idx="0"/>
+    <cs:fillRef idx="0"/>
+    <cs:effectRef idx="0"/>
+    <cs:fontRef idx="minor">
+      <a:schemeClr val="lt1"/>
+    </cs:fontRef>
+    <cs:spPr>
+      <a:solidFill>
+        <a:schemeClr val="dk1">
+          <a:lumMod val="50000"/>
+          <a:lumOff val="50000"/>
+        </a:schemeClr>
+      </a:solidFill>
+      <a:ln w="9525">
+        <a:solidFill>
+          <a:schemeClr val="dk1">
+            <a:lumMod val="75000"/>
+          </a:schemeClr>
+        </a:solidFill>
+        <a:round/>
+      </a:ln>
+    </cs:spPr>
+  </cs:downBar>
+  <cs:dropLine>
+    <cs:lnRef idx="0"/>
+    <cs:fillRef idx="0"/>
+    <cs:effectRef idx="0"/>
+    <cs:fontRef idx="minor">
+      <a:schemeClr val="dk1"/>
+    </cs:fontRef>
+    <cs:spPr>
+      <a:ln w="9525">
+        <a:solidFill>
+          <a:schemeClr val="lt1">
+            <a:lumMod val="50000"/>
+          </a:schemeClr>
+        </a:solidFill>
+        <a:round/>
+      </a:ln>
+    </cs:spPr>
+  </cs:dropLine>
+  <cs:errorBar>
+    <cs:lnRef idx="0"/>
+    <cs:fillRef idx="0"/>
+    <cs:effectRef idx="0"/>
+    <cs:fontRef idx="minor">
+      <a:schemeClr val="dk1"/>
+    </cs:fontRef>
+    <cs:spPr>
+      <a:ln w="9525">
+        <a:solidFill>
+          <a:schemeClr val="lt1">
+            <a:lumMod val="50000"/>
+          </a:schemeClr>
+        </a:solidFill>
+        <a:round/>
+      </a:ln>
+    </cs:spPr>
+  </cs:errorBar>
+  <cs:floor>
+    <cs:lnRef idx="0"/>
+    <cs:fillRef idx="0"/>
+    <cs:effectRef idx="0"/>
+    <cs:fontRef idx="minor">
+      <a:schemeClr val="dk1"/>
+    </cs:fontRef>
+  </cs:floor>
+  <cs:gridlineMajor>
+    <cs:lnRef idx="0"/>
+    <cs:fillRef idx="0"/>
+    <cs:effectRef idx="0"/>
+    <cs:fontRef idx="minor">
+      <a:schemeClr val="dk1"/>
+    </cs:fontRef>
+    <cs:spPr>
+      <a:ln w="9525" cap="flat" cmpd="sng" algn="ctr">
+        <a:gradFill>
+          <a:gsLst>
+            <a:gs pos="100000">
+              <a:schemeClr val="dk1">
+                <a:lumMod val="75000"/>
+                <a:lumOff val="25000"/>
+              </a:schemeClr>
+            </a:gs>
+            <a:gs pos="0">
+              <a:schemeClr val="dk1">
+                <a:lumMod val="65000"/>
+                <a:lumOff val="35000"/>
+              </a:schemeClr>
+            </a:gs>
+          </a:gsLst>
+          <a:lin ang="5400000" scaled="0"/>
+        </a:gradFill>
+        <a:round/>
+      </a:ln>
+    </cs:spPr>
+  </cs:gridlineMajor>
+  <cs:gridlineMinor>
+    <cs:lnRef idx="0"/>
+    <cs:fillRef idx="0"/>
+    <cs:effectRef idx="0"/>
+    <cs:fontRef idx="minor">
+      <a:schemeClr val="dk1"/>
+    </cs:fontRef>
+    <cs:spPr>
+      <a:ln w="9525" cap="flat" cmpd="sng" algn="ctr">
+        <a:gradFill>
+          <a:gsLst>
+            <a:gs pos="100000">
+              <a:schemeClr val="dk1">
+                <a:lumMod val="75000"/>
+                <a:lumOff val="25000"/>
+                <a:alpha val="25000"/>
+              </a:schemeClr>
+            </a:gs>
+            <a:gs pos="0">
+              <a:schemeClr val="dk1">
+                <a:lumMod val="65000"/>
+                <a:lumOff val="35000"/>
+                <a:alpha val="25000"/>
+              </a:schemeClr>
+            </a:gs>
+          </a:gsLst>
+          <a:lin ang="5400000" scaled="0"/>
+        </a:gradFill>
+        <a:round/>
+      </a:ln>
+    </cs:spPr>
+  </cs:gridlineMinor>
+  <cs:hiLoLine>
+    <cs:lnRef idx="0"/>
+    <cs:fillRef idx="0"/>
+    <cs:effectRef idx="0"/>
+    <cs:fontRef idx="minor">
+      <a:schemeClr val="dk1"/>
+    </cs:fontRef>
+    <cs:spPr>
+      <a:ln w="9525">
+        <a:solidFill>
+          <a:schemeClr val="lt1">
+            <a:lumMod val="50000"/>
+          </a:schemeClr>
+        </a:solidFill>
+        <a:round/>
+      </a:ln>
+    </cs:spPr>
+  </cs:hiLoLine>
+  <cs:leaderLine>
+    <cs:lnRef idx="0"/>
+    <cs:fillRef idx="0"/>
+    <cs:effectRef idx="0"/>
+    <cs:fontRef idx="minor">
+      <a:schemeClr val="dk1"/>
+    </cs:fontRef>
+    <cs:spPr>
+      <a:ln w="9525">
+        <a:solidFill>
+          <a:schemeClr val="lt1">
+            <a:lumMod val="50000"/>
+          </a:schemeClr>
+        </a:solidFill>
+        <a:round/>
+      </a:ln>
+    </cs:spPr>
+  </cs:leaderLine>
+  <cs:legend>
+    <cs:lnRef idx="0"/>
+    <cs:fillRef idx="0"/>
+    <cs:effectRef idx="0"/>
+    <cs:fontRef idx="minor">
+      <a:schemeClr val="lt1">
+        <a:lumMod val="75000"/>
+      </a:schemeClr>
+    </cs:fontRef>
+    <cs:defRPr sz="1197" kern="1200"/>
+  </cs:legend>
+  <cs:plotArea>
+    <cs:lnRef idx="0"/>
+    <cs:fillRef idx="0"/>
+    <cs:effectRef idx="0"/>
+    <cs:fontRef idx="minor">
+      <a:schemeClr val="dk1"/>
+    </cs:fontRef>
+  </cs:plotArea>
+  <cs:plotArea3D>
+    <cs:lnRef idx="0"/>
+    <cs:fillRef idx="0"/>
+    <cs:effectRef idx="0"/>
+    <cs:fontRef idx="minor">
+      <a:schemeClr val="dk1"/>
+    </cs:fontRef>
+  </cs:plotArea3D>
+  <cs:seriesAxis>
+    <cs:lnRef idx="0"/>
+    <cs:fillRef idx="0"/>
+    <cs:effectRef idx="0"/>
+    <cs:fontRef idx="minor">
+      <a:schemeClr val="lt1">
+        <a:lumMod val="75000"/>
+      </a:schemeClr>
+    </cs:fontRef>
+    <cs:defRPr sz="1197" kern="1200"/>
+  </cs:seriesAxis>
+  <cs:seriesLine>
+    <cs:lnRef idx="0"/>
+    <cs:fillRef idx="0"/>
+    <cs:effectRef idx="0"/>
+    <cs:fontRef idx="minor">
+      <a:schemeClr val="dk1"/>
+    </cs:fontRef>
+    <cs:spPr>
+      <a:ln w="9525">
+        <a:solidFill>
+          <a:schemeClr val="lt1">
+            <a:lumMod val="50000"/>
+          </a:schemeClr>
+        </a:solidFill>
+        <a:round/>
+      </a:ln>
+    </cs:spPr>
+  </cs:seriesLine>
+  <cs:title>
+    <cs:lnRef idx="0"/>
+    <cs:fillRef idx="0"/>
+    <cs:effectRef idx="0"/>
+    <cs:fontRef idx="minor">
+      <a:schemeClr val="lt1">
+        <a:lumMod val="85000"/>
+      </a:schemeClr>
+    </cs:fontRef>
+    <cs:defRPr sz="1862" b="1" kern="1200" cap="none" baseline="0"/>
+  </cs:title>
+  <cs:trendline>
+    <cs:lnRef idx="0">
+      <cs:styleClr val="auto"/>
+    </cs:lnRef>
+    <cs:fillRef idx="0"/>
+    <cs:effectRef idx="0"/>
+    <cs:fontRef idx="minor">
+      <a:schemeClr val="lt1"/>
+    </cs:fontRef>
+    <cs:spPr>
+      <a:ln w="25400" cap="rnd">
+        <a:solidFill>
+          <a:schemeClr val="phClr">
+            <a:alpha val="50000"/>
+          </a:schemeClr>
+        </a:solidFill>
+      </a:ln>
+    </cs:spPr>
+  </cs:trendline>
+  <cs:trendlineLabel>
+    <cs:lnRef idx="0"/>
+    <cs:fillRef idx="0"/>
+    <cs:effectRef idx="0"/>
+    <cs:fontRef idx="minor">
+      <a:schemeClr val="lt1">
+        <a:lumMod val="75000"/>
+      </a:schemeClr>
+    </cs:fontRef>
+    <cs:defRPr sz="1197" kern="1200"/>
+  </cs:trendlineLabel>
+  <cs:upBar>
+    <cs:lnRef idx="0"/>
+    <cs:fillRef idx="0"/>
+    <cs:effectRef idx="0"/>
+    <cs:fontRef idx="minor">
+      <a:schemeClr val="dk1"/>
+    </cs:fontRef>
+    <cs:spPr>
+      <a:solidFill>
+        <a:schemeClr val="lt1">
+          <a:lumMod val="85000"/>
+        </a:schemeClr>
+      </a:solidFill>
+      <a:ln w="9525">
+        <a:solidFill>
+          <a:schemeClr val="dk1">
+            <a:lumMod val="50000"/>
+          </a:schemeClr>
+        </a:solidFill>
+        <a:round/>
+      </a:ln>
+    </cs:spPr>
+  </cs:upBar>
+  <cs:valueAxis>
+    <cs:lnRef idx="0"/>
+    <cs:fillRef idx="0"/>
+    <cs:effectRef idx="0"/>
+    <cs:fontRef idx="minor">
+      <a:schemeClr val="lt1">
+        <a:lumMod val="75000"/>
+      </a:schemeClr>
+    </cs:fontRef>
+    <cs:defRPr sz="1197" kern="1200"/>
+  </cs:valueAxis>
+  <cs:wall>
+    <cs:lnRef idx="0"/>
+    <cs:fillRef idx="0"/>
+    <cs:effectRef idx="0"/>
+    <cs:fontRef idx="minor">
+      <a:schemeClr val="dk1"/>
+    </cs:fontRef>
+  </cs:wall>
+</cs:chartStyle>
+</file>
+
+<file path=ppt/handoutMasters/handoutMaster1.xml><?xml version="1.0" encoding="utf-8"?>
+<p:handoutMaster xmlns:a="http://schemas.openxmlformats.org/drawingml/2006/main" xmlns:r="http://schemas.openxmlformats.org/officeDocument/2006/relationships" xmlns:p="http://schemas.openxmlformats.org/presentationml/2006/main">
+  <p:cSld>
+    <p:bg>
+      <p:bgRef idx="1001">
+        <a:schemeClr val="bg1"/>
+      </p:bgRef>
+    </p:bg>
+    <p:spTree>
+      <p:nvGrpSpPr>
+        <p:cNvPr id="1" name=""/>
+        <p:cNvGrpSpPr/>
+        <p:nvPr/>
+      </p:nvGrpSpPr>
+      <p:grpSpPr>
+        <a:xfrm>
+          <a:off x="0" y="0"/>
+          <a:ext cx="0" cy="0"/>
+          <a:chOff x="0" y="0"/>
+          <a:chExt cx="0" cy="0"/>
+        </a:xfrm>
+      </p:grpSpPr>
+      <p:sp>
+        <p:nvSpPr>
+          <p:cNvPr id="2" name="Header Placeholder 1"/>
+          <p:cNvSpPr>
+            <a:spLocks noGrp="1"/>
+          </p:cNvSpPr>
+          <p:nvPr>
+            <p:ph type="hdr" sz="quarter"/>
+          </p:nvPr>
+        </p:nvSpPr>
+        <p:spPr>
+          <a:xfrm>
+            <a:off x="0" y="0"/>
+            <a:ext cx="2971800" cy="458788"/>
+          </a:xfrm>
+          <a:prstGeom prst="rect">
+            <a:avLst/>
+          </a:prstGeom>
+        </p:spPr>
+        <p:txBody>
+          <a:bodyPr vert="horz" lIns="91440" tIns="45720" rIns="91440" bIns="45720" rtlCol="0"/>
+          <a:lstStyle>
+            <a:lvl1pPr algn="l">
+              <a:defRPr sz="1200"/>
+            </a:lvl1pPr>
+          </a:lstStyle>
+          <a:p>
+            <a:r>
+              <a:rPr lang="en-US" smtClean="0"/>
+              <a:t>SD1 TEAM 23 : Programmable Communication Group</a:t>
+            </a:r>
+            <a:endParaRPr lang="en-US"/>
+          </a:p>
+        </p:txBody>
+      </p:sp>
+      <p:sp>
+        <p:nvSpPr>
+          <p:cNvPr id="3" name="Date Placeholder 2"/>
+          <p:cNvSpPr>
+            <a:spLocks noGrp="1"/>
+          </p:cNvSpPr>
+          <p:nvPr>
+            <p:ph type="dt" sz="quarter" idx="1"/>
+          </p:nvPr>
+        </p:nvSpPr>
+        <p:spPr>
+          <a:xfrm>
+            <a:off x="3884613" y="0"/>
+            <a:ext cx="2971800" cy="458788"/>
+          </a:xfrm>
+          <a:prstGeom prst="rect">
+            <a:avLst/>
+          </a:prstGeom>
+        </p:spPr>
+        <p:txBody>
+          <a:bodyPr vert="horz" lIns="91440" tIns="45720" rIns="91440" bIns="45720" rtlCol="0"/>
+          <a:lstStyle>
+            <a:lvl1pPr algn="r">
+              <a:defRPr sz="1200"/>
+            </a:lvl1pPr>
+          </a:lstStyle>
+          <a:p>
+            <a:fld id="{2E4ADF1C-BAA8-4790-9609-9FBA855167BE}" type="datetimeFigureOut">
+              <a:rPr lang="en-US" smtClean="0"/>
+              <a:t>12/6/2013</a:t>
+            </a:fld>
+            <a:endParaRPr lang="en-US"/>
+          </a:p>
+        </p:txBody>
+      </p:sp>
+      <p:sp>
+        <p:nvSpPr>
+          <p:cNvPr id="4" name="Footer Placeholder 3"/>
+          <p:cNvSpPr>
+            <a:spLocks noGrp="1"/>
+          </p:cNvSpPr>
+          <p:nvPr>
+            <p:ph type="ftr" sz="quarter" idx="2"/>
+          </p:nvPr>
+        </p:nvSpPr>
+        <p:spPr>
+          <a:xfrm>
+            <a:off x="0" y="8685213"/>
+            <a:ext cx="2971800" cy="458787"/>
+          </a:xfrm>
+          <a:prstGeom prst="rect">
+            <a:avLst/>
+          </a:prstGeom>
+        </p:spPr>
+        <p:txBody>
+          <a:bodyPr vert="horz" lIns="91440" tIns="45720" rIns="91440" bIns="45720" rtlCol="0" anchor="b"/>
+          <a:lstStyle>
+            <a:lvl1pPr algn="l">
+              <a:defRPr sz="1200"/>
+            </a:lvl1pPr>
+          </a:lstStyle>
+          <a:p>
+            <a:r>
+              <a:rPr lang="en-US" smtClean="0"/>
+              <a:t>Temple University - Fall 2013</a:t>
+            </a:r>
+            <a:endParaRPr lang="en-US"/>
+          </a:p>
+        </p:txBody>
+      </p:sp>
+      <p:sp>
+        <p:nvSpPr>
+          <p:cNvPr id="5" name="Slide Number Placeholder 4"/>
+          <p:cNvSpPr>
+            <a:spLocks noGrp="1"/>
+          </p:cNvSpPr>
+          <p:nvPr>
+            <p:ph type="sldNum" sz="quarter" idx="3"/>
+          </p:nvPr>
+        </p:nvSpPr>
+        <p:spPr>
+          <a:xfrm>
+            <a:off x="3884613" y="8685213"/>
+            <a:ext cx="2971800" cy="458787"/>
+          </a:xfrm>
+          <a:prstGeom prst="rect">
+            <a:avLst/>
+          </a:prstGeom>
+        </p:spPr>
+        <p:txBody>
+          <a:bodyPr vert="horz" lIns="91440" tIns="45720" rIns="91440" bIns="45720" rtlCol="0" anchor="b"/>
+          <a:lstStyle>
+            <a:lvl1pPr algn="r">
+              <a:defRPr sz="1200"/>
+            </a:lvl1pPr>
+          </a:lstStyle>
+          <a:p>
+            <a:fld id="{139CB692-332C-40A3-8931-913AF19AFEA8}" type="slidenum">
+              <a:rPr lang="en-US" smtClean="0"/>
+              <a:t>‹#›</a:t>
+            </a:fld>
+            <a:endParaRPr lang="en-US"/>
+          </a:p>
+        </p:txBody>
+      </p:sp>
+    </p:spTree>
+    <p:extLst>
+      <p:ext uri="{BB962C8B-B14F-4D97-AF65-F5344CB8AC3E}">
+        <p14:creationId xmlns:p14="http://schemas.microsoft.com/office/powerpoint/2010/main" val="1870926739"/>
+      </p:ext>
+    </p:extLst>
+  </p:cSld>
+  <p:clrMap bg1="lt1" tx1="dk1" bg2="lt2" tx2="dk2" accent1="accent1" accent2="accent2" accent3="accent3" accent4="accent4" accent5="accent5" accent6="accent6" hlink="hlink" folHlink="folHlink"/>
+  <p:hf dt="0"/>
+</p:handoutMaster>
+</file>
+
+<file path=ppt/notesMasters/notesMaster1.xml><?xml version="1.0" encoding="utf-8"?>
+<p:notesMaster xmlns:a="http://schemas.openxmlformats.org/drawingml/2006/main" xmlns:r="http://schemas.openxmlformats.org/officeDocument/2006/relationships" xmlns:p="http://schemas.openxmlformats.org/presentationml/2006/main">
+  <p:cSld>
+    <p:bg>
+      <p:bgRef idx="1001">
+        <a:schemeClr val="bg1"/>
+      </p:bgRef>
+    </p:bg>
+    <p:spTree>
+      <p:nvGrpSpPr>
+        <p:cNvPr id="1" name=""/>
+        <p:cNvGrpSpPr/>
+        <p:nvPr/>
+      </p:nvGrpSpPr>
+      <p:grpSpPr>
+        <a:xfrm>
+          <a:off x="0" y="0"/>
+          <a:ext cx="0" cy="0"/>
+          <a:chOff x="0" y="0"/>
+          <a:chExt cx="0" cy="0"/>
+        </a:xfrm>
+      </p:grpSpPr>
+      <p:sp>
+        <p:nvSpPr>
+          <p:cNvPr id="2" name="Header Placeholder 1"/>
+          <p:cNvSpPr>
+            <a:spLocks noGrp="1"/>
+          </p:cNvSpPr>
+          <p:nvPr>
+            <p:ph type="hdr" sz="quarter"/>
+          </p:nvPr>
+        </p:nvSpPr>
+        <p:spPr>
+          <a:xfrm>
+            <a:off x="0" y="0"/>
+            <a:ext cx="2971800" cy="458788"/>
+          </a:xfrm>
+          <a:prstGeom prst="rect">
+            <a:avLst/>
+          </a:prstGeom>
+        </p:spPr>
+        <p:txBody>
+          <a:bodyPr vert="horz" lIns="91440" tIns="45720" rIns="91440" bIns="45720" rtlCol="0"/>
+          <a:lstStyle>
+            <a:lvl1pPr algn="l">
+              <a:defRPr sz="1200"/>
+            </a:lvl1pPr>
+          </a:lstStyle>
+          <a:p>
+            <a:r>
+              <a:rPr lang="en-US" smtClean="0"/>
+              <a:t>SD1 TEAM 23 : Programmable Communication Group</a:t>
+            </a:r>
+            <a:endParaRPr lang="en-US"/>
+          </a:p>
+        </p:txBody>
+      </p:sp>
+      <p:sp>
+        <p:nvSpPr>
+          <p:cNvPr id="3" name="Date Placeholder 2"/>
+          <p:cNvSpPr>
+            <a:spLocks noGrp="1"/>
+          </p:cNvSpPr>
+          <p:nvPr>
+            <p:ph type="dt" idx="1"/>
+          </p:nvPr>
+        </p:nvSpPr>
+        <p:spPr>
+          <a:xfrm>
+            <a:off x="3884613" y="0"/>
+            <a:ext cx="2971800" cy="458788"/>
+          </a:xfrm>
+          <a:prstGeom prst="rect">
+            <a:avLst/>
+          </a:prstGeom>
+        </p:spPr>
+        <p:txBody>
+          <a:bodyPr vert="horz" lIns="91440" tIns="45720" rIns="91440" bIns="45720" rtlCol="0"/>
+          <a:lstStyle>
+            <a:lvl1pPr algn="r">
+              <a:defRPr sz="1200"/>
+            </a:lvl1pPr>
+          </a:lstStyle>
+          <a:p>
+            <a:fld id="{814D20A7-3B4A-4DEA-B51D-ABE1AF15F777}" type="datetimeFigureOut">
+              <a:rPr lang="en-US" smtClean="0"/>
+              <a:t>12/6/2013</a:t>
+            </a:fld>
+            <a:endParaRPr lang="en-US"/>
+          </a:p>
+        </p:txBody>
+      </p:sp>
+      <p:sp>
+        <p:nvSpPr>
+          <p:cNvPr id="4" name="Slide Image Placeholder 3"/>
+          <p:cNvSpPr>
+            <a:spLocks noGrp="1" noRot="1" noChangeAspect="1"/>
+          </p:cNvSpPr>
+          <p:nvPr>
+            <p:ph type="sldImg" idx="2"/>
+          </p:nvPr>
+        </p:nvSpPr>
+        <p:spPr>
+          <a:xfrm>
+            <a:off x="685800" y="1143000"/>
+            <a:ext cx="5486400" cy="3086100"/>
+          </a:xfrm>
+          <a:prstGeom prst="rect">
+            <a:avLst/>
+          </a:prstGeom>
+          <a:noFill/>
+          <a:ln w="12700">
+            <a:solidFill>
+              <a:prstClr val="black"/>
+            </a:solidFill>
+          </a:ln>
+        </p:spPr>
+        <p:txBody>
+          <a:bodyPr vert="horz" lIns="91440" tIns="45720" rIns="91440" bIns="45720" rtlCol="0" anchor="ctr"/>
+          <a:lstStyle/>
+          <a:p>
+            <a:endParaRPr lang="en-US"/>
+          </a:p>
+        </p:txBody>
+      </p:sp>
+      <p:sp>
+        <p:nvSpPr>
+          <p:cNvPr id="5" name="Notes Placeholder 4"/>
+          <p:cNvSpPr>
+            <a:spLocks noGrp="1"/>
+          </p:cNvSpPr>
+          <p:nvPr>
+            <p:ph type="body" sz="quarter" idx="3"/>
+          </p:nvPr>
+        </p:nvSpPr>
+        <p:spPr>
+          <a:xfrm>
+            <a:off x="685800" y="4400550"/>
+            <a:ext cx="5486400" cy="3600450"/>
+          </a:xfrm>
+          <a:prstGeom prst="rect">
+            <a:avLst/>
+          </a:prstGeom>
+        </p:spPr>
+        <p:txBody>
+          <a:bodyPr vert="horz" lIns="91440" tIns="45720" rIns="91440" bIns="45720" rtlCol="0"/>
+          <a:lstStyle/>
+          <a:p>
+            <a:pPr lvl="0"/>
+            <a:r>
+              <a:rPr lang="en-US" smtClean="0"/>
+              <a:t>Click to edit Master text styles</a:t>
+            </a:r>
+          </a:p>
+          <a:p>
+            <a:pPr lvl="1"/>
+            <a:r>
+              <a:rPr lang="en-US" smtClean="0"/>
+              <a:t>Second level</a:t>
+            </a:r>
+          </a:p>
+          <a:p>
+            <a:pPr lvl="2"/>
+            <a:r>
+              <a:rPr lang="en-US" smtClean="0"/>
+              <a:t>Third level</a:t>
+            </a:r>
+          </a:p>
+          <a:p>
+            <a:pPr lvl="3"/>
+            <a:r>
+              <a:rPr lang="en-US" smtClean="0"/>
+              <a:t>Fourth level</a:t>
+            </a:r>
+          </a:p>
+          <a:p>
+            <a:pPr lvl="4"/>
+            <a:r>
+              <a:rPr lang="en-US" smtClean="0"/>
+              <a:t>Fifth level</a:t>
+            </a:r>
+            <a:endParaRPr lang="en-US"/>
+          </a:p>
+        </p:txBody>
+      </p:sp>
+      <p:sp>
+        <p:nvSpPr>
+          <p:cNvPr id="6" name="Footer Placeholder 5"/>
+          <p:cNvSpPr>
+            <a:spLocks noGrp="1"/>
+          </p:cNvSpPr>
+          <p:nvPr>
+            <p:ph type="ftr" sz="quarter" idx="4"/>
+          </p:nvPr>
+        </p:nvSpPr>
+        <p:spPr>
+          <a:xfrm>
+            <a:off x="0" y="8685213"/>
+            <a:ext cx="2971800" cy="458787"/>
+          </a:xfrm>
+          <a:prstGeom prst="rect">
+            <a:avLst/>
+          </a:prstGeom>
+        </p:spPr>
+        <p:txBody>
+          <a:bodyPr vert="horz" lIns="91440" tIns="45720" rIns="91440" bIns="45720" rtlCol="0" anchor="b"/>
+          <a:lstStyle>
+            <a:lvl1pPr algn="l">
+              <a:defRPr sz="1200"/>
+            </a:lvl1pPr>
+          </a:lstStyle>
+          <a:p>
+            <a:r>
+              <a:rPr lang="en-US" smtClean="0"/>
+              <a:t>Temple University - Fall 2013</a:t>
+            </a:r>
+            <a:endParaRPr lang="en-US"/>
+          </a:p>
+        </p:txBody>
+      </p:sp>
+      <p:sp>
+        <p:nvSpPr>
+          <p:cNvPr id="7" name="Slide Number Placeholder 6"/>
+          <p:cNvSpPr>
+            <a:spLocks noGrp="1"/>
+          </p:cNvSpPr>
+          <p:nvPr>
+            <p:ph type="sldNum" sz="quarter" idx="5"/>
+          </p:nvPr>
+        </p:nvSpPr>
+        <p:spPr>
+          <a:xfrm>
+            <a:off x="3884613" y="8685213"/>
+            <a:ext cx="2971800" cy="458787"/>
+          </a:xfrm>
+          <a:prstGeom prst="rect">
+            <a:avLst/>
+          </a:prstGeom>
+        </p:spPr>
+        <p:txBody>
+          <a:bodyPr vert="horz" lIns="91440" tIns="45720" rIns="91440" bIns="45720" rtlCol="0" anchor="b"/>
+          <a:lstStyle>
+            <a:lvl1pPr algn="r">
+              <a:defRPr sz="1200"/>
+            </a:lvl1pPr>
+          </a:lstStyle>
+          <a:p>
+            <a:fld id="{8505EED0-3D9D-4A5C-AB96-714C1E450125}" type="slidenum">
+              <a:rPr lang="en-US" smtClean="0"/>
+              <a:t>‹#›</a:t>
+            </a:fld>
+            <a:endParaRPr lang="en-US"/>
+          </a:p>
+        </p:txBody>
+      </p:sp>
+    </p:spTree>
+    <p:extLst>
+      <p:ext uri="{BB962C8B-B14F-4D97-AF65-F5344CB8AC3E}">
+        <p14:creationId xmlns:p14="http://schemas.microsoft.com/office/powerpoint/2010/main" val="4144207704"/>
+      </p:ext>
+    </p:extLst>
+  </p:cSld>
+  <p:clrMap bg1="lt1" tx1="dk1" bg2="lt2" tx2="dk2" accent1="accent1" accent2="accent2" accent3="accent3" accent4="accent4" accent5="accent5" accent6="accent6" hlink="hlink" folHlink="folHlink"/>
+  <p:hf dt="0"/>
+  <p:notesStyle>
+    <a:lvl1pPr marL="0" algn="l" defTabSz="914400" rtl="0" eaLnBrk="1" latinLnBrk="0" hangingPunct="1">
+      <a:defRPr sz="1200" kern="1200">
+        <a:solidFill>
+          <a:schemeClr val="tx1"/>
+        </a:solidFill>
+        <a:latin typeface="+mn-lt"/>
+        <a:ea typeface="+mn-ea"/>
+        <a:cs typeface="+mn-cs"/>
+      </a:defRPr>
+    </a:lvl1pPr>
+    <a:lvl2pPr marL="457200" algn="l" defTabSz="914400" rtl="0" eaLnBrk="1" latinLnBrk="0" hangingPunct="1">
+      <a:defRPr sz="1200" kern="1200">
+        <a:solidFill>
+          <a:schemeClr val="tx1"/>
+        </a:solidFill>
+        <a:latin typeface="+mn-lt"/>
+        <a:ea typeface="+mn-ea"/>
+        <a:cs typeface="+mn-cs"/>
+      </a:defRPr>
+    </a:lvl2pPr>
+    <a:lvl3pPr marL="914400" algn="l" defTabSz="914400" rtl="0" eaLnBrk="1" latinLnBrk="0" hangingPunct="1">
+      <a:defRPr sz="1200" kern="1200">
+        <a:solidFill>
+          <a:schemeClr val="tx1"/>
+        </a:solidFill>
+        <a:latin typeface="+mn-lt"/>
+        <a:ea typeface="+mn-ea"/>
+        <a:cs typeface="+mn-cs"/>
+      </a:defRPr>
+    </a:lvl3pPr>
+    <a:lvl4pPr marL="1371600" algn="l" defTabSz="914400" rtl="0" eaLnBrk="1" latinLnBrk="0" hangingPunct="1">
+      <a:defRPr sz="1200" kern="1200">
+        <a:solidFill>
+          <a:schemeClr val="tx1"/>
+        </a:solidFill>
+        <a:latin typeface="+mn-lt"/>
+        <a:ea typeface="+mn-ea"/>
+        <a:cs typeface="+mn-cs"/>
+      </a:defRPr>
+    </a:lvl4pPr>
+    <a:lvl5pPr marL="1828800" algn="l" defTabSz="914400" rtl="0" eaLnBrk="1" latinLnBrk="0" hangingPunct="1">
+      <a:defRPr sz="1200" kern="1200">
+        <a:solidFill>
+          <a:schemeClr val="tx1"/>
+        </a:solidFill>
+        <a:latin typeface="+mn-lt"/>
+        <a:ea typeface="+mn-ea"/>
+        <a:cs typeface="+mn-cs"/>
+      </a:defRPr>
+    </a:lvl5pPr>
+    <a:lvl6pPr marL="2286000" algn="l" defTabSz="914400" rtl="0" eaLnBrk="1" latinLnBrk="0" hangingPunct="1">
+      <a:defRPr sz="1200" kern="1200">
+        <a:solidFill>
+          <a:schemeClr val="tx1"/>
+        </a:solidFill>
+        <a:latin typeface="+mn-lt"/>
+        <a:ea typeface="+mn-ea"/>
+        <a:cs typeface="+mn-cs"/>
+      </a:defRPr>
+    </a:lvl6pPr>
+    <a:lvl7pPr marL="2743200" algn="l" defTabSz="914400" rtl="0" eaLnBrk="1" latinLnBrk="0" hangingPunct="1">
+      <a:defRPr sz="1200" kern="1200">
+        <a:solidFill>
+          <a:schemeClr val="tx1"/>
+        </a:solidFill>
+        <a:latin typeface="+mn-lt"/>
+        <a:ea typeface="+mn-ea"/>
+        <a:cs typeface="+mn-cs"/>
+      </a:defRPr>
+    </a:lvl7pPr>
+    <a:lvl8pPr marL="3200400" algn="l" defTabSz="914400" rtl="0" eaLnBrk="1" latinLnBrk="0" hangingPunct="1">
+      <a:defRPr sz="1200" kern="1200">
+        <a:solidFill>
+          <a:schemeClr val="tx1"/>
+        </a:solidFill>
+        <a:latin typeface="+mn-lt"/>
+        <a:ea typeface="+mn-ea"/>
+        <a:cs typeface="+mn-cs"/>
+      </a:defRPr>
+    </a:lvl8pPr>
+    <a:lvl9pPr marL="3657600" algn="l" defTabSz="914400" rtl="0" eaLnBrk="1" latinLnBrk="0" hangingPunct="1">
+      <a:defRPr sz="1200" kern="1200">
+        <a:solidFill>
+          <a:schemeClr val="tx1"/>
+        </a:solidFill>
+        <a:latin typeface="+mn-lt"/>
+        <a:ea typeface="+mn-ea"/>
+        <a:cs typeface="+mn-cs"/>
+      </a:defRPr>
+    </a:lvl9pPr>
+  </p:notesStyle>
+</p:notesMaster>
+</file>
+
+<file path=ppt/notesSlides/notesSlide1.xml><?xml version="1.0" encoding="utf-8"?>
+<p:notes xmlns:a="http://schemas.openxmlformats.org/drawingml/2006/main" xmlns:r="http://schemas.openxmlformats.org/officeDocument/2006/relationships" xmlns:p="http://schemas.openxmlformats.org/presentationml/2006/main">
+  <p:cSld>
+    <p:spTree>
+      <p:nvGrpSpPr>
+        <p:cNvPr id="1" name=""/>
+        <p:cNvGrpSpPr/>
+        <p:nvPr/>
+      </p:nvGrpSpPr>
+      <p:grpSpPr>
+        <a:xfrm>
+          <a:off x="0" y="0"/>
+          <a:ext cx="0" cy="0"/>
+          <a:chOff x="0" y="0"/>
+          <a:chExt cx="0" cy="0"/>
+        </a:xfrm>
+      </p:grpSpPr>
+      <p:sp>
+        <p:nvSpPr>
+          <p:cNvPr id="2" name="Slide Image Placeholder 1"/>
+          <p:cNvSpPr>
+            <a:spLocks noGrp="1" noRot="1" noChangeAspect="1"/>
+          </p:cNvSpPr>
+          <p:nvPr>
+            <p:ph type="sldImg"/>
+          </p:nvPr>
+        </p:nvSpPr>
+        <p:spPr/>
+      </p:sp>
+      <p:sp>
+        <p:nvSpPr>
+          <p:cNvPr id="3" name="Notes Placeholder 2"/>
+          <p:cNvSpPr>
+            <a:spLocks noGrp="1"/>
+          </p:cNvSpPr>
+          <p:nvPr>
+            <p:ph type="body" idx="1"/>
+          </p:nvPr>
+        </p:nvSpPr>
+        <p:spPr/>
+        <p:txBody>
+          <a:bodyPr/>
+          <a:lstStyle/>
+          <a:p>
+            <a:endParaRPr lang="en-US"/>
+          </a:p>
+        </p:txBody>
+      </p:sp>
+      <p:sp>
+        <p:nvSpPr>
+          <p:cNvPr id="4" name="Slide Number Placeholder 3"/>
+          <p:cNvSpPr>
+            <a:spLocks noGrp="1"/>
+          </p:cNvSpPr>
+          <p:nvPr>
+            <p:ph type="sldNum" sz="quarter" idx="10"/>
+          </p:nvPr>
+        </p:nvSpPr>
+        <p:spPr/>
+        <p:txBody>
+          <a:bodyPr/>
+          <a:lstStyle/>
+          <a:p>
+            <a:fld id="{8505EED0-3D9D-4A5C-AB96-714C1E450125}" type="slidenum">
+              <a:rPr lang="en-US" smtClean="0"/>
+              <a:t>2</a:t>
+            </a:fld>
+            <a:endParaRPr lang="en-US"/>
+          </a:p>
+        </p:txBody>
+      </p:sp>
+      <p:sp>
+        <p:nvSpPr>
+          <p:cNvPr id="5" name="Footer Placeholder 4"/>
+          <p:cNvSpPr>
+            <a:spLocks noGrp="1"/>
+          </p:cNvSpPr>
+          <p:nvPr>
+            <p:ph type="ftr" sz="quarter" idx="11"/>
+          </p:nvPr>
+        </p:nvSpPr>
+        <p:spPr/>
+        <p:txBody>
+          <a:bodyPr/>
+          <a:lstStyle/>
+          <a:p>
+            <a:r>
+              <a:rPr lang="en-US" smtClean="0"/>
+              <a:t>Temple University - Fall 2013</a:t>
+            </a:r>
+            <a:endParaRPr lang="en-US"/>
+          </a:p>
+        </p:txBody>
+      </p:sp>
+      <p:sp>
+        <p:nvSpPr>
+          <p:cNvPr id="6" name="Header Placeholder 5"/>
+          <p:cNvSpPr>
+            <a:spLocks noGrp="1"/>
+          </p:cNvSpPr>
+          <p:nvPr>
+            <p:ph type="hdr" sz="quarter" idx="12"/>
+          </p:nvPr>
+        </p:nvSpPr>
+        <p:spPr/>
+        <p:txBody>
+          <a:bodyPr/>
+          <a:lstStyle/>
+          <a:p>
+            <a:r>
+              <a:rPr lang="en-US" smtClean="0"/>
+              <a:t>SD1 TEAM 23 : Programmable Communication Group</a:t>
+            </a:r>
+            <a:endParaRPr lang="en-US"/>
+          </a:p>
+        </p:txBody>
+      </p:sp>
+    </p:spTree>
+    <p:extLst>
+      <p:ext uri="{BB962C8B-B14F-4D97-AF65-F5344CB8AC3E}">
+        <p14:creationId xmlns:p14="http://schemas.microsoft.com/office/powerpoint/2010/main" val="2657900190"/>
+      </p:ext>
+    </p:extLst>
+  </p:cSld>
+  <p:clrMapOvr>
+    <a:masterClrMapping/>
+  </p:clrMapOvr>
+</p:notes>
+</file>
+
+<file path=ppt/notesSlides/notesSlide2.xml><?xml version="1.0" encoding="utf-8"?>
+<p:notes xmlns:a="http://schemas.openxmlformats.org/drawingml/2006/main" xmlns:r="http://schemas.openxmlformats.org/officeDocument/2006/relationships" xmlns:p="http://schemas.openxmlformats.org/presentationml/2006/main">
+  <p:cSld>
+    <p:spTree>
+      <p:nvGrpSpPr>
+        <p:cNvPr id="1" name=""/>
+        <p:cNvGrpSpPr/>
+        <p:nvPr/>
+      </p:nvGrpSpPr>
+      <p:grpSpPr>
+        <a:xfrm>
+          <a:off x="0" y="0"/>
+          <a:ext cx="0" cy="0"/>
+          <a:chOff x="0" y="0"/>
+          <a:chExt cx="0" cy="0"/>
+        </a:xfrm>
+      </p:grpSpPr>
+      <p:sp>
+        <p:nvSpPr>
+          <p:cNvPr id="2" name="Slide Image Placeholder 1"/>
+          <p:cNvSpPr>
+            <a:spLocks noGrp="1" noRot="1" noChangeAspect="1"/>
+          </p:cNvSpPr>
+          <p:nvPr>
+            <p:ph type="sldImg"/>
+          </p:nvPr>
+        </p:nvSpPr>
+        <p:spPr/>
+      </p:sp>
+      <p:sp>
+        <p:nvSpPr>
+          <p:cNvPr id="3" name="Notes Placeholder 2"/>
+          <p:cNvSpPr>
+            <a:spLocks noGrp="1"/>
+          </p:cNvSpPr>
+          <p:nvPr>
+            <p:ph type="body" idx="1"/>
+          </p:nvPr>
+        </p:nvSpPr>
+        <p:spPr/>
+        <p:txBody>
+          <a:bodyPr/>
+          <a:lstStyle/>
+          <a:p>
+            <a:endParaRPr lang="en-US"/>
+          </a:p>
+        </p:txBody>
+      </p:sp>
+      <p:sp>
+        <p:nvSpPr>
+          <p:cNvPr id="4" name="Header Placeholder 3"/>
+          <p:cNvSpPr>
+            <a:spLocks noGrp="1"/>
+          </p:cNvSpPr>
+          <p:nvPr>
+            <p:ph type="hdr" sz="quarter" idx="10"/>
+          </p:nvPr>
+        </p:nvSpPr>
+        <p:spPr/>
+        <p:txBody>
+          <a:bodyPr/>
+          <a:lstStyle/>
+          <a:p>
+            <a:r>
+              <a:rPr lang="en-US" smtClean="0"/>
+              <a:t>SD1 TEAM 23 : Programmable Communication Group</a:t>
+            </a:r>
+            <a:endParaRPr lang="en-US"/>
+          </a:p>
+        </p:txBody>
+      </p:sp>
+      <p:sp>
+        <p:nvSpPr>
+          <p:cNvPr id="5" name="Footer Placeholder 4"/>
+          <p:cNvSpPr>
+            <a:spLocks noGrp="1"/>
+          </p:cNvSpPr>
+          <p:nvPr>
+            <p:ph type="ftr" sz="quarter" idx="11"/>
+          </p:nvPr>
+        </p:nvSpPr>
+        <p:spPr/>
+        <p:txBody>
+          <a:bodyPr/>
+          <a:lstStyle/>
+          <a:p>
+            <a:r>
+              <a:rPr lang="en-US" smtClean="0"/>
+              <a:t>Temple University - Fall 2013</a:t>
+            </a:r>
+            <a:endParaRPr lang="en-US"/>
+          </a:p>
+        </p:txBody>
+      </p:sp>
+      <p:sp>
+        <p:nvSpPr>
+          <p:cNvPr id="6" name="Slide Number Placeholder 5"/>
+          <p:cNvSpPr>
+            <a:spLocks noGrp="1"/>
+          </p:cNvSpPr>
+          <p:nvPr>
+            <p:ph type="sldNum" sz="quarter" idx="12"/>
+          </p:nvPr>
+        </p:nvSpPr>
+        <p:spPr/>
+        <p:txBody>
+          <a:bodyPr/>
+          <a:lstStyle/>
+          <a:p>
+            <a:fld id="{8505EED0-3D9D-4A5C-AB96-714C1E450125}" type="slidenum">
+              <a:rPr lang="en-US" smtClean="0"/>
+              <a:t>6</a:t>
+            </a:fld>
+            <a:endParaRPr lang="en-US"/>
+          </a:p>
+        </p:txBody>
+      </p:sp>
+    </p:spTree>
+    <p:extLst>
+      <p:ext uri="{BB962C8B-B14F-4D97-AF65-F5344CB8AC3E}">
+        <p14:creationId xmlns:p14="http://schemas.microsoft.com/office/powerpoint/2010/main" val="26972064"/>
+      </p:ext>
+    </p:extLst>
+  </p:cSld>
+  <p:clrMapOvr>
+    <a:masterClrMapping/>
+  </p:clrMapOvr>
+</p:notes>
 </file>
 
 <file path=ppt/slideLayouts/slideLayout1.xml><?xml version="1.0" encoding="utf-8"?>
@@ -241,9 +3701,9 @@
           <a:bodyPr/>
           <a:lstStyle/>
           <a:p>
-            <a:fld id="{5E2CB655-51FE-4DC3-ACBF-44BDFD047BC5}" type="datetimeFigureOut">
+            <a:fld id="{75691CD7-ED27-4F63-853F-8444E932519F}" type="datetime1">
               <a:rPr lang="en-US" smtClean="0"/>
-              <a:t>12/5/2013</a:t>
+              <a:t>12/6/2013</a:t>
             </a:fld>
             <a:endParaRPr lang="en-US"/>
           </a:p>
@@ -264,6 +3724,10 @@
           <a:bodyPr/>
           <a:lstStyle/>
           <a:p>
+            <a:r>
+              <a:rPr lang="en-US" smtClean="0"/>
+              <a:t>SD1 Fall 2013: Error Correcting Codes in Amateur Radio Satellite Telemetry</a:t>
+            </a:r>
             <a:endParaRPr lang="en-US"/>
           </a:p>
         </p:txBody>
@@ -411,9 +3875,9 @@
           <a:bodyPr/>
           <a:lstStyle/>
           <a:p>
-            <a:fld id="{5E2CB655-51FE-4DC3-ACBF-44BDFD047BC5}" type="datetimeFigureOut">
+            <a:fld id="{134F0A0E-04C7-4A4E-BF4B-3E42BE709241}" type="datetime1">
               <a:rPr lang="en-US" smtClean="0"/>
-              <a:t>12/5/2013</a:t>
+              <a:t>12/6/2013</a:t>
             </a:fld>
             <a:endParaRPr lang="en-US"/>
           </a:p>
@@ -434,6 +3898,10 @@
           <a:bodyPr/>
           <a:lstStyle/>
           <a:p>
+            <a:r>
+              <a:rPr lang="en-US" smtClean="0"/>
+              <a:t>SD1 Fall 2013: Error Correcting Codes in Amateur Radio Satellite Telemetry</a:t>
+            </a:r>
             <a:endParaRPr lang="en-US"/>
           </a:p>
         </p:txBody>
@@ -591,9 +4059,9 @@
           <a:bodyPr/>
           <a:lstStyle/>
           <a:p>
-            <a:fld id="{5E2CB655-51FE-4DC3-ACBF-44BDFD047BC5}" type="datetimeFigureOut">
+            <a:fld id="{C9F12BCD-99F3-4DF0-A688-948A1904A8A2}" type="datetime1">
               <a:rPr lang="en-US" smtClean="0"/>
-              <a:t>12/5/2013</a:t>
+              <a:t>12/6/2013</a:t>
             </a:fld>
             <a:endParaRPr lang="en-US"/>
           </a:p>
@@ -614,6 +4082,10 @@
           <a:bodyPr/>
           <a:lstStyle/>
           <a:p>
+            <a:r>
+              <a:rPr lang="en-US" smtClean="0"/>
+              <a:t>SD1 Fall 2013: Error Correcting Codes in Amateur Radio Satellite Telemetry</a:t>
+            </a:r>
             <a:endParaRPr lang="en-US"/>
           </a:p>
         </p:txBody>
@@ -761,9 +4233,9 @@
           <a:bodyPr/>
           <a:lstStyle/>
           <a:p>
-            <a:fld id="{5E2CB655-51FE-4DC3-ACBF-44BDFD047BC5}" type="datetimeFigureOut">
+            <a:fld id="{3665BCE0-7394-433A-BF6D-00870EB60C94}" type="datetime1">
               <a:rPr lang="en-US" smtClean="0"/>
-              <a:t>12/5/2013</a:t>
+              <a:t>12/6/2013</a:t>
             </a:fld>
             <a:endParaRPr lang="en-US"/>
           </a:p>
@@ -784,6 +4256,10 @@
           <a:bodyPr/>
           <a:lstStyle/>
           <a:p>
+            <a:r>
+              <a:rPr lang="en-US" smtClean="0"/>
+              <a:t>SD1 Fall 2013: Error Correcting Codes in Amateur Radio Satellite Telemetry</a:t>
+            </a:r>
             <a:endParaRPr lang="en-US"/>
           </a:p>
         </p:txBody>
@@ -1007,9 +4483,9 @@
           <a:bodyPr/>
           <a:lstStyle/>
           <a:p>
-            <a:fld id="{5E2CB655-51FE-4DC3-ACBF-44BDFD047BC5}" type="datetimeFigureOut">
+            <a:fld id="{49E96A02-0467-4413-B26E-8E3E6E615740}" type="datetime1">
               <a:rPr lang="en-US" smtClean="0"/>
-              <a:t>12/5/2013</a:t>
+              <a:t>12/6/2013</a:t>
             </a:fld>
             <a:endParaRPr lang="en-US"/>
           </a:p>
@@ -1030,6 +4506,10 @@
           <a:bodyPr/>
           <a:lstStyle/>
           <a:p>
+            <a:r>
+              <a:rPr lang="en-US" smtClean="0"/>
+              <a:t>SD1 Fall 2013: Error Correcting Codes in Amateur Radio Satellite Telemetry</a:t>
+            </a:r>
             <a:endParaRPr lang="en-US"/>
           </a:p>
         </p:txBody>
@@ -1239,9 +4719,9 @@
           <a:bodyPr/>
           <a:lstStyle/>
           <a:p>
-            <a:fld id="{5E2CB655-51FE-4DC3-ACBF-44BDFD047BC5}" type="datetimeFigureOut">
+            <a:fld id="{782827A6-D208-43CF-9B9E-7F757EA9A073}" type="datetime1">
               <a:rPr lang="en-US" smtClean="0"/>
-              <a:t>12/5/2013</a:t>
+              <a:t>12/6/2013</a:t>
             </a:fld>
             <a:endParaRPr lang="en-US"/>
           </a:p>
@@ -1262,6 +4742,10 @@
           <a:bodyPr/>
           <a:lstStyle/>
           <a:p>
+            <a:r>
+              <a:rPr lang="en-US" smtClean="0"/>
+              <a:t>SD1 Fall 2013: Error Correcting Codes in Amateur Radio Satellite Telemetry</a:t>
+            </a:r>
             <a:endParaRPr lang="en-US"/>
           </a:p>
         </p:txBody>
@@ -1606,9 +5090,9 @@
           <a:bodyPr/>
           <a:lstStyle/>
           <a:p>
-            <a:fld id="{5E2CB655-51FE-4DC3-ACBF-44BDFD047BC5}" type="datetimeFigureOut">
+            <a:fld id="{D5EFABA2-644C-480D-8EAE-3CD2E6FCE0A8}" type="datetime1">
               <a:rPr lang="en-US" smtClean="0"/>
-              <a:t>12/5/2013</a:t>
+              <a:t>12/6/2013</a:t>
             </a:fld>
             <a:endParaRPr lang="en-US"/>
           </a:p>
@@ -1629,6 +5113,10 @@
           <a:bodyPr/>
           <a:lstStyle/>
           <a:p>
+            <a:r>
+              <a:rPr lang="en-US" smtClean="0"/>
+              <a:t>SD1 Fall 2013: Error Correcting Codes in Amateur Radio Satellite Telemetry</a:t>
+            </a:r>
             <a:endParaRPr lang="en-US"/>
           </a:p>
         </p:txBody>
@@ -1724,9 +5212,9 @@
           <a:bodyPr/>
           <a:lstStyle/>
           <a:p>
-            <a:fld id="{5E2CB655-51FE-4DC3-ACBF-44BDFD047BC5}" type="datetimeFigureOut">
+            <a:fld id="{33230D1B-3D41-45F2-94BE-7159EC02D538}" type="datetime1">
               <a:rPr lang="en-US" smtClean="0"/>
-              <a:t>12/5/2013</a:t>
+              <a:t>12/6/2013</a:t>
             </a:fld>
             <a:endParaRPr lang="en-US"/>
           </a:p>
@@ -1747,6 +5235,10 @@
           <a:bodyPr/>
           <a:lstStyle/>
           <a:p>
+            <a:r>
+              <a:rPr lang="en-US" smtClean="0"/>
+              <a:t>SD1 Fall 2013: Error Correcting Codes in Amateur Radio Satellite Telemetry</a:t>
+            </a:r>
             <a:endParaRPr lang="en-US"/>
           </a:p>
         </p:txBody>
@@ -1819,9 +5311,9 @@
           <a:bodyPr/>
           <a:lstStyle/>
           <a:p>
-            <a:fld id="{5E2CB655-51FE-4DC3-ACBF-44BDFD047BC5}" type="datetimeFigureOut">
+            <a:fld id="{AAAA9BAF-AEFB-4D34-A90F-7D24E8A3B37D}" type="datetime1">
               <a:rPr lang="en-US" smtClean="0"/>
-              <a:t>12/5/2013</a:t>
+              <a:t>12/6/2013</a:t>
             </a:fld>
             <a:endParaRPr lang="en-US"/>
           </a:p>
@@ -1842,6 +5334,10 @@
           <a:bodyPr/>
           <a:lstStyle/>
           <a:p>
+            <a:r>
+              <a:rPr lang="en-US" smtClean="0"/>
+              <a:t>SD1 Fall 2013: Error Correcting Codes in Amateur Radio Satellite Telemetry</a:t>
+            </a:r>
             <a:endParaRPr lang="en-US"/>
           </a:p>
         </p:txBody>
@@ -2096,9 +5592,9 @@
           <a:bodyPr/>
           <a:lstStyle/>
           <a:p>
-            <a:fld id="{5E2CB655-51FE-4DC3-ACBF-44BDFD047BC5}" type="datetimeFigureOut">
+            <a:fld id="{41B64873-6898-455E-8F56-65569CAD0156}" type="datetime1">
               <a:rPr lang="en-US" smtClean="0"/>
-              <a:t>12/5/2013</a:t>
+              <a:t>12/6/2013</a:t>
             </a:fld>
             <a:endParaRPr lang="en-US"/>
           </a:p>
@@ -2119,6 +5615,10 @@
           <a:bodyPr/>
           <a:lstStyle/>
           <a:p>
+            <a:r>
+              <a:rPr lang="en-US" smtClean="0"/>
+              <a:t>SD1 Fall 2013: Error Correcting Codes in Amateur Radio Satellite Telemetry</a:t>
+            </a:r>
             <a:endParaRPr lang="en-US"/>
           </a:p>
         </p:txBody>
@@ -2349,9 +5849,9 @@
           <a:bodyPr/>
           <a:lstStyle/>
           <a:p>
-            <a:fld id="{5E2CB655-51FE-4DC3-ACBF-44BDFD047BC5}" type="datetimeFigureOut">
+            <a:fld id="{3B1FC29C-5FB5-418B-8A70-1F92EA8E928D}" type="datetime1">
               <a:rPr lang="en-US" smtClean="0"/>
-              <a:t>12/5/2013</a:t>
+              <a:t>12/6/2013</a:t>
             </a:fld>
             <a:endParaRPr lang="en-US"/>
           </a:p>
@@ -2372,6 +5872,10 @@
           <a:bodyPr/>
           <a:lstStyle/>
           <a:p>
+            <a:r>
+              <a:rPr lang="en-US" smtClean="0"/>
+              <a:t>SD1 Fall 2013: Error Correcting Codes in Amateur Radio Satellite Telemetry</a:t>
+            </a:r>
             <a:endParaRPr lang="en-US"/>
           </a:p>
         </p:txBody>
@@ -2562,9 +6066,9 @@
             </a:lvl1pPr>
           </a:lstStyle>
           <a:p>
-            <a:fld id="{5E2CB655-51FE-4DC3-ACBF-44BDFD047BC5}" type="datetimeFigureOut">
+            <a:fld id="{E49A743E-47C9-4E51-9C10-50E268DCD856}" type="datetime1">
               <a:rPr lang="en-US" smtClean="0"/>
-              <a:t>12/5/2013</a:t>
+              <a:t>12/6/2013</a:t>
             </a:fld>
             <a:endParaRPr lang="en-US"/>
           </a:p>
@@ -2603,6 +6107,10 @@
             </a:lvl1pPr>
           </a:lstStyle>
           <a:p>
+            <a:r>
+              <a:rPr lang="en-US" smtClean="0"/>
+              <a:t>SD1 Fall 2013: Error Correcting Codes in Amateur Radio Satellite Telemetry</a:t>
+            </a:r>
             <a:endParaRPr lang="en-US"/>
           </a:p>
         </p:txBody>
@@ -2669,6 +6177,7 @@
     <p:sldLayoutId id="2147483658" r:id="rId10"/>
     <p:sldLayoutId id="2147483659" r:id="rId11"/>
   </p:sldLayoutIdLst>
+  <p:hf sldNum="0" hdr="0" ftr="0" dt="0"/>
   <p:txStyles>
     <p:titleStyle>
       <a:lvl1pPr algn="l" defTabSz="914400" rtl="0" eaLnBrk="1" latinLnBrk="0" hangingPunct="1">
@@ -3021,7 +6530,7 @@
             </a:br>
             <a:r>
               <a:rPr lang="en-US" dirty="0" smtClean="0"/>
-              <a:t>Concatenated Codes </a:t>
+              <a:t>Error Correcting Codes </a:t>
             </a:r>
             <a:r>
               <a:rPr lang="en-US" dirty="0"/>
@@ -3119,6 +6628,807 @@
     <p:extLst>
       <p:ext uri="{BB962C8B-B14F-4D97-AF65-F5344CB8AC3E}">
         <p14:creationId xmlns:p14="http://schemas.microsoft.com/office/powerpoint/2010/main" val="1130856617"/>
+      </p:ext>
+    </p:extLst>
+  </p:cSld>
+  <p:clrMapOvr>
+    <a:masterClrMapping/>
+  </p:clrMapOvr>
+</p:sld>
+</file>
+
+<file path=ppt/slides/slide10.xml><?xml version="1.0" encoding="utf-8"?>
+<p:sld xmlns:a="http://schemas.openxmlformats.org/drawingml/2006/main" xmlns:r="http://schemas.openxmlformats.org/officeDocument/2006/relationships" xmlns:p="http://schemas.openxmlformats.org/presentationml/2006/main">
+  <p:cSld>
+    <p:spTree>
+      <p:nvGrpSpPr>
+        <p:cNvPr id="1" name=""/>
+        <p:cNvGrpSpPr/>
+        <p:nvPr/>
+      </p:nvGrpSpPr>
+      <p:grpSpPr>
+        <a:xfrm>
+          <a:off x="0" y="0"/>
+          <a:ext cx="0" cy="0"/>
+          <a:chOff x="0" y="0"/>
+          <a:chExt cx="0" cy="0"/>
+        </a:xfrm>
+      </p:grpSpPr>
+      <p:sp>
+        <p:nvSpPr>
+          <p:cNvPr id="5" name="Title 4"/>
+          <p:cNvSpPr>
+            <a:spLocks noGrp="1"/>
+          </p:cNvSpPr>
+          <p:nvPr>
+            <p:ph type="title"/>
+          </p:nvPr>
+        </p:nvSpPr>
+        <p:spPr>
+          <a:xfrm>
+            <a:off x="838200" y="365125"/>
+            <a:ext cx="10515600" cy="3869250"/>
+          </a:xfrm>
+        </p:spPr>
+        <p:txBody>
+          <a:bodyPr/>
+          <a:lstStyle/>
+          <a:p>
+            <a:r>
+              <a:rPr lang="en-US" dirty="0" smtClean="0"/>
+              <a:t>RESERVED – CURRENT PROGRESS: </a:t>
+            </a:r>
+            <a:br>
+              <a:rPr lang="en-US" dirty="0" smtClean="0"/>
+            </a:br>
+            <a:r>
+              <a:rPr lang="en-US" dirty="0"/>
+              <a:t/>
+            </a:r>
+            <a:br>
+              <a:rPr lang="en-US" dirty="0"/>
+            </a:br>
+            <a:r>
+              <a:rPr lang="en-US" dirty="0" smtClean="0"/>
+              <a:t>BRIAN EXPLAINS BER PERFORMANCE OF BPSK SIMULINK MODEL</a:t>
+            </a:r>
+            <a:endParaRPr lang="en-US" dirty="0"/>
+          </a:p>
+        </p:txBody>
+      </p:sp>
+    </p:spTree>
+    <p:extLst>
+      <p:ext uri="{BB962C8B-B14F-4D97-AF65-F5344CB8AC3E}">
+        <p14:creationId xmlns:p14="http://schemas.microsoft.com/office/powerpoint/2010/main" val="2338249854"/>
+      </p:ext>
+    </p:extLst>
+  </p:cSld>
+  <p:clrMapOvr>
+    <a:masterClrMapping/>
+  </p:clrMapOvr>
+</p:sld>
+</file>
+
+<file path=ppt/slides/slide11.xml><?xml version="1.0" encoding="utf-8"?>
+<p:sld xmlns:a="http://schemas.openxmlformats.org/drawingml/2006/main" xmlns:r="http://schemas.openxmlformats.org/officeDocument/2006/relationships" xmlns:p="http://schemas.openxmlformats.org/presentationml/2006/main">
+  <p:cSld>
+    <p:spTree>
+      <p:nvGrpSpPr>
+        <p:cNvPr id="1" name=""/>
+        <p:cNvGrpSpPr/>
+        <p:nvPr/>
+      </p:nvGrpSpPr>
+      <p:grpSpPr>
+        <a:xfrm>
+          <a:off x="0" y="0"/>
+          <a:ext cx="0" cy="0"/>
+          <a:chOff x="0" y="0"/>
+          <a:chExt cx="0" cy="0"/>
+        </a:xfrm>
+      </p:grpSpPr>
+      <p:sp>
+        <p:nvSpPr>
+          <p:cNvPr id="5" name="Title 4"/>
+          <p:cNvSpPr>
+            <a:spLocks noGrp="1"/>
+          </p:cNvSpPr>
+          <p:nvPr>
+            <p:ph type="title"/>
+          </p:nvPr>
+        </p:nvSpPr>
+        <p:spPr>
+          <a:xfrm>
+            <a:off x="838200" y="365125"/>
+            <a:ext cx="10515600" cy="3869250"/>
+          </a:xfrm>
+        </p:spPr>
+        <p:txBody>
+          <a:bodyPr/>
+          <a:lstStyle/>
+          <a:p>
+            <a:r>
+              <a:rPr lang="en-US" dirty="0" smtClean="0"/>
+              <a:t>RESERVED – CURRENT PROGRESS: </a:t>
+            </a:r>
+            <a:br>
+              <a:rPr lang="en-US" dirty="0" smtClean="0"/>
+            </a:br>
+            <a:r>
+              <a:rPr lang="en-US" dirty="0"/>
+              <a:t/>
+            </a:r>
+            <a:br>
+              <a:rPr lang="en-US" dirty="0"/>
+            </a:br>
+            <a:r>
+              <a:rPr lang="en-US" dirty="0" smtClean="0"/>
+              <a:t>BRIAN EXPLAINS BER PERFORMANCE OF BPSK SIMULINK MODEL</a:t>
+            </a:r>
+            <a:endParaRPr lang="en-US" dirty="0"/>
+          </a:p>
+        </p:txBody>
+      </p:sp>
+    </p:spTree>
+    <p:extLst>
+      <p:ext uri="{BB962C8B-B14F-4D97-AF65-F5344CB8AC3E}">
+        <p14:creationId xmlns:p14="http://schemas.microsoft.com/office/powerpoint/2010/main" val="97005361"/>
+      </p:ext>
+    </p:extLst>
+  </p:cSld>
+  <p:clrMapOvr>
+    <a:masterClrMapping/>
+  </p:clrMapOvr>
+</p:sld>
+</file>
+
+<file path=ppt/slides/slide12.xml><?xml version="1.0" encoding="utf-8"?>
+<p:sld xmlns:a="http://schemas.openxmlformats.org/drawingml/2006/main" xmlns:r="http://schemas.openxmlformats.org/officeDocument/2006/relationships" xmlns:p="http://schemas.openxmlformats.org/presentationml/2006/main">
+  <p:cSld>
+    <p:spTree>
+      <p:nvGrpSpPr>
+        <p:cNvPr id="1" name=""/>
+        <p:cNvGrpSpPr/>
+        <p:nvPr/>
+      </p:nvGrpSpPr>
+      <p:grpSpPr>
+        <a:xfrm>
+          <a:off x="0" y="0"/>
+          <a:ext cx="0" cy="0"/>
+          <a:chOff x="0" y="0"/>
+          <a:chExt cx="0" cy="0"/>
+        </a:xfrm>
+      </p:grpSpPr>
+      <p:sp>
+        <p:nvSpPr>
+          <p:cNvPr id="2" name="Title 1"/>
+          <p:cNvSpPr>
+            <a:spLocks noGrp="1"/>
+          </p:cNvSpPr>
+          <p:nvPr>
+            <p:ph type="title"/>
+          </p:nvPr>
+        </p:nvSpPr>
+        <p:spPr>
+          <a:xfrm>
+            <a:off x="838200" y="712854"/>
+            <a:ext cx="10515600" cy="1325563"/>
+          </a:xfrm>
+        </p:spPr>
+        <p:txBody>
+          <a:bodyPr>
+            <a:normAutofit fontScale="90000"/>
+          </a:bodyPr>
+          <a:lstStyle/>
+          <a:p>
+            <a:pPr algn="ctr"/>
+            <a:r>
+              <a:rPr lang="en-US" dirty="0" smtClean="0"/>
+              <a:t>Future Work – Short-term</a:t>
+            </a:r>
+            <a:br>
+              <a:rPr lang="en-US" dirty="0" smtClean="0"/>
+            </a:br>
+            <a:r>
+              <a:rPr lang="en-US" dirty="0"/>
+              <a:t/>
+            </a:r>
+            <a:br>
+              <a:rPr lang="en-US" dirty="0"/>
+            </a:br>
+            <a:r>
+              <a:rPr lang="en-US" sz="3600" dirty="0" smtClean="0"/>
+              <a:t>Integrate FEC and BPSK simulations</a:t>
+            </a:r>
+            <a:endParaRPr lang="en-US" dirty="0"/>
+          </a:p>
+        </p:txBody>
+      </p:sp>
+      <p:pic>
+        <p:nvPicPr>
+          <p:cNvPr id="3" name="Picture 2"/>
+          <p:cNvPicPr>
+            <a:picLocks noChangeAspect="1"/>
+          </p:cNvPicPr>
+          <p:nvPr/>
+        </p:nvPicPr>
+        <p:blipFill>
+          <a:blip r:embed="rId2">
+            <a:extLst>
+              <a:ext uri="{28A0092B-C50C-407E-A947-70E740481C1C}">
+                <a14:useLocalDpi xmlns:a14="http://schemas.microsoft.com/office/drawing/2010/main" val="0"/>
+              </a:ext>
+            </a:extLst>
+          </a:blip>
+          <a:stretch>
+            <a:fillRect/>
+          </a:stretch>
+        </p:blipFill>
+        <p:spPr>
+          <a:xfrm>
+            <a:off x="1826653" y="2368353"/>
+            <a:ext cx="8538694" cy="4188793"/>
+          </a:xfrm>
+          <a:prstGeom prst="rect">
+            <a:avLst/>
+          </a:prstGeom>
+        </p:spPr>
+      </p:pic>
+    </p:spTree>
+    <p:extLst>
+      <p:ext uri="{BB962C8B-B14F-4D97-AF65-F5344CB8AC3E}">
+        <p14:creationId xmlns:p14="http://schemas.microsoft.com/office/powerpoint/2010/main" val="3408321328"/>
+      </p:ext>
+    </p:extLst>
+  </p:cSld>
+  <p:clrMapOvr>
+    <a:masterClrMapping/>
+  </p:clrMapOvr>
+</p:sld>
+</file>
+
+<file path=ppt/slides/slide13.xml><?xml version="1.0" encoding="utf-8"?>
+<p:sld xmlns:a="http://schemas.openxmlformats.org/drawingml/2006/main" xmlns:r="http://schemas.openxmlformats.org/officeDocument/2006/relationships" xmlns:p="http://schemas.openxmlformats.org/presentationml/2006/main">
+  <p:cSld>
+    <p:spTree>
+      <p:nvGrpSpPr>
+        <p:cNvPr id="1" name=""/>
+        <p:cNvGrpSpPr/>
+        <p:nvPr/>
+      </p:nvGrpSpPr>
+      <p:grpSpPr>
+        <a:xfrm>
+          <a:off x="0" y="0"/>
+          <a:ext cx="0" cy="0"/>
+          <a:chOff x="0" y="0"/>
+          <a:chExt cx="0" cy="0"/>
+        </a:xfrm>
+      </p:grpSpPr>
+      <p:pic>
+        <p:nvPicPr>
+          <p:cNvPr id="4" name="Picture 3"/>
+          <p:cNvPicPr>
+            <a:picLocks noChangeAspect="1"/>
+          </p:cNvPicPr>
+          <p:nvPr/>
+        </p:nvPicPr>
+        <p:blipFill>
+          <a:blip r:embed="rId2">
+            <a:extLst>
+              <a:ext uri="{28A0092B-C50C-407E-A947-70E740481C1C}">
+                <a14:useLocalDpi xmlns:a14="http://schemas.microsoft.com/office/drawing/2010/main" val="0"/>
+              </a:ext>
+            </a:extLst>
+          </a:blip>
+          <a:stretch>
+            <a:fillRect/>
+          </a:stretch>
+        </p:blipFill>
+        <p:spPr>
+          <a:xfrm>
+            <a:off x="3281820" y="2221307"/>
+            <a:ext cx="5135671" cy="3838007"/>
+          </a:xfrm>
+          <a:prstGeom prst="rect">
+            <a:avLst/>
+          </a:prstGeom>
+        </p:spPr>
+      </p:pic>
+      <p:sp>
+        <p:nvSpPr>
+          <p:cNvPr id="5" name="TextBox 4"/>
+          <p:cNvSpPr txBox="1"/>
+          <p:nvPr/>
+        </p:nvSpPr>
+        <p:spPr>
+          <a:xfrm>
+            <a:off x="403860" y="533400"/>
+            <a:ext cx="11323320" cy="769441"/>
+          </a:xfrm>
+          <a:prstGeom prst="rect">
+            <a:avLst/>
+          </a:prstGeom>
+          <a:noFill/>
+        </p:spPr>
+        <p:txBody>
+          <a:bodyPr wrap="square" rtlCol="0">
+            <a:spAutoFit/>
+          </a:bodyPr>
+          <a:lstStyle/>
+          <a:p>
+            <a:pPr algn="ctr"/>
+            <a:r>
+              <a:rPr lang="en-US" sz="4400" dirty="0" smtClean="0">
+                <a:latin typeface="+mj-lt"/>
+                <a:cs typeface="Times New Roman" panose="02020603050405020304" pitchFamily="18" charset="0"/>
+              </a:rPr>
+              <a:t>Future Work</a:t>
+            </a:r>
+            <a:endParaRPr lang="en-US" sz="4400" dirty="0">
+              <a:latin typeface="+mj-lt"/>
+              <a:cs typeface="Times New Roman" panose="02020603050405020304" pitchFamily="18" charset="0"/>
+            </a:endParaRPr>
+          </a:p>
+        </p:txBody>
+      </p:sp>
+      <p:sp>
+        <p:nvSpPr>
+          <p:cNvPr id="6" name="TextBox 5"/>
+          <p:cNvSpPr txBox="1"/>
+          <p:nvPr/>
+        </p:nvSpPr>
+        <p:spPr>
+          <a:xfrm>
+            <a:off x="403860" y="1577363"/>
+            <a:ext cx="2542784" cy="4801314"/>
+          </a:xfrm>
+          <a:prstGeom prst="rect">
+            <a:avLst/>
+          </a:prstGeom>
+          <a:noFill/>
+        </p:spPr>
+        <p:txBody>
+          <a:bodyPr wrap="square" rtlCol="0">
+            <a:spAutoFit/>
+          </a:bodyPr>
+          <a:lstStyle/>
+          <a:p>
+            <a:pPr algn="ctr"/>
+            <a:r>
+              <a:rPr lang="en-US" b="1" u="sng" dirty="0" smtClean="0">
+                <a:latin typeface="+mj-lt"/>
+                <a:cs typeface="Times New Roman" panose="02020603050405020304" pitchFamily="18" charset="0"/>
+              </a:rPr>
+              <a:t>___Winter Break___</a:t>
+            </a:r>
+          </a:p>
+          <a:p>
+            <a:endParaRPr lang="en-US" u="sng" dirty="0">
+              <a:latin typeface="+mj-lt"/>
+              <a:cs typeface="Times New Roman" panose="02020603050405020304" pitchFamily="18" charset="0"/>
+            </a:endParaRPr>
+          </a:p>
+          <a:p>
+            <a:pPr marL="285750" indent="-285750">
+              <a:buFont typeface="Arial" panose="020B0604020202020204" pitchFamily="34" charset="0"/>
+              <a:buChar char="•"/>
+            </a:pPr>
+            <a:r>
+              <a:rPr lang="en-US" dirty="0" smtClean="0">
+                <a:latin typeface="+mj-lt"/>
+                <a:cs typeface="Times New Roman" panose="02020603050405020304" pitchFamily="18" charset="0"/>
+              </a:rPr>
+              <a:t>Complete System C simulation (BPSK + FEC)</a:t>
+            </a:r>
+            <a:endParaRPr lang="en-US" dirty="0" smtClean="0">
+              <a:latin typeface="+mj-lt"/>
+              <a:cs typeface="Times New Roman" panose="02020603050405020304" pitchFamily="18" charset="0"/>
+            </a:endParaRPr>
+          </a:p>
+          <a:p>
+            <a:pPr marL="285750" indent="-285750">
+              <a:buFont typeface="Arial" panose="020B0604020202020204" pitchFamily="34" charset="0"/>
+              <a:buChar char="•"/>
+            </a:pPr>
+            <a:endParaRPr lang="en-US" dirty="0">
+              <a:latin typeface="+mj-lt"/>
+              <a:cs typeface="Times New Roman" panose="02020603050405020304" pitchFamily="18" charset="0"/>
+            </a:endParaRPr>
+          </a:p>
+          <a:p>
+            <a:pPr marL="285750" indent="-285750">
+              <a:buFont typeface="Arial" panose="020B0604020202020204" pitchFamily="34" charset="0"/>
+              <a:buChar char="•"/>
+            </a:pPr>
+            <a:r>
+              <a:rPr lang="en-US" dirty="0" smtClean="0">
+                <a:latin typeface="+mj-lt"/>
+                <a:cs typeface="Times New Roman" panose="02020603050405020304" pitchFamily="18" charset="0"/>
+              </a:rPr>
+              <a:t>Develop AWGN core</a:t>
+            </a:r>
+          </a:p>
+          <a:p>
+            <a:pPr marL="285750" indent="-285750">
+              <a:buFont typeface="Arial" panose="020B0604020202020204" pitchFamily="34" charset="0"/>
+              <a:buChar char="•"/>
+            </a:pPr>
+            <a:endParaRPr lang="en-US" dirty="0">
+              <a:latin typeface="+mj-lt"/>
+              <a:cs typeface="Times New Roman" panose="02020603050405020304" pitchFamily="18" charset="0"/>
+            </a:endParaRPr>
+          </a:p>
+          <a:p>
+            <a:pPr marL="285750" indent="-285750">
+              <a:buFont typeface="Arial" panose="020B0604020202020204" pitchFamily="34" charset="0"/>
+              <a:buChar char="•"/>
+            </a:pPr>
+            <a:r>
+              <a:rPr lang="en-US" dirty="0" smtClean="0">
+                <a:latin typeface="+mj-lt"/>
+                <a:cs typeface="Times New Roman" panose="02020603050405020304" pitchFamily="18" charset="0"/>
+              </a:rPr>
+              <a:t>Develop BERT (software)</a:t>
+            </a:r>
+          </a:p>
+          <a:p>
+            <a:pPr marL="285750" indent="-285750">
+              <a:buFont typeface="Arial" panose="020B0604020202020204" pitchFamily="34" charset="0"/>
+              <a:buChar char="•"/>
+            </a:pPr>
+            <a:endParaRPr lang="en-US" dirty="0">
+              <a:latin typeface="+mj-lt"/>
+              <a:cs typeface="Times New Roman" panose="02020603050405020304" pitchFamily="18" charset="0"/>
+            </a:endParaRPr>
+          </a:p>
+          <a:p>
+            <a:pPr marL="285750" indent="-285750">
+              <a:buFont typeface="Arial" panose="020B0604020202020204" pitchFamily="34" charset="0"/>
+              <a:buChar char="•"/>
+            </a:pPr>
+            <a:r>
+              <a:rPr lang="en-US" dirty="0" smtClean="0">
+                <a:latin typeface="+mj-lt"/>
+                <a:cs typeface="Times New Roman" panose="02020603050405020304" pitchFamily="18" charset="0"/>
+              </a:rPr>
+              <a:t>Develop USB-R232 HDL</a:t>
+            </a:r>
+            <a:endParaRPr lang="en-US" dirty="0" smtClean="0">
+              <a:latin typeface="+mj-lt"/>
+              <a:cs typeface="Times New Roman" panose="02020603050405020304" pitchFamily="18" charset="0"/>
+            </a:endParaRPr>
+          </a:p>
+          <a:p>
+            <a:pPr marL="285750" indent="-285750">
+              <a:buFont typeface="Arial" panose="020B0604020202020204" pitchFamily="34" charset="0"/>
+              <a:buChar char="•"/>
+            </a:pPr>
+            <a:endParaRPr lang="en-US" dirty="0">
+              <a:latin typeface="+mj-lt"/>
+              <a:cs typeface="Times New Roman" panose="02020603050405020304" pitchFamily="18" charset="0"/>
+            </a:endParaRPr>
+          </a:p>
+          <a:p>
+            <a:pPr marL="285750" indent="-285750">
+              <a:buFont typeface="Arial" panose="020B0604020202020204" pitchFamily="34" charset="0"/>
+              <a:buChar char="•"/>
+            </a:pPr>
+            <a:r>
+              <a:rPr lang="en-US" dirty="0" smtClean="0">
+                <a:latin typeface="+mj-lt"/>
+                <a:cs typeface="Times New Roman" panose="02020603050405020304" pitchFamily="18" charset="0"/>
+              </a:rPr>
+              <a:t>Begin converting Simulink models to HDL models</a:t>
+            </a:r>
+            <a:endParaRPr lang="en-US" dirty="0">
+              <a:latin typeface="+mj-lt"/>
+              <a:cs typeface="Times New Roman" panose="02020603050405020304" pitchFamily="18" charset="0"/>
+            </a:endParaRPr>
+          </a:p>
+        </p:txBody>
+      </p:sp>
+      <p:sp>
+        <p:nvSpPr>
+          <p:cNvPr id="7" name="TextBox 6"/>
+          <p:cNvSpPr txBox="1"/>
+          <p:nvPr/>
+        </p:nvSpPr>
+        <p:spPr>
+          <a:xfrm>
+            <a:off x="8752667" y="1577363"/>
+            <a:ext cx="2781510" cy="3416320"/>
+          </a:xfrm>
+          <a:prstGeom prst="rect">
+            <a:avLst/>
+          </a:prstGeom>
+          <a:noFill/>
+        </p:spPr>
+        <p:txBody>
+          <a:bodyPr wrap="square" rtlCol="0">
+            <a:spAutoFit/>
+          </a:bodyPr>
+          <a:lstStyle/>
+          <a:p>
+            <a:pPr algn="ctr"/>
+            <a:r>
+              <a:rPr lang="en-US" b="1" u="sng" dirty="0" smtClean="0">
+                <a:latin typeface="+mj-lt"/>
+              </a:rPr>
+              <a:t>___</a:t>
+            </a:r>
+            <a:r>
+              <a:rPr lang="en-US" b="1" u="sng" dirty="0" smtClean="0">
+                <a:latin typeface="+mj-lt"/>
+                <a:cs typeface="Times New Roman" panose="02020603050405020304" pitchFamily="18" charset="0"/>
+              </a:rPr>
+              <a:t>Senior Design II </a:t>
+            </a:r>
+            <a:r>
+              <a:rPr lang="en-US" b="1" u="sng" dirty="0" smtClean="0">
+                <a:latin typeface="+mj-lt"/>
+              </a:rPr>
+              <a:t>___</a:t>
+            </a:r>
+          </a:p>
+          <a:p>
+            <a:endParaRPr lang="en-US" u="sng" dirty="0">
+              <a:latin typeface="+mj-lt"/>
+            </a:endParaRPr>
+          </a:p>
+          <a:p>
+            <a:pPr marL="285750" indent="-285750">
+              <a:buFont typeface="Arial" panose="020B0604020202020204" pitchFamily="34" charset="0"/>
+              <a:buChar char="•"/>
+            </a:pPr>
+            <a:r>
+              <a:rPr lang="en-US" dirty="0" smtClean="0">
+                <a:latin typeface="+mj-lt"/>
+              </a:rPr>
+              <a:t>FPGA Implementation of </a:t>
+            </a:r>
+            <a:r>
+              <a:rPr lang="en-US" dirty="0" smtClean="0">
+                <a:latin typeface="+mj-lt"/>
+              </a:rPr>
+              <a:t>System B &amp; System C</a:t>
+            </a:r>
+            <a:endParaRPr lang="en-US" dirty="0" smtClean="0">
+              <a:latin typeface="+mj-lt"/>
+            </a:endParaRPr>
+          </a:p>
+          <a:p>
+            <a:pPr marL="285750" indent="-285750">
+              <a:buFont typeface="Arial" panose="020B0604020202020204" pitchFamily="34" charset="0"/>
+              <a:buChar char="•"/>
+            </a:pPr>
+            <a:endParaRPr lang="en-US" dirty="0">
+              <a:latin typeface="+mj-lt"/>
+            </a:endParaRPr>
+          </a:p>
+          <a:p>
+            <a:pPr marL="285750" indent="-285750">
+              <a:buFont typeface="Arial" panose="020B0604020202020204" pitchFamily="34" charset="0"/>
+              <a:buChar char="•"/>
+            </a:pPr>
+            <a:r>
+              <a:rPr lang="en-US" dirty="0" smtClean="0">
+                <a:latin typeface="+mj-lt"/>
+              </a:rPr>
+              <a:t>Test and verification of modem requirements.</a:t>
+            </a:r>
+          </a:p>
+          <a:p>
+            <a:pPr marL="285750" indent="-285750">
+              <a:buFont typeface="Arial" panose="020B0604020202020204" pitchFamily="34" charset="0"/>
+              <a:buChar char="•"/>
+            </a:pPr>
+            <a:endParaRPr lang="en-US" dirty="0">
+              <a:latin typeface="+mj-lt"/>
+            </a:endParaRPr>
+          </a:p>
+          <a:p>
+            <a:pPr marL="285750" indent="-285750">
+              <a:buFont typeface="Arial" panose="020B0604020202020204" pitchFamily="34" charset="0"/>
+              <a:buChar char="•"/>
+            </a:pPr>
+            <a:r>
+              <a:rPr lang="en-US" b="1" dirty="0" smtClean="0">
+                <a:latin typeface="+mj-lt"/>
+              </a:rPr>
+              <a:t>Comprehensive budget link analysis to assess reduced power consumption</a:t>
+            </a:r>
+            <a:endParaRPr lang="en-US" b="1" dirty="0">
+              <a:latin typeface="+mj-lt"/>
+            </a:endParaRPr>
+          </a:p>
+        </p:txBody>
+      </p:sp>
+    </p:spTree>
+    <p:extLst>
+      <p:ext uri="{BB962C8B-B14F-4D97-AF65-F5344CB8AC3E}">
+        <p14:creationId xmlns:p14="http://schemas.microsoft.com/office/powerpoint/2010/main" val="553712904"/>
+      </p:ext>
+    </p:extLst>
+  </p:cSld>
+  <p:clrMapOvr>
+    <a:masterClrMapping/>
+  </p:clrMapOvr>
+  <p:timing>
+    <p:tnLst>
+      <p:par>
+        <p:cTn id="1" dur="indefinite" restart="never" nodeType="tmRoot"/>
+      </p:par>
+    </p:tnLst>
+  </p:timing>
+</p:sld>
+</file>
+
+<file path=ppt/slides/slide14.xml><?xml version="1.0" encoding="utf-8"?>
+<p:sld xmlns:a="http://schemas.openxmlformats.org/drawingml/2006/main" xmlns:r="http://schemas.openxmlformats.org/officeDocument/2006/relationships" xmlns:p="http://schemas.openxmlformats.org/presentationml/2006/main">
+  <p:cSld>
+    <p:spTree>
+      <p:nvGrpSpPr>
+        <p:cNvPr id="1" name=""/>
+        <p:cNvGrpSpPr/>
+        <p:nvPr/>
+      </p:nvGrpSpPr>
+      <p:grpSpPr>
+        <a:xfrm>
+          <a:off x="0" y="0"/>
+          <a:ext cx="0" cy="0"/>
+          <a:chOff x="0" y="0"/>
+          <a:chExt cx="0" cy="0"/>
+        </a:xfrm>
+      </p:grpSpPr>
+      <p:sp>
+        <p:nvSpPr>
+          <p:cNvPr id="2" name="Title 1"/>
+          <p:cNvSpPr>
+            <a:spLocks noGrp="1"/>
+          </p:cNvSpPr>
+          <p:nvPr>
+            <p:ph type="ctrTitle"/>
+          </p:nvPr>
+        </p:nvSpPr>
+        <p:spPr>
+          <a:xfrm>
+            <a:off x="1524000" y="2137892"/>
+            <a:ext cx="9144000" cy="3447491"/>
+          </a:xfrm>
+        </p:spPr>
+        <p:txBody>
+          <a:bodyPr>
+            <a:normAutofit fontScale="90000"/>
+          </a:bodyPr>
+          <a:lstStyle/>
+          <a:p>
+            <a:r>
+              <a:rPr lang="en-US" sz="3100" dirty="0" smtClean="0"/>
+              <a:t/>
+            </a:r>
+            <a:br>
+              <a:rPr lang="en-US" sz="3100" dirty="0" smtClean="0"/>
+            </a:br>
+            <a:r>
+              <a:rPr lang="en-US" sz="3100" dirty="0" smtClean="0"/>
+              <a:t>SDI Team 23: Programmable Communication Group </a:t>
+            </a:r>
+            <a:br>
+              <a:rPr lang="en-US" sz="3100" dirty="0" smtClean="0"/>
+            </a:br>
+            <a:r>
+              <a:rPr lang="en-US" sz="3100" dirty="0" smtClean="0"/>
+              <a:t/>
+            </a:r>
+            <a:br>
+              <a:rPr lang="en-US" sz="3100" dirty="0" smtClean="0"/>
+            </a:br>
+            <a:r>
+              <a:rPr lang="en-US" sz="3100" dirty="0" smtClean="0"/>
+              <a:t/>
+            </a:r>
+            <a:br>
+              <a:rPr lang="en-US" sz="3100" dirty="0" smtClean="0"/>
+            </a:br>
+            <a:r>
+              <a:rPr lang="en-US" dirty="0" smtClean="0"/>
+              <a:t>Error Correcting Codes </a:t>
+            </a:r>
+            <a:r>
+              <a:rPr lang="en-US" dirty="0"/>
+              <a:t/>
+            </a:r>
+            <a:br>
+              <a:rPr lang="en-US" dirty="0"/>
+            </a:br>
+            <a:r>
+              <a:rPr lang="en-US" dirty="0" smtClean="0"/>
+              <a:t>in </a:t>
+            </a:r>
+            <a:br>
+              <a:rPr lang="en-US" dirty="0" smtClean="0"/>
+            </a:br>
+            <a:r>
+              <a:rPr lang="en-US" dirty="0" smtClean="0"/>
+              <a:t>Amateur Radio </a:t>
+            </a:r>
+            <a:br>
+              <a:rPr lang="en-US" dirty="0" smtClean="0"/>
+            </a:br>
+            <a:r>
+              <a:rPr lang="en-US" dirty="0" smtClean="0"/>
+              <a:t>Satellite Telemetry</a:t>
+            </a:r>
+            <a:br>
+              <a:rPr lang="en-US" dirty="0" smtClean="0"/>
+            </a:br>
+            <a:r>
+              <a:rPr lang="en-US" dirty="0"/>
+              <a:t/>
+            </a:r>
+            <a:br>
+              <a:rPr lang="en-US" dirty="0"/>
+            </a:br>
+            <a:r>
+              <a:rPr lang="en-US" sz="3200" dirty="0" smtClean="0"/>
+              <a:t>Category 2 – Project with </a:t>
+            </a:r>
+            <a:r>
+              <a:rPr lang="en-US" sz="3200" dirty="0"/>
+              <a:t>a</a:t>
+            </a:r>
+            <a:r>
+              <a:rPr lang="en-US" sz="3200" dirty="0" smtClean="0"/>
+              <a:t>ctive </a:t>
+            </a:r>
+            <a:r>
+              <a:rPr lang="en-US" sz="3200" dirty="0"/>
+              <a:t>r</a:t>
+            </a:r>
+            <a:r>
+              <a:rPr lang="en-US" sz="3200" dirty="0" smtClean="0"/>
+              <a:t>esearch agenda</a:t>
+            </a:r>
+            <a:endParaRPr lang="en-US" dirty="0"/>
+          </a:p>
+        </p:txBody>
+      </p:sp>
+      <p:sp>
+        <p:nvSpPr>
+          <p:cNvPr id="3" name="Subtitle 2"/>
+          <p:cNvSpPr>
+            <a:spLocks noGrp="1"/>
+          </p:cNvSpPr>
+          <p:nvPr>
+            <p:ph type="subTitle" idx="1"/>
+          </p:nvPr>
+        </p:nvSpPr>
+        <p:spPr>
+          <a:xfrm>
+            <a:off x="1524000" y="5430838"/>
+            <a:ext cx="9144000" cy="1655762"/>
+          </a:xfrm>
+        </p:spPr>
+        <p:txBody>
+          <a:bodyPr/>
+          <a:lstStyle/>
+          <a:p>
+            <a:endParaRPr lang="en-US" dirty="0" smtClean="0"/>
+          </a:p>
+          <a:p>
+            <a:r>
+              <a:rPr lang="en-US" dirty="0" smtClean="0"/>
+              <a:t>December 7, 2013</a:t>
+            </a:r>
+          </a:p>
+          <a:p>
+            <a:endParaRPr lang="en-US" dirty="0"/>
+          </a:p>
+        </p:txBody>
+      </p:sp>
+    </p:spTree>
+    <p:extLst>
+      <p:ext uri="{BB962C8B-B14F-4D97-AF65-F5344CB8AC3E}">
+        <p14:creationId xmlns:p14="http://schemas.microsoft.com/office/powerpoint/2010/main" val="3842098528"/>
       </p:ext>
     </p:extLst>
   </p:cSld>
@@ -3180,7 +7490,7 @@
           </p:nvPr>
         </p:nvPicPr>
         <p:blipFill>
-          <a:blip r:embed="rId2">
+          <a:blip r:embed="rId3">
             <a:extLst>
               <a:ext uri="{28A0092B-C50C-407E-A947-70E740481C1C}">
                 <a14:useLocalDpi xmlns:a14="http://schemas.microsoft.com/office/drawing/2010/main" val="0"/>
@@ -3193,8 +7503,8 @@
         </p:blipFill>
         <p:spPr>
           <a:xfrm>
-            <a:off x="1974167" y="1583900"/>
-            <a:ext cx="8243666" cy="4932993"/>
+            <a:off x="1974167" y="1583901"/>
+            <a:ext cx="7672109" cy="4590974"/>
           </a:xfrm>
         </p:spPr>
       </p:pic>
@@ -3412,7 +7722,7 @@
         </p:spPr>
         <p:txBody>
           <a:bodyPr>
-            <a:normAutofit fontScale="92500" lnSpcReduction="10000"/>
+            <a:normAutofit/>
           </a:bodyPr>
           <a:lstStyle/>
           <a:p>
@@ -3458,36 +7768,6 @@
           </a:p>
           <a:p>
             <a:pPr lvl="1"/>
-            <a:r>
-              <a:rPr lang="en-US" dirty="0" smtClean="0"/>
-              <a:t>Concatenated codes</a:t>
-            </a:r>
-          </a:p>
-          <a:p>
-            <a:pPr marL="1371600" lvl="2" indent="-457200">
-              <a:buFont typeface="+mj-lt"/>
-              <a:buAutoNum type="alphaLcParenR"/>
-            </a:pPr>
-            <a:r>
-              <a:rPr lang="en-US" dirty="0" smtClean="0"/>
-              <a:t>Block code – corrects burst errors</a:t>
-            </a:r>
-          </a:p>
-          <a:p>
-            <a:pPr marL="1371600" lvl="2" indent="-457200">
-              <a:buFont typeface="+mj-lt"/>
-              <a:buAutoNum type="alphaLcParenR"/>
-            </a:pPr>
-            <a:r>
-              <a:rPr lang="en-US" dirty="0" smtClean="0"/>
-              <a:t>Block interleaving – improves block code</a:t>
-            </a:r>
-          </a:p>
-          <a:p>
-            <a:pPr marL="1371600" lvl="2" indent="-457200">
-              <a:buFont typeface="+mj-lt"/>
-              <a:buAutoNum type="alphaLcParenR"/>
-            </a:pPr>
             <a:r>
               <a:rPr lang="en-US" dirty="0" smtClean="0"/>
               <a:t>Convolutional code – corrects random errors</a:t>
@@ -3719,7 +7999,7 @@
             <a:pPr lvl="1"/>
             <a:r>
               <a:rPr lang="en-US" dirty="0" smtClean="0"/>
-              <a:t>Each have AWGN channel (plus burst noise)</a:t>
+              <a:t>Each have AWGN channel (random noise)</a:t>
             </a:r>
           </a:p>
           <a:p>
@@ -3809,7 +8089,7 @@
             <a:pPr lvl="2"/>
             <a:r>
               <a:rPr lang="en-US" dirty="0" smtClean="0"/>
-              <a:t>Channel coding: concatenated FEC</a:t>
+              <a:t>Channel coding: convolutional FEC</a:t>
             </a:r>
           </a:p>
           <a:p>
@@ -3950,7 +8230,12 @@
             <p:ph type="title"/>
           </p:nvPr>
         </p:nvSpPr>
-        <p:spPr/>
+        <p:spPr>
+          <a:xfrm>
+            <a:off x="936674" y="125974"/>
+            <a:ext cx="10515600" cy="1325563"/>
+          </a:xfrm>
+        </p:spPr>
         <p:txBody>
           <a:bodyPr/>
           <a:lstStyle/>
@@ -3964,44 +8249,31 @@
           </a:p>
         </p:txBody>
       </p:sp>
-      <p:sp>
-        <p:nvSpPr>
-          <p:cNvPr id="3" name="Content Placeholder 2"/>
-          <p:cNvSpPr>
-            <a:spLocks noGrp="1"/>
-          </p:cNvSpPr>
+      <p:graphicFrame>
+        <p:nvGraphicFramePr>
+          <p:cNvPr id="15" name="Content Placeholder 14"/>
+          <p:cNvGraphicFramePr>
+            <a:graphicFrameLocks noGrp="1"/>
+          </p:cNvGraphicFramePr>
           <p:nvPr>
             <p:ph sz="half" idx="1"/>
+            <p:extLst>
+              <p:ext uri="{D42A27DB-BD31-4B8C-83A1-F6EECF244321}">
+                <p14:modId xmlns:p14="http://schemas.microsoft.com/office/powerpoint/2010/main" val="3944057948"/>
+              </p:ext>
+            </p:extLst>
           </p:nvPr>
-        </p:nvSpPr>
-        <p:spPr/>
-        <p:txBody>
-          <a:bodyPr/>
-          <a:lstStyle/>
-          <a:p>
-            <a:endParaRPr lang="en-US" dirty="0"/>
-          </a:p>
-        </p:txBody>
-      </p:sp>
-      <p:sp>
-        <p:nvSpPr>
-          <p:cNvPr id="4" name="Content Placeholder 3"/>
-          <p:cNvSpPr>
-            <a:spLocks noGrp="1"/>
-          </p:cNvSpPr>
-          <p:nvPr>
-            <p:ph sz="half" idx="2"/>
-          </p:nvPr>
-        </p:nvSpPr>
-        <p:spPr/>
-        <p:txBody>
-          <a:bodyPr/>
-          <a:lstStyle/>
-          <a:p>
-            <a:endParaRPr lang="en-US"/>
-          </a:p>
-        </p:txBody>
-      </p:sp>
+        </p:nvGraphicFramePr>
+        <p:xfrm>
+          <a:off x="407964" y="1322362"/>
+          <a:ext cx="11338560" cy="5148775"/>
+        </p:xfrm>
+        <a:graphic>
+          <a:graphicData uri="http://schemas.openxmlformats.org/drawingml/2006/chart">
+            <c:chart xmlns:c="http://schemas.openxmlformats.org/drawingml/2006/chart" xmlns:r="http://schemas.openxmlformats.org/officeDocument/2006/relationships" r:id="rId3"/>
+          </a:graphicData>
+        </a:graphic>
+      </p:graphicFrame>
     </p:spTree>
     <p:extLst>
       <p:ext uri="{BB962C8B-B14F-4D97-AF65-F5344CB8AC3E}">
@@ -4012,6 +8284,3529 @@
   <p:clrMapOvr>
     <a:masterClrMapping/>
   </p:clrMapOvr>
+</p:sld>
+</file>
+
+<file path=ppt/slides/slide7.xml><?xml version="1.0" encoding="utf-8"?>
+<p:sld xmlns:a="http://schemas.openxmlformats.org/drawingml/2006/main" xmlns:r="http://schemas.openxmlformats.org/officeDocument/2006/relationships" xmlns:p="http://schemas.openxmlformats.org/presentationml/2006/main">
+  <p:cSld>
+    <p:spTree>
+      <p:nvGrpSpPr>
+        <p:cNvPr id="1" name=""/>
+        <p:cNvGrpSpPr/>
+        <p:nvPr/>
+      </p:nvGrpSpPr>
+      <p:grpSpPr>
+        <a:xfrm>
+          <a:off x="0" y="0"/>
+          <a:ext cx="0" cy="0"/>
+          <a:chOff x="0" y="0"/>
+          <a:chExt cx="0" cy="0"/>
+        </a:xfrm>
+      </p:grpSpPr>
+      <p:sp>
+        <p:nvSpPr>
+          <p:cNvPr id="2" name="Title 1"/>
+          <p:cNvSpPr>
+            <a:spLocks noGrp="1"/>
+          </p:cNvSpPr>
+          <p:nvPr>
+            <p:ph type="title"/>
+          </p:nvPr>
+        </p:nvSpPr>
+        <p:spPr/>
+        <p:txBody>
+          <a:bodyPr/>
+          <a:lstStyle/>
+          <a:p>
+            <a:pPr algn="ctr"/>
+            <a:r>
+              <a:rPr lang="en-US" dirty="0" smtClean="0"/>
+              <a:t>Current Progress</a:t>
+            </a:r>
+            <a:endParaRPr lang="en-US" dirty="0"/>
+          </a:p>
+        </p:txBody>
+      </p:sp>
+      <p:graphicFrame>
+        <p:nvGraphicFramePr>
+          <p:cNvPr id="6" name="Content Placeholder 5"/>
+          <p:cNvGraphicFramePr>
+            <a:graphicFrameLocks noGrp="1"/>
+          </p:cNvGraphicFramePr>
+          <p:nvPr>
+            <p:ph sz="half" idx="1"/>
+            <p:extLst>
+              <p:ext uri="{D42A27DB-BD31-4B8C-83A1-F6EECF244321}">
+                <p14:modId xmlns:p14="http://schemas.microsoft.com/office/powerpoint/2010/main" val="918362487"/>
+              </p:ext>
+            </p:extLst>
+          </p:nvPr>
+        </p:nvGraphicFramePr>
+        <p:xfrm>
+          <a:off x="838200" y="1825625"/>
+          <a:ext cx="10515600" cy="4604022"/>
+        </p:xfrm>
+        <a:graphic>
+          <a:graphicData uri="http://schemas.openxmlformats.org/drawingml/2006/table">
+            <a:tbl>
+              <a:tblPr firstRow="1" bandRow="1">
+                <a:tableStyleId>{073A0DAA-6AF3-43AB-8588-CEC1D06C72B9}</a:tableStyleId>
+              </a:tblPr>
+              <a:tblGrid>
+                <a:gridCol w="2103120"/>
+                <a:gridCol w="2103120"/>
+                <a:gridCol w="2103120"/>
+                <a:gridCol w="2103120"/>
+                <a:gridCol w="2103120"/>
+              </a:tblGrid>
+              <a:tr h="583095">
+                <a:tc>
+                  <a:txBody>
+                    <a:bodyPr/>
+                    <a:lstStyle/>
+                    <a:p>
+                      <a:pPr algn="ctr"/>
+                      <a:r>
+                        <a:rPr lang="en-US" dirty="0" smtClean="0"/>
+                        <a:t>Signal</a:t>
+                      </a:r>
+                      <a:r>
+                        <a:rPr lang="en-US" baseline="0" dirty="0" smtClean="0"/>
+                        <a:t>-to-noise ratio</a:t>
+                      </a:r>
+                    </a:p>
+                    <a:p>
+                      <a:pPr algn="ctr"/>
+                      <a:r>
+                        <a:rPr lang="en-US" baseline="0" dirty="0" smtClean="0"/>
+                        <a:t>(dB)</a:t>
+                      </a:r>
+                      <a:endParaRPr lang="en-US" dirty="0"/>
+                    </a:p>
+                  </a:txBody>
+                  <a:tcPr>
+                    <a:lnL w="12700" cap="flat" cmpd="sng" algn="ctr">
+                      <a:solidFill>
+                        <a:schemeClr val="tx1"/>
+                      </a:solidFill>
+                      <a:prstDash val="solid"/>
+                      <a:round/>
+                      <a:headEnd type="none" w="med" len="med"/>
+                      <a:tailEnd type="none" w="med" len="med"/>
+                    </a:lnL>
+                    <a:lnR w="12700" cap="flat" cmpd="sng" algn="ctr">
+                      <a:solidFill>
+                        <a:schemeClr val="tx1"/>
+                      </a:solidFill>
+                      <a:prstDash val="solid"/>
+                      <a:round/>
+                      <a:headEnd type="none" w="med" len="med"/>
+                      <a:tailEnd type="none" w="med" len="med"/>
+                    </a:lnR>
+                    <a:lnT w="12700" cap="flat" cmpd="sng" algn="ctr">
+                      <a:solidFill>
+                        <a:schemeClr val="tx1"/>
+                      </a:solidFill>
+                      <a:prstDash val="solid"/>
+                      <a:round/>
+                      <a:headEnd type="none" w="med" len="med"/>
+                      <a:tailEnd type="none" w="med" len="med"/>
+                    </a:lnT>
+                    <a:lnB w="12700" cap="flat" cmpd="sng" algn="ctr">
+                      <a:solidFill>
+                        <a:schemeClr val="tx1"/>
+                      </a:solidFill>
+                      <a:prstDash val="solid"/>
+                      <a:round/>
+                      <a:headEnd type="none" w="med" len="med"/>
+                      <a:tailEnd type="none" w="med" len="med"/>
+                    </a:lnB>
+                    <a:lnTlToBr w="12700" cmpd="sng">
+                      <a:noFill/>
+                      <a:prstDash val="solid"/>
+                    </a:lnTlToBr>
+                    <a:lnBlToTr w="12700" cmpd="sng">
+                      <a:noFill/>
+                      <a:prstDash val="solid"/>
+                    </a:lnBlToTr>
+                  </a:tcPr>
+                </a:tc>
+                <a:tc>
+                  <a:txBody>
+                    <a:bodyPr/>
+                    <a:lstStyle/>
+                    <a:p>
+                      <a:pPr algn="ctr"/>
+                      <a:r>
+                        <a:rPr lang="en-US" dirty="0" smtClean="0"/>
+                        <a:t>1200 b/sec BFSK</a:t>
+                      </a:r>
+                    </a:p>
+                    <a:p>
+                      <a:pPr algn="ctr"/>
+                      <a:r>
+                        <a:rPr lang="en-US" dirty="0" smtClean="0"/>
+                        <a:t>THEORETICAL</a:t>
+                      </a:r>
+                      <a:endParaRPr lang="en-US" dirty="0"/>
+                    </a:p>
+                  </a:txBody>
+                  <a:tcPr>
+                    <a:lnL w="12700" cap="flat" cmpd="sng" algn="ctr">
+                      <a:solidFill>
+                        <a:schemeClr val="tx1"/>
+                      </a:solidFill>
+                      <a:prstDash val="solid"/>
+                      <a:round/>
+                      <a:headEnd type="none" w="med" len="med"/>
+                      <a:tailEnd type="none" w="med" len="med"/>
+                    </a:lnL>
+                    <a:lnR w="12700" cap="flat" cmpd="sng" algn="ctr">
+                      <a:solidFill>
+                        <a:schemeClr val="tx1"/>
+                      </a:solidFill>
+                      <a:prstDash val="solid"/>
+                      <a:round/>
+                      <a:headEnd type="none" w="med" len="med"/>
+                      <a:tailEnd type="none" w="med" len="med"/>
+                    </a:lnR>
+                    <a:lnT w="12700" cap="flat" cmpd="sng" algn="ctr">
+                      <a:solidFill>
+                        <a:schemeClr val="tx1"/>
+                      </a:solidFill>
+                      <a:prstDash val="solid"/>
+                      <a:round/>
+                      <a:headEnd type="none" w="med" len="med"/>
+                      <a:tailEnd type="none" w="med" len="med"/>
+                    </a:lnT>
+                    <a:lnB w="12700" cap="flat" cmpd="sng" algn="ctr">
+                      <a:solidFill>
+                        <a:schemeClr val="tx1"/>
+                      </a:solidFill>
+                      <a:prstDash val="solid"/>
+                      <a:round/>
+                      <a:headEnd type="none" w="med" len="med"/>
+                      <a:tailEnd type="none" w="med" len="med"/>
+                    </a:lnB>
+                    <a:lnTlToBr w="12700" cmpd="sng">
+                      <a:noFill/>
+                      <a:prstDash val="solid"/>
+                    </a:lnTlToBr>
+                    <a:lnBlToTr w="12700" cmpd="sng">
+                      <a:noFill/>
+                      <a:prstDash val="solid"/>
+                    </a:lnBlToTr>
+                  </a:tcPr>
+                </a:tc>
+                <a:tc>
+                  <a:txBody>
+                    <a:bodyPr/>
+                    <a:lstStyle/>
+                    <a:p>
+                      <a:pPr algn="ctr"/>
+                      <a:r>
+                        <a:rPr lang="en-US" dirty="0" smtClean="0"/>
+                        <a:t>1200 b/sec BPSK</a:t>
+                      </a:r>
+                      <a:endParaRPr lang="en-US" dirty="0"/>
+                    </a:p>
+                  </a:txBody>
+                  <a:tcPr>
+                    <a:lnL w="12700" cap="flat" cmpd="sng" algn="ctr">
+                      <a:solidFill>
+                        <a:schemeClr val="tx1"/>
+                      </a:solidFill>
+                      <a:prstDash val="solid"/>
+                      <a:round/>
+                      <a:headEnd type="none" w="med" len="med"/>
+                      <a:tailEnd type="none" w="med" len="med"/>
+                    </a:lnL>
+                    <a:lnR w="12700" cap="flat" cmpd="sng" algn="ctr">
+                      <a:solidFill>
+                        <a:schemeClr val="tx1"/>
+                      </a:solidFill>
+                      <a:prstDash val="solid"/>
+                      <a:round/>
+                      <a:headEnd type="none" w="med" len="med"/>
+                      <a:tailEnd type="none" w="med" len="med"/>
+                    </a:lnR>
+                    <a:lnT w="12700" cap="flat" cmpd="sng" algn="ctr">
+                      <a:solidFill>
+                        <a:schemeClr val="tx1"/>
+                      </a:solidFill>
+                      <a:prstDash val="solid"/>
+                      <a:round/>
+                      <a:headEnd type="none" w="med" len="med"/>
+                      <a:tailEnd type="none" w="med" len="med"/>
+                    </a:lnT>
+                    <a:lnB w="12700" cap="flat" cmpd="sng" algn="ctr">
+                      <a:solidFill>
+                        <a:schemeClr val="tx1"/>
+                      </a:solidFill>
+                      <a:prstDash val="solid"/>
+                      <a:round/>
+                      <a:headEnd type="none" w="med" len="med"/>
+                      <a:tailEnd type="none" w="med" len="med"/>
+                    </a:lnB>
+                    <a:lnTlToBr w="12700" cmpd="sng">
+                      <a:noFill/>
+                      <a:prstDash val="solid"/>
+                    </a:lnTlToBr>
+                    <a:lnBlToTr w="12700" cmpd="sng">
+                      <a:noFill/>
+                      <a:prstDash val="solid"/>
+                    </a:lnBlToTr>
+                  </a:tcPr>
+                </a:tc>
+                <a:tc>
+                  <a:txBody>
+                    <a:bodyPr/>
+                    <a:lstStyle/>
+                    <a:p>
+                      <a:pPr algn="ctr"/>
+                      <a:r>
+                        <a:rPr lang="en-US" dirty="0" smtClean="0"/>
+                        <a:t>1200 b/sec BPSK </a:t>
+                      </a:r>
+                    </a:p>
+                    <a:p>
+                      <a:pPr algn="ctr"/>
+                      <a:r>
+                        <a:rPr lang="en-US" dirty="0" smtClean="0"/>
+                        <a:t>FEC (hard-decision)</a:t>
+                      </a:r>
+                      <a:endParaRPr lang="en-US" dirty="0"/>
+                    </a:p>
+                  </a:txBody>
+                  <a:tcPr>
+                    <a:lnL w="12700" cap="flat" cmpd="sng" algn="ctr">
+                      <a:solidFill>
+                        <a:schemeClr val="tx1"/>
+                      </a:solidFill>
+                      <a:prstDash val="solid"/>
+                      <a:round/>
+                      <a:headEnd type="none" w="med" len="med"/>
+                      <a:tailEnd type="none" w="med" len="med"/>
+                    </a:lnL>
+                    <a:lnR w="12700" cap="flat" cmpd="sng" algn="ctr">
+                      <a:solidFill>
+                        <a:schemeClr val="tx1"/>
+                      </a:solidFill>
+                      <a:prstDash val="solid"/>
+                      <a:round/>
+                      <a:headEnd type="none" w="med" len="med"/>
+                      <a:tailEnd type="none" w="med" len="med"/>
+                    </a:lnR>
+                    <a:lnT w="12700" cap="flat" cmpd="sng" algn="ctr">
+                      <a:solidFill>
+                        <a:schemeClr val="tx1"/>
+                      </a:solidFill>
+                      <a:prstDash val="solid"/>
+                      <a:round/>
+                      <a:headEnd type="none" w="med" len="med"/>
+                      <a:tailEnd type="none" w="med" len="med"/>
+                    </a:lnT>
+                    <a:lnB w="12700" cap="flat" cmpd="sng" algn="ctr">
+                      <a:solidFill>
+                        <a:schemeClr val="tx1"/>
+                      </a:solidFill>
+                      <a:prstDash val="solid"/>
+                      <a:round/>
+                      <a:headEnd type="none" w="med" len="med"/>
+                      <a:tailEnd type="none" w="med" len="med"/>
+                    </a:lnB>
+                    <a:lnTlToBr w="12700" cmpd="sng">
+                      <a:noFill/>
+                      <a:prstDash val="solid"/>
+                    </a:lnTlToBr>
+                    <a:lnBlToTr w="12700" cmpd="sng">
+                      <a:noFill/>
+                      <a:prstDash val="solid"/>
+                    </a:lnBlToTr>
+                  </a:tcPr>
+                </a:tc>
+                <a:tc>
+                  <a:txBody>
+                    <a:bodyPr/>
+                    <a:lstStyle/>
+                    <a:p>
+                      <a:pPr algn="ctr"/>
+                      <a:r>
+                        <a:rPr lang="en-US" dirty="0" smtClean="0"/>
+                        <a:t>1200 b/sec BPSK</a:t>
+                      </a:r>
+                    </a:p>
+                    <a:p>
+                      <a:pPr algn="ctr"/>
+                      <a:r>
+                        <a:rPr lang="en-US" dirty="0" smtClean="0"/>
+                        <a:t>FEC (soft-decision)</a:t>
+                      </a:r>
+                      <a:endParaRPr lang="en-US" dirty="0"/>
+                    </a:p>
+                  </a:txBody>
+                  <a:tcPr>
+                    <a:lnL w="12700" cap="flat" cmpd="sng" algn="ctr">
+                      <a:solidFill>
+                        <a:schemeClr val="tx1"/>
+                      </a:solidFill>
+                      <a:prstDash val="solid"/>
+                      <a:round/>
+                      <a:headEnd type="none" w="med" len="med"/>
+                      <a:tailEnd type="none" w="med" len="med"/>
+                    </a:lnL>
+                    <a:lnR w="12700" cap="flat" cmpd="sng" algn="ctr">
+                      <a:solidFill>
+                        <a:schemeClr val="tx1"/>
+                      </a:solidFill>
+                      <a:prstDash val="solid"/>
+                      <a:round/>
+                      <a:headEnd type="none" w="med" len="med"/>
+                      <a:tailEnd type="none" w="med" len="med"/>
+                    </a:lnR>
+                    <a:lnT w="12700" cap="flat" cmpd="sng" algn="ctr">
+                      <a:solidFill>
+                        <a:schemeClr val="tx1"/>
+                      </a:solidFill>
+                      <a:prstDash val="solid"/>
+                      <a:round/>
+                      <a:headEnd type="none" w="med" len="med"/>
+                      <a:tailEnd type="none" w="med" len="med"/>
+                    </a:lnT>
+                    <a:lnB w="12700" cap="flat" cmpd="sng" algn="ctr">
+                      <a:solidFill>
+                        <a:schemeClr val="tx1"/>
+                      </a:solidFill>
+                      <a:prstDash val="solid"/>
+                      <a:round/>
+                      <a:headEnd type="none" w="med" len="med"/>
+                      <a:tailEnd type="none" w="med" len="med"/>
+                    </a:lnB>
+                    <a:lnTlToBr w="12700" cmpd="sng">
+                      <a:noFill/>
+                      <a:prstDash val="solid"/>
+                    </a:lnTlToBr>
+                    <a:lnBlToTr w="12700" cmpd="sng">
+                      <a:noFill/>
+                      <a:prstDash val="solid"/>
+                    </a:lnBlToTr>
+                  </a:tcPr>
+                </a:tc>
+              </a:tr>
+              <a:tr h="440438">
+                <a:tc>
+                  <a:txBody>
+                    <a:bodyPr/>
+                    <a:lstStyle/>
+                    <a:p>
+                      <a:pPr algn="ctr"/>
+                      <a:r>
+                        <a:rPr lang="en-US" dirty="0" smtClean="0">
+                          <a:solidFill>
+                            <a:schemeClr val="bg1"/>
+                          </a:solidFill>
+                        </a:rPr>
+                        <a:t>8</a:t>
+                      </a:r>
+                      <a:endParaRPr lang="en-US" dirty="0">
+                        <a:solidFill>
+                          <a:schemeClr val="bg1"/>
+                        </a:solidFill>
+                      </a:endParaRPr>
+                    </a:p>
+                  </a:txBody>
+                  <a:tcPr>
+                    <a:lnL w="12700" cap="flat" cmpd="sng" algn="ctr">
+                      <a:solidFill>
+                        <a:schemeClr val="tx1"/>
+                      </a:solidFill>
+                      <a:prstDash val="solid"/>
+                      <a:round/>
+                      <a:headEnd type="none" w="med" len="med"/>
+                      <a:tailEnd type="none" w="med" len="med"/>
+                    </a:lnL>
+                    <a:lnR w="12700" cap="flat" cmpd="sng" algn="ctr">
+                      <a:solidFill>
+                        <a:schemeClr val="tx1"/>
+                      </a:solidFill>
+                      <a:prstDash val="solid"/>
+                      <a:round/>
+                      <a:headEnd type="none" w="med" len="med"/>
+                      <a:tailEnd type="none" w="med" len="med"/>
+                    </a:lnR>
+                    <a:lnT w="12700" cap="flat" cmpd="sng" algn="ctr">
+                      <a:solidFill>
+                        <a:schemeClr val="tx1"/>
+                      </a:solidFill>
+                      <a:prstDash val="solid"/>
+                      <a:round/>
+                      <a:headEnd type="none" w="med" len="med"/>
+                      <a:tailEnd type="none" w="med" len="med"/>
+                    </a:lnT>
+                    <a:lnB w="12700" cap="flat" cmpd="sng" algn="ctr">
+                      <a:solidFill>
+                        <a:schemeClr val="tx1"/>
+                      </a:solidFill>
+                      <a:prstDash val="solid"/>
+                      <a:round/>
+                      <a:headEnd type="none" w="med" len="med"/>
+                      <a:tailEnd type="none" w="med" len="med"/>
+                    </a:lnB>
+                    <a:lnTlToBr w="12700" cmpd="sng">
+                      <a:noFill/>
+                      <a:prstDash val="solid"/>
+                    </a:lnTlToBr>
+                    <a:lnBlToTr w="12700" cmpd="sng">
+                      <a:noFill/>
+                      <a:prstDash val="solid"/>
+                    </a:lnBlToTr>
+                    <a:solidFill>
+                      <a:schemeClr val="tx1">
+                        <a:lumMod val="65000"/>
+                        <a:lumOff val="35000"/>
+                      </a:schemeClr>
+                    </a:solidFill>
+                  </a:tcPr>
+                </a:tc>
+                <a:tc>
+                  <a:txBody>
+                    <a:bodyPr/>
+                    <a:lstStyle/>
+                    <a:p>
+                      <a:pPr algn="ctr"/>
+                      <a:r>
+                        <a:rPr lang="en-US" dirty="0" smtClean="0"/>
+                        <a:t>3.50e-2</a:t>
+                      </a:r>
+                      <a:endParaRPr lang="en-US" dirty="0"/>
+                    </a:p>
+                  </a:txBody>
+                  <a:tcPr>
+                    <a:lnL w="12700" cap="flat" cmpd="sng" algn="ctr">
+                      <a:solidFill>
+                        <a:schemeClr val="tx1"/>
+                      </a:solidFill>
+                      <a:prstDash val="solid"/>
+                      <a:round/>
+                      <a:headEnd type="none" w="med" len="med"/>
+                      <a:tailEnd type="none" w="med" len="med"/>
+                    </a:lnL>
+                    <a:lnR w="12700" cap="flat" cmpd="sng" algn="ctr">
+                      <a:solidFill>
+                        <a:schemeClr val="tx1"/>
+                      </a:solidFill>
+                      <a:prstDash val="solid"/>
+                      <a:round/>
+                      <a:headEnd type="none" w="med" len="med"/>
+                      <a:tailEnd type="none" w="med" len="med"/>
+                    </a:lnR>
+                    <a:lnT w="12700" cap="flat" cmpd="sng" algn="ctr">
+                      <a:solidFill>
+                        <a:schemeClr val="tx1"/>
+                      </a:solidFill>
+                      <a:prstDash val="solid"/>
+                      <a:round/>
+                      <a:headEnd type="none" w="med" len="med"/>
+                      <a:tailEnd type="none" w="med" len="med"/>
+                    </a:lnT>
+                    <a:lnB w="12700" cap="flat" cmpd="sng" algn="ctr">
+                      <a:solidFill>
+                        <a:schemeClr val="tx1"/>
+                      </a:solidFill>
+                      <a:prstDash val="solid"/>
+                      <a:round/>
+                      <a:headEnd type="none" w="med" len="med"/>
+                      <a:tailEnd type="none" w="med" len="med"/>
+                    </a:lnB>
+                    <a:lnTlToBr w="12700" cmpd="sng">
+                      <a:noFill/>
+                      <a:prstDash val="solid"/>
+                    </a:lnTlToBr>
+                    <a:lnBlToTr w="12700" cmpd="sng">
+                      <a:noFill/>
+                      <a:prstDash val="solid"/>
+                    </a:lnBlToTr>
+                    <a:solidFill>
+                      <a:srgbClr val="FF0000"/>
+                    </a:solidFill>
+                  </a:tcPr>
+                </a:tc>
+                <a:tc>
+                  <a:txBody>
+                    <a:bodyPr/>
+                    <a:lstStyle/>
+                    <a:p>
+                      <a:pPr algn="ctr"/>
+                      <a:r>
+                        <a:rPr lang="en-US" dirty="0" smtClean="0"/>
+                        <a:t>0</a:t>
+                      </a:r>
+                      <a:endParaRPr lang="en-US" dirty="0"/>
+                    </a:p>
+                  </a:txBody>
+                  <a:tcPr>
+                    <a:lnL w="12700" cap="flat" cmpd="sng" algn="ctr">
+                      <a:solidFill>
+                        <a:schemeClr val="tx1"/>
+                      </a:solidFill>
+                      <a:prstDash val="solid"/>
+                      <a:round/>
+                      <a:headEnd type="none" w="med" len="med"/>
+                      <a:tailEnd type="none" w="med" len="med"/>
+                    </a:lnL>
+                    <a:lnR w="12700" cap="flat" cmpd="sng" algn="ctr">
+                      <a:solidFill>
+                        <a:schemeClr val="tx1"/>
+                      </a:solidFill>
+                      <a:prstDash val="solid"/>
+                      <a:round/>
+                      <a:headEnd type="none" w="med" len="med"/>
+                      <a:tailEnd type="none" w="med" len="med"/>
+                    </a:lnR>
+                    <a:lnT w="12700" cap="flat" cmpd="sng" algn="ctr">
+                      <a:solidFill>
+                        <a:schemeClr val="tx1"/>
+                      </a:solidFill>
+                      <a:prstDash val="solid"/>
+                      <a:round/>
+                      <a:headEnd type="none" w="med" len="med"/>
+                      <a:tailEnd type="none" w="med" len="med"/>
+                    </a:lnT>
+                    <a:lnB w="12700" cap="flat" cmpd="sng" algn="ctr">
+                      <a:solidFill>
+                        <a:schemeClr val="tx1"/>
+                      </a:solidFill>
+                      <a:prstDash val="solid"/>
+                      <a:round/>
+                      <a:headEnd type="none" w="med" len="med"/>
+                      <a:tailEnd type="none" w="med" len="med"/>
+                    </a:lnB>
+                    <a:lnTlToBr w="12700" cmpd="sng">
+                      <a:noFill/>
+                      <a:prstDash val="solid"/>
+                    </a:lnTlToBr>
+                    <a:lnBlToTr w="12700" cmpd="sng">
+                      <a:noFill/>
+                      <a:prstDash val="solid"/>
+                    </a:lnBlToTr>
+                    <a:solidFill>
+                      <a:srgbClr val="92D050"/>
+                    </a:solidFill>
+                  </a:tcPr>
+                </a:tc>
+                <a:tc>
+                  <a:txBody>
+                    <a:bodyPr/>
+                    <a:lstStyle/>
+                    <a:p>
+                      <a:pPr algn="ctr"/>
+                      <a:r>
+                        <a:rPr lang="en-US" dirty="0" smtClean="0"/>
+                        <a:t>0</a:t>
+                      </a:r>
+                      <a:endParaRPr lang="en-US" dirty="0"/>
+                    </a:p>
+                  </a:txBody>
+                  <a:tcPr>
+                    <a:lnL w="12700" cap="flat" cmpd="sng" algn="ctr">
+                      <a:solidFill>
+                        <a:schemeClr val="tx1"/>
+                      </a:solidFill>
+                      <a:prstDash val="solid"/>
+                      <a:round/>
+                      <a:headEnd type="none" w="med" len="med"/>
+                      <a:tailEnd type="none" w="med" len="med"/>
+                    </a:lnL>
+                    <a:lnR w="12700" cap="flat" cmpd="sng" algn="ctr">
+                      <a:solidFill>
+                        <a:schemeClr val="tx1"/>
+                      </a:solidFill>
+                      <a:prstDash val="solid"/>
+                      <a:round/>
+                      <a:headEnd type="none" w="med" len="med"/>
+                      <a:tailEnd type="none" w="med" len="med"/>
+                    </a:lnR>
+                    <a:lnT w="12700" cap="flat" cmpd="sng" algn="ctr">
+                      <a:solidFill>
+                        <a:schemeClr val="tx1"/>
+                      </a:solidFill>
+                      <a:prstDash val="solid"/>
+                      <a:round/>
+                      <a:headEnd type="none" w="med" len="med"/>
+                      <a:tailEnd type="none" w="med" len="med"/>
+                    </a:lnT>
+                    <a:lnB w="12700" cap="flat" cmpd="sng" algn="ctr">
+                      <a:solidFill>
+                        <a:schemeClr val="tx1"/>
+                      </a:solidFill>
+                      <a:prstDash val="solid"/>
+                      <a:round/>
+                      <a:headEnd type="none" w="med" len="med"/>
+                      <a:tailEnd type="none" w="med" len="med"/>
+                    </a:lnB>
+                    <a:lnTlToBr w="12700" cmpd="sng">
+                      <a:noFill/>
+                      <a:prstDash val="solid"/>
+                    </a:lnTlToBr>
+                    <a:lnBlToTr w="12700" cmpd="sng">
+                      <a:noFill/>
+                      <a:prstDash val="solid"/>
+                    </a:lnBlToTr>
+                    <a:solidFill>
+                      <a:srgbClr val="92D050"/>
+                    </a:solidFill>
+                  </a:tcPr>
+                </a:tc>
+                <a:tc>
+                  <a:txBody>
+                    <a:bodyPr/>
+                    <a:lstStyle/>
+                    <a:p>
+                      <a:pPr algn="ctr"/>
+                      <a:r>
+                        <a:rPr lang="en-US" dirty="0" smtClean="0"/>
+                        <a:t>0</a:t>
+                      </a:r>
+                      <a:endParaRPr lang="en-US" dirty="0"/>
+                    </a:p>
+                  </a:txBody>
+                  <a:tcPr>
+                    <a:lnL w="12700" cap="flat" cmpd="sng" algn="ctr">
+                      <a:solidFill>
+                        <a:schemeClr val="tx1"/>
+                      </a:solidFill>
+                      <a:prstDash val="solid"/>
+                      <a:round/>
+                      <a:headEnd type="none" w="med" len="med"/>
+                      <a:tailEnd type="none" w="med" len="med"/>
+                    </a:lnL>
+                    <a:lnR w="12700" cap="flat" cmpd="sng" algn="ctr">
+                      <a:solidFill>
+                        <a:schemeClr val="tx1"/>
+                      </a:solidFill>
+                      <a:prstDash val="solid"/>
+                      <a:round/>
+                      <a:headEnd type="none" w="med" len="med"/>
+                      <a:tailEnd type="none" w="med" len="med"/>
+                    </a:lnR>
+                    <a:lnT w="12700" cap="flat" cmpd="sng" algn="ctr">
+                      <a:solidFill>
+                        <a:schemeClr val="tx1"/>
+                      </a:solidFill>
+                      <a:prstDash val="solid"/>
+                      <a:round/>
+                      <a:headEnd type="none" w="med" len="med"/>
+                      <a:tailEnd type="none" w="med" len="med"/>
+                    </a:lnT>
+                    <a:lnB w="12700" cap="flat" cmpd="sng" algn="ctr">
+                      <a:solidFill>
+                        <a:schemeClr val="tx1"/>
+                      </a:solidFill>
+                      <a:prstDash val="solid"/>
+                      <a:round/>
+                      <a:headEnd type="none" w="med" len="med"/>
+                      <a:tailEnd type="none" w="med" len="med"/>
+                    </a:lnB>
+                    <a:lnTlToBr w="12700" cmpd="sng">
+                      <a:noFill/>
+                      <a:prstDash val="solid"/>
+                    </a:lnTlToBr>
+                    <a:lnBlToTr w="12700" cmpd="sng">
+                      <a:noFill/>
+                      <a:prstDash val="solid"/>
+                    </a:lnBlToTr>
+                    <a:solidFill>
+                      <a:srgbClr val="92D050"/>
+                    </a:solidFill>
+                  </a:tcPr>
+                </a:tc>
+              </a:tr>
+              <a:tr h="440438">
+                <a:tc>
+                  <a:txBody>
+                    <a:bodyPr/>
+                    <a:lstStyle/>
+                    <a:p>
+                      <a:pPr algn="ctr"/>
+                      <a:r>
+                        <a:rPr lang="en-US" dirty="0" smtClean="0">
+                          <a:solidFill>
+                            <a:schemeClr val="bg1"/>
+                          </a:solidFill>
+                        </a:rPr>
+                        <a:t>7</a:t>
+                      </a:r>
+                      <a:endParaRPr lang="en-US" dirty="0">
+                        <a:solidFill>
+                          <a:schemeClr val="bg1"/>
+                        </a:solidFill>
+                      </a:endParaRPr>
+                    </a:p>
+                  </a:txBody>
+                  <a:tcPr>
+                    <a:lnL w="12700" cap="flat" cmpd="sng" algn="ctr">
+                      <a:solidFill>
+                        <a:schemeClr val="tx1"/>
+                      </a:solidFill>
+                      <a:prstDash val="solid"/>
+                      <a:round/>
+                      <a:headEnd type="none" w="med" len="med"/>
+                      <a:tailEnd type="none" w="med" len="med"/>
+                    </a:lnL>
+                    <a:lnR w="12700" cap="flat" cmpd="sng" algn="ctr">
+                      <a:solidFill>
+                        <a:schemeClr val="tx1"/>
+                      </a:solidFill>
+                      <a:prstDash val="solid"/>
+                      <a:round/>
+                      <a:headEnd type="none" w="med" len="med"/>
+                      <a:tailEnd type="none" w="med" len="med"/>
+                    </a:lnR>
+                    <a:lnT w="12700" cap="flat" cmpd="sng" algn="ctr">
+                      <a:solidFill>
+                        <a:schemeClr val="tx1"/>
+                      </a:solidFill>
+                      <a:prstDash val="solid"/>
+                      <a:round/>
+                      <a:headEnd type="none" w="med" len="med"/>
+                      <a:tailEnd type="none" w="med" len="med"/>
+                    </a:lnT>
+                    <a:lnB w="12700" cap="flat" cmpd="sng" algn="ctr">
+                      <a:solidFill>
+                        <a:schemeClr val="tx1"/>
+                      </a:solidFill>
+                      <a:prstDash val="solid"/>
+                      <a:round/>
+                      <a:headEnd type="none" w="med" len="med"/>
+                      <a:tailEnd type="none" w="med" len="med"/>
+                    </a:lnB>
+                    <a:lnTlToBr w="12700" cmpd="sng">
+                      <a:noFill/>
+                      <a:prstDash val="solid"/>
+                    </a:lnTlToBr>
+                    <a:lnBlToTr w="12700" cmpd="sng">
+                      <a:noFill/>
+                      <a:prstDash val="solid"/>
+                    </a:lnBlToTr>
+                    <a:solidFill>
+                      <a:schemeClr val="tx1">
+                        <a:lumMod val="65000"/>
+                        <a:lumOff val="35000"/>
+                      </a:schemeClr>
+                    </a:solidFill>
+                  </a:tcPr>
+                </a:tc>
+                <a:tc>
+                  <a:txBody>
+                    <a:bodyPr/>
+                    <a:lstStyle/>
+                    <a:p>
+                      <a:pPr algn="ctr"/>
+                      <a:endParaRPr lang="en-US" dirty="0"/>
+                    </a:p>
+                  </a:txBody>
+                  <a:tcPr>
+                    <a:lnL w="12700" cap="flat" cmpd="sng" algn="ctr">
+                      <a:solidFill>
+                        <a:schemeClr val="tx1"/>
+                      </a:solidFill>
+                      <a:prstDash val="solid"/>
+                      <a:round/>
+                      <a:headEnd type="none" w="med" len="med"/>
+                      <a:tailEnd type="none" w="med" len="med"/>
+                    </a:lnL>
+                    <a:lnR w="12700" cap="flat" cmpd="sng" algn="ctr">
+                      <a:solidFill>
+                        <a:schemeClr val="tx1"/>
+                      </a:solidFill>
+                      <a:prstDash val="solid"/>
+                      <a:round/>
+                      <a:headEnd type="none" w="med" len="med"/>
+                      <a:tailEnd type="none" w="med" len="med"/>
+                    </a:lnR>
+                    <a:lnT w="12700" cap="flat" cmpd="sng" algn="ctr">
+                      <a:solidFill>
+                        <a:schemeClr val="tx1"/>
+                      </a:solidFill>
+                      <a:prstDash val="solid"/>
+                      <a:round/>
+                      <a:headEnd type="none" w="med" len="med"/>
+                      <a:tailEnd type="none" w="med" len="med"/>
+                    </a:lnT>
+                    <a:lnB w="12700" cap="flat" cmpd="sng" algn="ctr">
+                      <a:solidFill>
+                        <a:schemeClr val="tx1"/>
+                      </a:solidFill>
+                      <a:prstDash val="solid"/>
+                      <a:round/>
+                      <a:headEnd type="none" w="med" len="med"/>
+                      <a:tailEnd type="none" w="med" len="med"/>
+                    </a:lnB>
+                    <a:lnTlToBr w="12700" cmpd="sng">
+                      <a:noFill/>
+                      <a:prstDash val="solid"/>
+                    </a:lnTlToBr>
+                    <a:lnBlToTr w="12700" cmpd="sng">
+                      <a:noFill/>
+                      <a:prstDash val="solid"/>
+                    </a:lnBlToTr>
+                  </a:tcPr>
+                </a:tc>
+                <a:tc>
+                  <a:txBody>
+                    <a:bodyPr/>
+                    <a:lstStyle/>
+                    <a:p>
+                      <a:pPr algn="ctr"/>
+                      <a:r>
+                        <a:rPr lang="en-US" dirty="0" smtClean="0"/>
+                        <a:t>7.999e-4</a:t>
+                      </a:r>
+                      <a:endParaRPr lang="en-US" dirty="0"/>
+                    </a:p>
+                  </a:txBody>
+                  <a:tcPr>
+                    <a:lnL w="12700" cap="flat" cmpd="sng" algn="ctr">
+                      <a:solidFill>
+                        <a:schemeClr val="tx1"/>
+                      </a:solidFill>
+                      <a:prstDash val="solid"/>
+                      <a:round/>
+                      <a:headEnd type="none" w="med" len="med"/>
+                      <a:tailEnd type="none" w="med" len="med"/>
+                    </a:lnL>
+                    <a:lnR w="12700" cap="flat" cmpd="sng" algn="ctr">
+                      <a:solidFill>
+                        <a:schemeClr val="tx1"/>
+                      </a:solidFill>
+                      <a:prstDash val="solid"/>
+                      <a:round/>
+                      <a:headEnd type="none" w="med" len="med"/>
+                      <a:tailEnd type="none" w="med" len="med"/>
+                    </a:lnR>
+                    <a:lnT w="12700" cap="flat" cmpd="sng" algn="ctr">
+                      <a:solidFill>
+                        <a:schemeClr val="tx1"/>
+                      </a:solidFill>
+                      <a:prstDash val="solid"/>
+                      <a:round/>
+                      <a:headEnd type="none" w="med" len="med"/>
+                      <a:tailEnd type="none" w="med" len="med"/>
+                    </a:lnT>
+                    <a:lnB w="12700" cap="flat" cmpd="sng" algn="ctr">
+                      <a:solidFill>
+                        <a:schemeClr val="tx1"/>
+                      </a:solidFill>
+                      <a:prstDash val="solid"/>
+                      <a:round/>
+                      <a:headEnd type="none" w="med" len="med"/>
+                      <a:tailEnd type="none" w="med" len="med"/>
+                    </a:lnB>
+                    <a:lnTlToBr w="12700" cmpd="sng">
+                      <a:noFill/>
+                      <a:prstDash val="solid"/>
+                    </a:lnTlToBr>
+                    <a:lnBlToTr w="12700" cmpd="sng">
+                      <a:noFill/>
+                      <a:prstDash val="solid"/>
+                    </a:lnBlToTr>
+                    <a:solidFill>
+                      <a:srgbClr val="FFFF00"/>
+                    </a:solidFill>
+                  </a:tcPr>
+                </a:tc>
+                <a:tc>
+                  <a:txBody>
+                    <a:bodyPr/>
+                    <a:lstStyle/>
+                    <a:p>
+                      <a:pPr algn="ctr"/>
+                      <a:r>
+                        <a:rPr lang="en-US" dirty="0" smtClean="0"/>
+                        <a:t>0</a:t>
+                      </a:r>
+                      <a:endParaRPr lang="en-US" dirty="0"/>
+                    </a:p>
+                  </a:txBody>
+                  <a:tcPr>
+                    <a:lnL w="12700" cap="flat" cmpd="sng" algn="ctr">
+                      <a:solidFill>
+                        <a:schemeClr val="tx1"/>
+                      </a:solidFill>
+                      <a:prstDash val="solid"/>
+                      <a:round/>
+                      <a:headEnd type="none" w="med" len="med"/>
+                      <a:tailEnd type="none" w="med" len="med"/>
+                    </a:lnL>
+                    <a:lnR w="12700" cap="flat" cmpd="sng" algn="ctr">
+                      <a:solidFill>
+                        <a:schemeClr val="tx1"/>
+                      </a:solidFill>
+                      <a:prstDash val="solid"/>
+                      <a:round/>
+                      <a:headEnd type="none" w="med" len="med"/>
+                      <a:tailEnd type="none" w="med" len="med"/>
+                    </a:lnR>
+                    <a:lnT w="12700" cap="flat" cmpd="sng" algn="ctr">
+                      <a:solidFill>
+                        <a:schemeClr val="tx1"/>
+                      </a:solidFill>
+                      <a:prstDash val="solid"/>
+                      <a:round/>
+                      <a:headEnd type="none" w="med" len="med"/>
+                      <a:tailEnd type="none" w="med" len="med"/>
+                    </a:lnT>
+                    <a:lnB w="12700" cap="flat" cmpd="sng" algn="ctr">
+                      <a:solidFill>
+                        <a:schemeClr val="tx1"/>
+                      </a:solidFill>
+                      <a:prstDash val="solid"/>
+                      <a:round/>
+                      <a:headEnd type="none" w="med" len="med"/>
+                      <a:tailEnd type="none" w="med" len="med"/>
+                    </a:lnB>
+                    <a:lnTlToBr w="12700" cmpd="sng">
+                      <a:noFill/>
+                      <a:prstDash val="solid"/>
+                    </a:lnTlToBr>
+                    <a:lnBlToTr w="12700" cmpd="sng">
+                      <a:noFill/>
+                      <a:prstDash val="solid"/>
+                    </a:lnBlToTr>
+                    <a:solidFill>
+                      <a:srgbClr val="92D050"/>
+                    </a:solidFill>
+                  </a:tcPr>
+                </a:tc>
+                <a:tc>
+                  <a:txBody>
+                    <a:bodyPr/>
+                    <a:lstStyle/>
+                    <a:p>
+                      <a:pPr algn="ctr"/>
+                      <a:r>
+                        <a:rPr lang="en-US" dirty="0" smtClean="0"/>
+                        <a:t>0</a:t>
+                      </a:r>
+                      <a:endParaRPr lang="en-US" dirty="0"/>
+                    </a:p>
+                  </a:txBody>
+                  <a:tcPr>
+                    <a:lnL w="12700" cap="flat" cmpd="sng" algn="ctr">
+                      <a:solidFill>
+                        <a:schemeClr val="tx1"/>
+                      </a:solidFill>
+                      <a:prstDash val="solid"/>
+                      <a:round/>
+                      <a:headEnd type="none" w="med" len="med"/>
+                      <a:tailEnd type="none" w="med" len="med"/>
+                    </a:lnL>
+                    <a:lnR w="12700" cap="flat" cmpd="sng" algn="ctr">
+                      <a:solidFill>
+                        <a:schemeClr val="tx1"/>
+                      </a:solidFill>
+                      <a:prstDash val="solid"/>
+                      <a:round/>
+                      <a:headEnd type="none" w="med" len="med"/>
+                      <a:tailEnd type="none" w="med" len="med"/>
+                    </a:lnR>
+                    <a:lnT w="12700" cap="flat" cmpd="sng" algn="ctr">
+                      <a:solidFill>
+                        <a:schemeClr val="tx1"/>
+                      </a:solidFill>
+                      <a:prstDash val="solid"/>
+                      <a:round/>
+                      <a:headEnd type="none" w="med" len="med"/>
+                      <a:tailEnd type="none" w="med" len="med"/>
+                    </a:lnT>
+                    <a:lnB w="12700" cap="flat" cmpd="sng" algn="ctr">
+                      <a:solidFill>
+                        <a:schemeClr val="tx1"/>
+                      </a:solidFill>
+                      <a:prstDash val="solid"/>
+                      <a:round/>
+                      <a:headEnd type="none" w="med" len="med"/>
+                      <a:tailEnd type="none" w="med" len="med"/>
+                    </a:lnB>
+                    <a:lnTlToBr w="12700" cmpd="sng">
+                      <a:noFill/>
+                      <a:prstDash val="solid"/>
+                    </a:lnTlToBr>
+                    <a:lnBlToTr w="12700" cmpd="sng">
+                      <a:noFill/>
+                      <a:prstDash val="solid"/>
+                    </a:lnBlToTr>
+                    <a:solidFill>
+                      <a:srgbClr val="92D050"/>
+                    </a:solidFill>
+                  </a:tcPr>
+                </a:tc>
+              </a:tr>
+              <a:tr h="440438">
+                <a:tc>
+                  <a:txBody>
+                    <a:bodyPr/>
+                    <a:lstStyle/>
+                    <a:p>
+                      <a:pPr algn="ctr"/>
+                      <a:r>
+                        <a:rPr lang="en-US" dirty="0" smtClean="0">
+                          <a:solidFill>
+                            <a:schemeClr val="bg1"/>
+                          </a:solidFill>
+                        </a:rPr>
+                        <a:t>6</a:t>
+                      </a:r>
+                      <a:endParaRPr lang="en-US" dirty="0">
+                        <a:solidFill>
+                          <a:schemeClr val="bg1"/>
+                        </a:solidFill>
+                      </a:endParaRPr>
+                    </a:p>
+                  </a:txBody>
+                  <a:tcPr>
+                    <a:lnL w="12700" cap="flat" cmpd="sng" algn="ctr">
+                      <a:solidFill>
+                        <a:schemeClr val="tx1"/>
+                      </a:solidFill>
+                      <a:prstDash val="solid"/>
+                      <a:round/>
+                      <a:headEnd type="none" w="med" len="med"/>
+                      <a:tailEnd type="none" w="med" len="med"/>
+                    </a:lnL>
+                    <a:lnR w="12700" cap="flat" cmpd="sng" algn="ctr">
+                      <a:solidFill>
+                        <a:schemeClr val="tx1"/>
+                      </a:solidFill>
+                      <a:prstDash val="solid"/>
+                      <a:round/>
+                      <a:headEnd type="none" w="med" len="med"/>
+                      <a:tailEnd type="none" w="med" len="med"/>
+                    </a:lnR>
+                    <a:lnT w="12700" cap="flat" cmpd="sng" algn="ctr">
+                      <a:solidFill>
+                        <a:schemeClr val="tx1"/>
+                      </a:solidFill>
+                      <a:prstDash val="solid"/>
+                      <a:round/>
+                      <a:headEnd type="none" w="med" len="med"/>
+                      <a:tailEnd type="none" w="med" len="med"/>
+                    </a:lnT>
+                    <a:lnB w="12700" cap="flat" cmpd="sng" algn="ctr">
+                      <a:solidFill>
+                        <a:schemeClr val="tx1"/>
+                      </a:solidFill>
+                      <a:prstDash val="solid"/>
+                      <a:round/>
+                      <a:headEnd type="none" w="med" len="med"/>
+                      <a:tailEnd type="none" w="med" len="med"/>
+                    </a:lnB>
+                    <a:lnTlToBr w="12700" cmpd="sng">
+                      <a:noFill/>
+                      <a:prstDash val="solid"/>
+                    </a:lnTlToBr>
+                    <a:lnBlToTr w="12700" cmpd="sng">
+                      <a:noFill/>
+                      <a:prstDash val="solid"/>
+                    </a:lnBlToTr>
+                    <a:solidFill>
+                      <a:schemeClr val="tx1">
+                        <a:lumMod val="65000"/>
+                        <a:lumOff val="35000"/>
+                      </a:schemeClr>
+                    </a:solidFill>
+                  </a:tcPr>
+                </a:tc>
+                <a:tc>
+                  <a:txBody>
+                    <a:bodyPr/>
+                    <a:lstStyle/>
+                    <a:p>
+                      <a:pPr algn="ctr"/>
+                      <a:r>
+                        <a:rPr lang="en-US" dirty="0" smtClean="0"/>
+                        <a:t>8.04e-2</a:t>
+                      </a:r>
+                      <a:endParaRPr lang="en-US" dirty="0"/>
+                    </a:p>
+                  </a:txBody>
+                  <a:tcPr>
+                    <a:lnL w="12700" cap="flat" cmpd="sng" algn="ctr">
+                      <a:solidFill>
+                        <a:schemeClr val="tx1"/>
+                      </a:solidFill>
+                      <a:prstDash val="solid"/>
+                      <a:round/>
+                      <a:headEnd type="none" w="med" len="med"/>
+                      <a:tailEnd type="none" w="med" len="med"/>
+                    </a:lnL>
+                    <a:lnR w="12700" cap="flat" cmpd="sng" algn="ctr">
+                      <a:solidFill>
+                        <a:schemeClr val="tx1"/>
+                      </a:solidFill>
+                      <a:prstDash val="solid"/>
+                      <a:round/>
+                      <a:headEnd type="none" w="med" len="med"/>
+                      <a:tailEnd type="none" w="med" len="med"/>
+                    </a:lnR>
+                    <a:lnT w="12700" cap="flat" cmpd="sng" algn="ctr">
+                      <a:solidFill>
+                        <a:schemeClr val="tx1"/>
+                      </a:solidFill>
+                      <a:prstDash val="solid"/>
+                      <a:round/>
+                      <a:headEnd type="none" w="med" len="med"/>
+                      <a:tailEnd type="none" w="med" len="med"/>
+                    </a:lnT>
+                    <a:lnB w="12700" cap="flat" cmpd="sng" algn="ctr">
+                      <a:solidFill>
+                        <a:schemeClr val="tx1"/>
+                      </a:solidFill>
+                      <a:prstDash val="solid"/>
+                      <a:round/>
+                      <a:headEnd type="none" w="med" len="med"/>
+                      <a:tailEnd type="none" w="med" len="med"/>
+                    </a:lnB>
+                    <a:lnTlToBr w="12700" cmpd="sng">
+                      <a:noFill/>
+                      <a:prstDash val="solid"/>
+                    </a:lnTlToBr>
+                    <a:lnBlToTr w="12700" cmpd="sng">
+                      <a:noFill/>
+                      <a:prstDash val="solid"/>
+                    </a:lnBlToTr>
+                  </a:tcPr>
+                </a:tc>
+                <a:tc>
+                  <a:txBody>
+                    <a:bodyPr/>
+                    <a:lstStyle/>
+                    <a:p>
+                      <a:pPr algn="ctr"/>
+                      <a:r>
+                        <a:rPr lang="en-US" dirty="0" smtClean="0"/>
+                        <a:t>1.9e-3</a:t>
+                      </a:r>
+                      <a:endParaRPr lang="en-US" dirty="0"/>
+                    </a:p>
+                  </a:txBody>
+                  <a:tcPr>
+                    <a:lnL w="12700" cap="flat" cmpd="sng" algn="ctr">
+                      <a:solidFill>
+                        <a:schemeClr val="tx1"/>
+                      </a:solidFill>
+                      <a:prstDash val="solid"/>
+                      <a:round/>
+                      <a:headEnd type="none" w="med" len="med"/>
+                      <a:tailEnd type="none" w="med" len="med"/>
+                    </a:lnL>
+                    <a:lnR w="12700" cap="flat" cmpd="sng" algn="ctr">
+                      <a:solidFill>
+                        <a:schemeClr val="tx1"/>
+                      </a:solidFill>
+                      <a:prstDash val="solid"/>
+                      <a:round/>
+                      <a:headEnd type="none" w="med" len="med"/>
+                      <a:tailEnd type="none" w="med" len="med"/>
+                    </a:lnR>
+                    <a:lnT w="12700" cap="flat" cmpd="sng" algn="ctr">
+                      <a:solidFill>
+                        <a:schemeClr val="tx1"/>
+                      </a:solidFill>
+                      <a:prstDash val="solid"/>
+                      <a:round/>
+                      <a:headEnd type="none" w="med" len="med"/>
+                      <a:tailEnd type="none" w="med" len="med"/>
+                    </a:lnT>
+                    <a:lnB w="12700" cap="flat" cmpd="sng" algn="ctr">
+                      <a:solidFill>
+                        <a:schemeClr val="tx1"/>
+                      </a:solidFill>
+                      <a:prstDash val="solid"/>
+                      <a:round/>
+                      <a:headEnd type="none" w="med" len="med"/>
+                      <a:tailEnd type="none" w="med" len="med"/>
+                    </a:lnB>
+                    <a:lnTlToBr w="12700" cmpd="sng">
+                      <a:noFill/>
+                      <a:prstDash val="solid"/>
+                    </a:lnTlToBr>
+                    <a:lnBlToTr w="12700" cmpd="sng">
+                      <a:noFill/>
+                      <a:prstDash val="solid"/>
+                    </a:lnBlToTr>
+                    <a:solidFill>
+                      <a:srgbClr val="FFFF00"/>
+                    </a:solidFill>
+                  </a:tcPr>
+                </a:tc>
+                <a:tc>
+                  <a:txBody>
+                    <a:bodyPr/>
+                    <a:lstStyle/>
+                    <a:p>
+                      <a:pPr algn="ctr"/>
+                      <a:r>
+                        <a:rPr lang="en-US" dirty="0" smtClean="0"/>
+                        <a:t>0</a:t>
+                      </a:r>
+                      <a:endParaRPr lang="en-US" dirty="0"/>
+                    </a:p>
+                  </a:txBody>
+                  <a:tcPr>
+                    <a:lnL w="12700" cap="flat" cmpd="sng" algn="ctr">
+                      <a:solidFill>
+                        <a:schemeClr val="tx1"/>
+                      </a:solidFill>
+                      <a:prstDash val="solid"/>
+                      <a:round/>
+                      <a:headEnd type="none" w="med" len="med"/>
+                      <a:tailEnd type="none" w="med" len="med"/>
+                    </a:lnL>
+                    <a:lnR w="12700" cap="flat" cmpd="sng" algn="ctr">
+                      <a:solidFill>
+                        <a:schemeClr val="tx1"/>
+                      </a:solidFill>
+                      <a:prstDash val="solid"/>
+                      <a:round/>
+                      <a:headEnd type="none" w="med" len="med"/>
+                      <a:tailEnd type="none" w="med" len="med"/>
+                    </a:lnR>
+                    <a:lnT w="12700" cap="flat" cmpd="sng" algn="ctr">
+                      <a:solidFill>
+                        <a:schemeClr val="tx1"/>
+                      </a:solidFill>
+                      <a:prstDash val="solid"/>
+                      <a:round/>
+                      <a:headEnd type="none" w="med" len="med"/>
+                      <a:tailEnd type="none" w="med" len="med"/>
+                    </a:lnT>
+                    <a:lnB w="12700" cap="flat" cmpd="sng" algn="ctr">
+                      <a:solidFill>
+                        <a:schemeClr val="tx1"/>
+                      </a:solidFill>
+                      <a:prstDash val="solid"/>
+                      <a:round/>
+                      <a:headEnd type="none" w="med" len="med"/>
+                      <a:tailEnd type="none" w="med" len="med"/>
+                    </a:lnB>
+                    <a:lnTlToBr w="12700" cmpd="sng">
+                      <a:noFill/>
+                      <a:prstDash val="solid"/>
+                    </a:lnTlToBr>
+                    <a:lnBlToTr w="12700" cmpd="sng">
+                      <a:noFill/>
+                      <a:prstDash val="solid"/>
+                    </a:lnBlToTr>
+                    <a:solidFill>
+                      <a:srgbClr val="92D050"/>
+                    </a:solidFill>
+                  </a:tcPr>
+                </a:tc>
+                <a:tc>
+                  <a:txBody>
+                    <a:bodyPr/>
+                    <a:lstStyle/>
+                    <a:p>
+                      <a:pPr algn="ctr"/>
+                      <a:r>
+                        <a:rPr lang="en-US" dirty="0" smtClean="0"/>
+                        <a:t>0</a:t>
+                      </a:r>
+                      <a:endParaRPr lang="en-US" dirty="0"/>
+                    </a:p>
+                  </a:txBody>
+                  <a:tcPr>
+                    <a:lnL w="12700" cap="flat" cmpd="sng" algn="ctr">
+                      <a:solidFill>
+                        <a:schemeClr val="tx1"/>
+                      </a:solidFill>
+                      <a:prstDash val="solid"/>
+                      <a:round/>
+                      <a:headEnd type="none" w="med" len="med"/>
+                      <a:tailEnd type="none" w="med" len="med"/>
+                    </a:lnL>
+                    <a:lnR w="12700" cap="flat" cmpd="sng" algn="ctr">
+                      <a:solidFill>
+                        <a:schemeClr val="tx1"/>
+                      </a:solidFill>
+                      <a:prstDash val="solid"/>
+                      <a:round/>
+                      <a:headEnd type="none" w="med" len="med"/>
+                      <a:tailEnd type="none" w="med" len="med"/>
+                    </a:lnR>
+                    <a:lnT w="12700" cap="flat" cmpd="sng" algn="ctr">
+                      <a:solidFill>
+                        <a:schemeClr val="tx1"/>
+                      </a:solidFill>
+                      <a:prstDash val="solid"/>
+                      <a:round/>
+                      <a:headEnd type="none" w="med" len="med"/>
+                      <a:tailEnd type="none" w="med" len="med"/>
+                    </a:lnT>
+                    <a:lnB w="12700" cap="flat" cmpd="sng" algn="ctr">
+                      <a:solidFill>
+                        <a:schemeClr val="tx1"/>
+                      </a:solidFill>
+                      <a:prstDash val="solid"/>
+                      <a:round/>
+                      <a:headEnd type="none" w="med" len="med"/>
+                      <a:tailEnd type="none" w="med" len="med"/>
+                    </a:lnB>
+                    <a:lnTlToBr w="12700" cmpd="sng">
+                      <a:noFill/>
+                      <a:prstDash val="solid"/>
+                    </a:lnTlToBr>
+                    <a:lnBlToTr w="12700" cmpd="sng">
+                      <a:noFill/>
+                      <a:prstDash val="solid"/>
+                    </a:lnBlToTr>
+                    <a:solidFill>
+                      <a:srgbClr val="92D050"/>
+                    </a:solidFill>
+                  </a:tcPr>
+                </a:tc>
+              </a:tr>
+              <a:tr h="440438">
+                <a:tc>
+                  <a:txBody>
+                    <a:bodyPr/>
+                    <a:lstStyle/>
+                    <a:p>
+                      <a:pPr algn="ctr"/>
+                      <a:r>
+                        <a:rPr lang="en-US" dirty="0" smtClean="0">
+                          <a:solidFill>
+                            <a:schemeClr val="bg1"/>
+                          </a:solidFill>
+                        </a:rPr>
+                        <a:t>5</a:t>
+                      </a:r>
+                      <a:endParaRPr lang="en-US" dirty="0">
+                        <a:solidFill>
+                          <a:schemeClr val="bg1"/>
+                        </a:solidFill>
+                      </a:endParaRPr>
+                    </a:p>
+                  </a:txBody>
+                  <a:tcPr>
+                    <a:lnL w="12700" cap="flat" cmpd="sng" algn="ctr">
+                      <a:solidFill>
+                        <a:schemeClr val="tx1"/>
+                      </a:solidFill>
+                      <a:prstDash val="solid"/>
+                      <a:round/>
+                      <a:headEnd type="none" w="med" len="med"/>
+                      <a:tailEnd type="none" w="med" len="med"/>
+                    </a:lnL>
+                    <a:lnR w="12700" cap="flat" cmpd="sng" algn="ctr">
+                      <a:solidFill>
+                        <a:schemeClr val="tx1"/>
+                      </a:solidFill>
+                      <a:prstDash val="solid"/>
+                      <a:round/>
+                      <a:headEnd type="none" w="med" len="med"/>
+                      <a:tailEnd type="none" w="med" len="med"/>
+                    </a:lnR>
+                    <a:lnT w="12700" cap="flat" cmpd="sng" algn="ctr">
+                      <a:solidFill>
+                        <a:schemeClr val="tx1"/>
+                      </a:solidFill>
+                      <a:prstDash val="solid"/>
+                      <a:round/>
+                      <a:headEnd type="none" w="med" len="med"/>
+                      <a:tailEnd type="none" w="med" len="med"/>
+                    </a:lnT>
+                    <a:lnB w="12700" cap="flat" cmpd="sng" algn="ctr">
+                      <a:solidFill>
+                        <a:schemeClr val="tx1"/>
+                      </a:solidFill>
+                      <a:prstDash val="solid"/>
+                      <a:round/>
+                      <a:headEnd type="none" w="med" len="med"/>
+                      <a:tailEnd type="none" w="med" len="med"/>
+                    </a:lnB>
+                    <a:lnTlToBr w="12700" cmpd="sng">
+                      <a:noFill/>
+                      <a:prstDash val="solid"/>
+                    </a:lnTlToBr>
+                    <a:lnBlToTr w="12700" cmpd="sng">
+                      <a:noFill/>
+                      <a:prstDash val="solid"/>
+                    </a:lnBlToTr>
+                    <a:solidFill>
+                      <a:schemeClr val="tx1">
+                        <a:lumMod val="65000"/>
+                        <a:lumOff val="35000"/>
+                      </a:schemeClr>
+                    </a:solidFill>
+                  </a:tcPr>
+                </a:tc>
+                <a:tc>
+                  <a:txBody>
+                    <a:bodyPr/>
+                    <a:lstStyle/>
+                    <a:p>
+                      <a:pPr algn="ctr"/>
+                      <a:endParaRPr lang="en-US" dirty="0"/>
+                    </a:p>
+                  </a:txBody>
+                  <a:tcPr>
+                    <a:lnL w="12700" cap="flat" cmpd="sng" algn="ctr">
+                      <a:solidFill>
+                        <a:schemeClr val="tx1"/>
+                      </a:solidFill>
+                      <a:prstDash val="solid"/>
+                      <a:round/>
+                      <a:headEnd type="none" w="med" len="med"/>
+                      <a:tailEnd type="none" w="med" len="med"/>
+                    </a:lnL>
+                    <a:lnR w="12700" cap="flat" cmpd="sng" algn="ctr">
+                      <a:solidFill>
+                        <a:schemeClr val="tx1"/>
+                      </a:solidFill>
+                      <a:prstDash val="solid"/>
+                      <a:round/>
+                      <a:headEnd type="none" w="med" len="med"/>
+                      <a:tailEnd type="none" w="med" len="med"/>
+                    </a:lnR>
+                    <a:lnT w="12700" cap="flat" cmpd="sng" algn="ctr">
+                      <a:solidFill>
+                        <a:schemeClr val="tx1"/>
+                      </a:solidFill>
+                      <a:prstDash val="solid"/>
+                      <a:round/>
+                      <a:headEnd type="none" w="med" len="med"/>
+                      <a:tailEnd type="none" w="med" len="med"/>
+                    </a:lnT>
+                    <a:lnB w="12700" cap="flat" cmpd="sng" algn="ctr">
+                      <a:solidFill>
+                        <a:schemeClr val="tx1"/>
+                      </a:solidFill>
+                      <a:prstDash val="solid"/>
+                      <a:round/>
+                      <a:headEnd type="none" w="med" len="med"/>
+                      <a:tailEnd type="none" w="med" len="med"/>
+                    </a:lnB>
+                    <a:lnTlToBr w="12700" cmpd="sng">
+                      <a:noFill/>
+                      <a:prstDash val="solid"/>
+                    </a:lnTlToBr>
+                    <a:lnBlToTr w="12700" cmpd="sng">
+                      <a:noFill/>
+                      <a:prstDash val="solid"/>
+                    </a:lnBlToTr>
+                  </a:tcPr>
+                </a:tc>
+                <a:tc>
+                  <a:txBody>
+                    <a:bodyPr/>
+                    <a:lstStyle/>
+                    <a:p>
+                      <a:pPr algn="ctr"/>
+                      <a:r>
+                        <a:rPr lang="en-US" dirty="0" smtClean="0"/>
+                        <a:t>6.099e-3</a:t>
+                      </a:r>
+                      <a:endParaRPr lang="en-US" dirty="0"/>
+                    </a:p>
+                  </a:txBody>
+                  <a:tcPr>
+                    <a:lnL w="12700" cap="flat" cmpd="sng" algn="ctr">
+                      <a:solidFill>
+                        <a:schemeClr val="tx1"/>
+                      </a:solidFill>
+                      <a:prstDash val="solid"/>
+                      <a:round/>
+                      <a:headEnd type="none" w="med" len="med"/>
+                      <a:tailEnd type="none" w="med" len="med"/>
+                    </a:lnL>
+                    <a:lnR w="12700" cap="flat" cmpd="sng" algn="ctr">
+                      <a:solidFill>
+                        <a:schemeClr val="tx1"/>
+                      </a:solidFill>
+                      <a:prstDash val="solid"/>
+                      <a:round/>
+                      <a:headEnd type="none" w="med" len="med"/>
+                      <a:tailEnd type="none" w="med" len="med"/>
+                    </a:lnR>
+                    <a:lnT w="12700" cap="flat" cmpd="sng" algn="ctr">
+                      <a:solidFill>
+                        <a:schemeClr val="tx1"/>
+                      </a:solidFill>
+                      <a:prstDash val="solid"/>
+                      <a:round/>
+                      <a:headEnd type="none" w="med" len="med"/>
+                      <a:tailEnd type="none" w="med" len="med"/>
+                    </a:lnT>
+                    <a:lnB w="12700" cap="flat" cmpd="sng" algn="ctr">
+                      <a:solidFill>
+                        <a:schemeClr val="tx1"/>
+                      </a:solidFill>
+                      <a:prstDash val="solid"/>
+                      <a:round/>
+                      <a:headEnd type="none" w="med" len="med"/>
+                      <a:tailEnd type="none" w="med" len="med"/>
+                    </a:lnB>
+                    <a:lnTlToBr w="12700" cmpd="sng">
+                      <a:noFill/>
+                      <a:prstDash val="solid"/>
+                    </a:lnTlToBr>
+                    <a:lnBlToTr w="12700" cmpd="sng">
+                      <a:noFill/>
+                      <a:prstDash val="solid"/>
+                    </a:lnBlToTr>
+                    <a:solidFill>
+                      <a:srgbClr val="FFFF00"/>
+                    </a:solidFill>
+                  </a:tcPr>
+                </a:tc>
+                <a:tc>
+                  <a:txBody>
+                    <a:bodyPr/>
+                    <a:lstStyle/>
+                    <a:p>
+                      <a:pPr algn="ctr"/>
+                      <a:r>
+                        <a:rPr lang="en-US" dirty="0" smtClean="0"/>
+                        <a:t>0</a:t>
+                      </a:r>
+                      <a:endParaRPr lang="en-US" dirty="0"/>
+                    </a:p>
+                  </a:txBody>
+                  <a:tcPr>
+                    <a:lnL w="12700" cap="flat" cmpd="sng" algn="ctr">
+                      <a:solidFill>
+                        <a:schemeClr val="tx1"/>
+                      </a:solidFill>
+                      <a:prstDash val="solid"/>
+                      <a:round/>
+                      <a:headEnd type="none" w="med" len="med"/>
+                      <a:tailEnd type="none" w="med" len="med"/>
+                    </a:lnL>
+                    <a:lnR w="12700" cap="flat" cmpd="sng" algn="ctr">
+                      <a:solidFill>
+                        <a:schemeClr val="tx1"/>
+                      </a:solidFill>
+                      <a:prstDash val="solid"/>
+                      <a:round/>
+                      <a:headEnd type="none" w="med" len="med"/>
+                      <a:tailEnd type="none" w="med" len="med"/>
+                    </a:lnR>
+                    <a:lnT w="12700" cap="flat" cmpd="sng" algn="ctr">
+                      <a:solidFill>
+                        <a:schemeClr val="tx1"/>
+                      </a:solidFill>
+                      <a:prstDash val="solid"/>
+                      <a:round/>
+                      <a:headEnd type="none" w="med" len="med"/>
+                      <a:tailEnd type="none" w="med" len="med"/>
+                    </a:lnT>
+                    <a:lnB w="12700" cap="flat" cmpd="sng" algn="ctr">
+                      <a:solidFill>
+                        <a:schemeClr val="tx1"/>
+                      </a:solidFill>
+                      <a:prstDash val="solid"/>
+                      <a:round/>
+                      <a:headEnd type="none" w="med" len="med"/>
+                      <a:tailEnd type="none" w="med" len="med"/>
+                    </a:lnB>
+                    <a:lnTlToBr w="12700" cmpd="sng">
+                      <a:noFill/>
+                      <a:prstDash val="solid"/>
+                    </a:lnTlToBr>
+                    <a:lnBlToTr w="12700" cmpd="sng">
+                      <a:noFill/>
+                      <a:prstDash val="solid"/>
+                    </a:lnBlToTr>
+                    <a:solidFill>
+                      <a:srgbClr val="92D050"/>
+                    </a:solidFill>
+                  </a:tcPr>
+                </a:tc>
+                <a:tc>
+                  <a:txBody>
+                    <a:bodyPr/>
+                    <a:lstStyle/>
+                    <a:p>
+                      <a:pPr algn="ctr"/>
+                      <a:r>
+                        <a:rPr lang="en-US" dirty="0" smtClean="0"/>
+                        <a:t>0</a:t>
+                      </a:r>
+                      <a:endParaRPr lang="en-US" dirty="0"/>
+                    </a:p>
+                  </a:txBody>
+                  <a:tcPr>
+                    <a:lnL w="12700" cap="flat" cmpd="sng" algn="ctr">
+                      <a:solidFill>
+                        <a:schemeClr val="tx1"/>
+                      </a:solidFill>
+                      <a:prstDash val="solid"/>
+                      <a:round/>
+                      <a:headEnd type="none" w="med" len="med"/>
+                      <a:tailEnd type="none" w="med" len="med"/>
+                    </a:lnL>
+                    <a:lnR w="12700" cap="flat" cmpd="sng" algn="ctr">
+                      <a:solidFill>
+                        <a:schemeClr val="tx1"/>
+                      </a:solidFill>
+                      <a:prstDash val="solid"/>
+                      <a:round/>
+                      <a:headEnd type="none" w="med" len="med"/>
+                      <a:tailEnd type="none" w="med" len="med"/>
+                    </a:lnR>
+                    <a:lnT w="12700" cap="flat" cmpd="sng" algn="ctr">
+                      <a:solidFill>
+                        <a:schemeClr val="tx1"/>
+                      </a:solidFill>
+                      <a:prstDash val="solid"/>
+                      <a:round/>
+                      <a:headEnd type="none" w="med" len="med"/>
+                      <a:tailEnd type="none" w="med" len="med"/>
+                    </a:lnT>
+                    <a:lnB w="12700" cap="flat" cmpd="sng" algn="ctr">
+                      <a:solidFill>
+                        <a:schemeClr val="tx1"/>
+                      </a:solidFill>
+                      <a:prstDash val="solid"/>
+                      <a:round/>
+                      <a:headEnd type="none" w="med" len="med"/>
+                      <a:tailEnd type="none" w="med" len="med"/>
+                    </a:lnB>
+                    <a:lnTlToBr w="12700" cmpd="sng">
+                      <a:noFill/>
+                      <a:prstDash val="solid"/>
+                    </a:lnTlToBr>
+                    <a:lnBlToTr w="12700" cmpd="sng">
+                      <a:noFill/>
+                      <a:prstDash val="solid"/>
+                    </a:lnBlToTr>
+                    <a:solidFill>
+                      <a:srgbClr val="92D050"/>
+                    </a:solidFill>
+                  </a:tcPr>
+                </a:tc>
+              </a:tr>
+              <a:tr h="440438">
+                <a:tc>
+                  <a:txBody>
+                    <a:bodyPr/>
+                    <a:lstStyle/>
+                    <a:p>
+                      <a:pPr algn="ctr"/>
+                      <a:r>
+                        <a:rPr lang="en-US" dirty="0" smtClean="0">
+                          <a:solidFill>
+                            <a:schemeClr val="bg1"/>
+                          </a:solidFill>
+                        </a:rPr>
+                        <a:t>4</a:t>
+                      </a:r>
+                      <a:endParaRPr lang="en-US" dirty="0">
+                        <a:solidFill>
+                          <a:schemeClr val="bg1"/>
+                        </a:solidFill>
+                      </a:endParaRPr>
+                    </a:p>
+                  </a:txBody>
+                  <a:tcPr>
+                    <a:lnL w="12700" cap="flat" cmpd="sng" algn="ctr">
+                      <a:solidFill>
+                        <a:schemeClr val="tx1"/>
+                      </a:solidFill>
+                      <a:prstDash val="solid"/>
+                      <a:round/>
+                      <a:headEnd type="none" w="med" len="med"/>
+                      <a:tailEnd type="none" w="med" len="med"/>
+                    </a:lnL>
+                    <a:lnR w="12700" cap="flat" cmpd="sng" algn="ctr">
+                      <a:solidFill>
+                        <a:schemeClr val="tx1"/>
+                      </a:solidFill>
+                      <a:prstDash val="solid"/>
+                      <a:round/>
+                      <a:headEnd type="none" w="med" len="med"/>
+                      <a:tailEnd type="none" w="med" len="med"/>
+                    </a:lnR>
+                    <a:lnT w="12700" cap="flat" cmpd="sng" algn="ctr">
+                      <a:solidFill>
+                        <a:schemeClr val="tx1"/>
+                      </a:solidFill>
+                      <a:prstDash val="solid"/>
+                      <a:round/>
+                      <a:headEnd type="none" w="med" len="med"/>
+                      <a:tailEnd type="none" w="med" len="med"/>
+                    </a:lnT>
+                    <a:lnB w="12700" cap="flat" cmpd="sng" algn="ctr">
+                      <a:solidFill>
+                        <a:schemeClr val="tx1"/>
+                      </a:solidFill>
+                      <a:prstDash val="solid"/>
+                      <a:round/>
+                      <a:headEnd type="none" w="med" len="med"/>
+                      <a:tailEnd type="none" w="med" len="med"/>
+                    </a:lnB>
+                    <a:lnTlToBr w="12700" cmpd="sng">
+                      <a:noFill/>
+                      <a:prstDash val="solid"/>
+                    </a:lnTlToBr>
+                    <a:lnBlToTr w="12700" cmpd="sng">
+                      <a:noFill/>
+                      <a:prstDash val="solid"/>
+                    </a:lnBlToTr>
+                    <a:solidFill>
+                      <a:schemeClr val="tx1">
+                        <a:lumMod val="65000"/>
+                        <a:lumOff val="35000"/>
+                      </a:schemeClr>
+                    </a:solidFill>
+                  </a:tcPr>
+                </a:tc>
+                <a:tc>
+                  <a:txBody>
+                    <a:bodyPr/>
+                    <a:lstStyle/>
+                    <a:p>
+                      <a:pPr algn="ctr"/>
+                      <a:r>
+                        <a:rPr lang="en-US" dirty="0" smtClean="0"/>
+                        <a:t>1.352e-1</a:t>
+                      </a:r>
+                      <a:endParaRPr lang="en-US" dirty="0"/>
+                    </a:p>
+                  </a:txBody>
+                  <a:tcPr>
+                    <a:lnL w="12700" cap="flat" cmpd="sng" algn="ctr">
+                      <a:solidFill>
+                        <a:schemeClr val="tx1"/>
+                      </a:solidFill>
+                      <a:prstDash val="solid"/>
+                      <a:round/>
+                      <a:headEnd type="none" w="med" len="med"/>
+                      <a:tailEnd type="none" w="med" len="med"/>
+                    </a:lnL>
+                    <a:lnR w="12700" cap="flat" cmpd="sng" algn="ctr">
+                      <a:solidFill>
+                        <a:schemeClr val="tx1"/>
+                      </a:solidFill>
+                      <a:prstDash val="solid"/>
+                      <a:round/>
+                      <a:headEnd type="none" w="med" len="med"/>
+                      <a:tailEnd type="none" w="med" len="med"/>
+                    </a:lnR>
+                    <a:lnT w="12700" cap="flat" cmpd="sng" algn="ctr">
+                      <a:solidFill>
+                        <a:schemeClr val="tx1"/>
+                      </a:solidFill>
+                      <a:prstDash val="solid"/>
+                      <a:round/>
+                      <a:headEnd type="none" w="med" len="med"/>
+                      <a:tailEnd type="none" w="med" len="med"/>
+                    </a:lnT>
+                    <a:lnB w="12700" cap="flat" cmpd="sng" algn="ctr">
+                      <a:solidFill>
+                        <a:schemeClr val="tx1"/>
+                      </a:solidFill>
+                      <a:prstDash val="solid"/>
+                      <a:round/>
+                      <a:headEnd type="none" w="med" len="med"/>
+                      <a:tailEnd type="none" w="med" len="med"/>
+                    </a:lnB>
+                    <a:lnTlToBr w="12700" cmpd="sng">
+                      <a:noFill/>
+                      <a:prstDash val="solid"/>
+                    </a:lnTlToBr>
+                    <a:lnBlToTr w="12700" cmpd="sng">
+                      <a:noFill/>
+                      <a:prstDash val="solid"/>
+                    </a:lnBlToTr>
+                  </a:tcPr>
+                </a:tc>
+                <a:tc>
+                  <a:txBody>
+                    <a:bodyPr/>
+                    <a:lstStyle/>
+                    <a:p>
+                      <a:pPr algn="ctr"/>
+                      <a:r>
+                        <a:rPr lang="en-US" dirty="0" smtClean="0"/>
+                        <a:t>1.47e-2</a:t>
+                      </a:r>
+                      <a:endParaRPr lang="en-US" dirty="0"/>
+                    </a:p>
+                  </a:txBody>
+                  <a:tcPr>
+                    <a:lnL w="12700" cap="flat" cmpd="sng" algn="ctr">
+                      <a:solidFill>
+                        <a:schemeClr val="tx1"/>
+                      </a:solidFill>
+                      <a:prstDash val="solid"/>
+                      <a:round/>
+                      <a:headEnd type="none" w="med" len="med"/>
+                      <a:tailEnd type="none" w="med" len="med"/>
+                    </a:lnL>
+                    <a:lnR w="12700" cap="flat" cmpd="sng" algn="ctr">
+                      <a:solidFill>
+                        <a:schemeClr val="tx1"/>
+                      </a:solidFill>
+                      <a:prstDash val="solid"/>
+                      <a:round/>
+                      <a:headEnd type="none" w="med" len="med"/>
+                      <a:tailEnd type="none" w="med" len="med"/>
+                    </a:lnR>
+                    <a:lnT w="12700" cap="flat" cmpd="sng" algn="ctr">
+                      <a:solidFill>
+                        <a:schemeClr val="tx1"/>
+                      </a:solidFill>
+                      <a:prstDash val="solid"/>
+                      <a:round/>
+                      <a:headEnd type="none" w="med" len="med"/>
+                      <a:tailEnd type="none" w="med" len="med"/>
+                    </a:lnT>
+                    <a:lnB w="12700" cap="flat" cmpd="sng" algn="ctr">
+                      <a:solidFill>
+                        <a:schemeClr val="tx1"/>
+                      </a:solidFill>
+                      <a:prstDash val="solid"/>
+                      <a:round/>
+                      <a:headEnd type="none" w="med" len="med"/>
+                      <a:tailEnd type="none" w="med" len="med"/>
+                    </a:lnB>
+                    <a:lnTlToBr w="12700" cmpd="sng">
+                      <a:noFill/>
+                      <a:prstDash val="solid"/>
+                    </a:lnTlToBr>
+                    <a:lnBlToTr w="12700" cmpd="sng">
+                      <a:noFill/>
+                      <a:prstDash val="solid"/>
+                    </a:lnBlToTr>
+                    <a:solidFill>
+                      <a:srgbClr val="FFFF00"/>
+                    </a:solidFill>
+                  </a:tcPr>
+                </a:tc>
+                <a:tc>
+                  <a:txBody>
+                    <a:bodyPr/>
+                    <a:lstStyle/>
+                    <a:p>
+                      <a:pPr algn="ctr"/>
+                      <a:r>
+                        <a:rPr lang="en-US" dirty="0" smtClean="0"/>
+                        <a:t>8.044e-4</a:t>
+                      </a:r>
+                      <a:endParaRPr lang="en-US" dirty="0"/>
+                    </a:p>
+                  </a:txBody>
+                  <a:tcPr>
+                    <a:lnL w="12700" cap="flat" cmpd="sng" algn="ctr">
+                      <a:solidFill>
+                        <a:schemeClr val="tx1"/>
+                      </a:solidFill>
+                      <a:prstDash val="solid"/>
+                      <a:round/>
+                      <a:headEnd type="none" w="med" len="med"/>
+                      <a:tailEnd type="none" w="med" len="med"/>
+                    </a:lnL>
+                    <a:lnR w="12700" cap="flat" cmpd="sng" algn="ctr">
+                      <a:solidFill>
+                        <a:schemeClr val="tx1"/>
+                      </a:solidFill>
+                      <a:prstDash val="solid"/>
+                      <a:round/>
+                      <a:headEnd type="none" w="med" len="med"/>
+                      <a:tailEnd type="none" w="med" len="med"/>
+                    </a:lnR>
+                    <a:lnT w="12700" cap="flat" cmpd="sng" algn="ctr">
+                      <a:solidFill>
+                        <a:schemeClr val="tx1"/>
+                      </a:solidFill>
+                      <a:prstDash val="solid"/>
+                      <a:round/>
+                      <a:headEnd type="none" w="med" len="med"/>
+                      <a:tailEnd type="none" w="med" len="med"/>
+                    </a:lnT>
+                    <a:lnB w="12700" cap="flat" cmpd="sng" algn="ctr">
+                      <a:solidFill>
+                        <a:schemeClr val="tx1"/>
+                      </a:solidFill>
+                      <a:prstDash val="solid"/>
+                      <a:round/>
+                      <a:headEnd type="none" w="med" len="med"/>
+                      <a:tailEnd type="none" w="med" len="med"/>
+                    </a:lnB>
+                    <a:lnTlToBr w="12700" cmpd="sng">
+                      <a:noFill/>
+                      <a:prstDash val="solid"/>
+                    </a:lnTlToBr>
+                    <a:lnBlToTr w="12700" cmpd="sng">
+                      <a:noFill/>
+                      <a:prstDash val="solid"/>
+                    </a:lnBlToTr>
+                    <a:solidFill>
+                      <a:srgbClr val="FFFF00"/>
+                    </a:solidFill>
+                  </a:tcPr>
+                </a:tc>
+                <a:tc>
+                  <a:txBody>
+                    <a:bodyPr/>
+                    <a:lstStyle/>
+                    <a:p>
+                      <a:pPr algn="ctr"/>
+                      <a:r>
+                        <a:rPr lang="en-US" dirty="0" smtClean="0"/>
+                        <a:t>0</a:t>
+                      </a:r>
+                      <a:endParaRPr lang="en-US" dirty="0"/>
+                    </a:p>
+                  </a:txBody>
+                  <a:tcPr>
+                    <a:lnL w="12700" cap="flat" cmpd="sng" algn="ctr">
+                      <a:solidFill>
+                        <a:schemeClr val="tx1"/>
+                      </a:solidFill>
+                      <a:prstDash val="solid"/>
+                      <a:round/>
+                      <a:headEnd type="none" w="med" len="med"/>
+                      <a:tailEnd type="none" w="med" len="med"/>
+                    </a:lnL>
+                    <a:lnR w="12700" cap="flat" cmpd="sng" algn="ctr">
+                      <a:solidFill>
+                        <a:schemeClr val="tx1"/>
+                      </a:solidFill>
+                      <a:prstDash val="solid"/>
+                      <a:round/>
+                      <a:headEnd type="none" w="med" len="med"/>
+                      <a:tailEnd type="none" w="med" len="med"/>
+                    </a:lnR>
+                    <a:lnT w="12700" cap="flat" cmpd="sng" algn="ctr">
+                      <a:solidFill>
+                        <a:schemeClr val="tx1"/>
+                      </a:solidFill>
+                      <a:prstDash val="solid"/>
+                      <a:round/>
+                      <a:headEnd type="none" w="med" len="med"/>
+                      <a:tailEnd type="none" w="med" len="med"/>
+                    </a:lnT>
+                    <a:lnB w="12700" cap="flat" cmpd="sng" algn="ctr">
+                      <a:solidFill>
+                        <a:schemeClr val="tx1"/>
+                      </a:solidFill>
+                      <a:prstDash val="solid"/>
+                      <a:round/>
+                      <a:headEnd type="none" w="med" len="med"/>
+                      <a:tailEnd type="none" w="med" len="med"/>
+                    </a:lnB>
+                    <a:lnTlToBr w="12700" cmpd="sng">
+                      <a:noFill/>
+                      <a:prstDash val="solid"/>
+                    </a:lnTlToBr>
+                    <a:lnBlToTr w="12700" cmpd="sng">
+                      <a:noFill/>
+                      <a:prstDash val="solid"/>
+                    </a:lnBlToTr>
+                    <a:solidFill>
+                      <a:srgbClr val="92D050"/>
+                    </a:solidFill>
+                  </a:tcPr>
+                </a:tc>
+              </a:tr>
+              <a:tr h="440438">
+                <a:tc>
+                  <a:txBody>
+                    <a:bodyPr/>
+                    <a:lstStyle/>
+                    <a:p>
+                      <a:pPr algn="ctr"/>
+                      <a:r>
+                        <a:rPr lang="en-US" dirty="0" smtClean="0">
+                          <a:solidFill>
+                            <a:schemeClr val="bg1"/>
+                          </a:solidFill>
+                        </a:rPr>
+                        <a:t>3</a:t>
+                      </a:r>
+                      <a:endParaRPr lang="en-US" dirty="0">
+                        <a:solidFill>
+                          <a:schemeClr val="bg1"/>
+                        </a:solidFill>
+                      </a:endParaRPr>
+                    </a:p>
+                  </a:txBody>
+                  <a:tcPr>
+                    <a:lnL w="12700" cap="flat" cmpd="sng" algn="ctr">
+                      <a:solidFill>
+                        <a:schemeClr val="tx1"/>
+                      </a:solidFill>
+                      <a:prstDash val="solid"/>
+                      <a:round/>
+                      <a:headEnd type="none" w="med" len="med"/>
+                      <a:tailEnd type="none" w="med" len="med"/>
+                    </a:lnL>
+                    <a:lnR w="12700" cap="flat" cmpd="sng" algn="ctr">
+                      <a:solidFill>
+                        <a:schemeClr val="tx1"/>
+                      </a:solidFill>
+                      <a:prstDash val="solid"/>
+                      <a:round/>
+                      <a:headEnd type="none" w="med" len="med"/>
+                      <a:tailEnd type="none" w="med" len="med"/>
+                    </a:lnR>
+                    <a:lnT w="12700" cap="flat" cmpd="sng" algn="ctr">
+                      <a:solidFill>
+                        <a:schemeClr val="tx1"/>
+                      </a:solidFill>
+                      <a:prstDash val="solid"/>
+                      <a:round/>
+                      <a:headEnd type="none" w="med" len="med"/>
+                      <a:tailEnd type="none" w="med" len="med"/>
+                    </a:lnT>
+                    <a:lnB w="12700" cap="flat" cmpd="sng" algn="ctr">
+                      <a:solidFill>
+                        <a:schemeClr val="tx1"/>
+                      </a:solidFill>
+                      <a:prstDash val="solid"/>
+                      <a:round/>
+                      <a:headEnd type="none" w="med" len="med"/>
+                      <a:tailEnd type="none" w="med" len="med"/>
+                    </a:lnB>
+                    <a:lnTlToBr w="12700" cmpd="sng">
+                      <a:noFill/>
+                      <a:prstDash val="solid"/>
+                    </a:lnTlToBr>
+                    <a:lnBlToTr w="12700" cmpd="sng">
+                      <a:noFill/>
+                      <a:prstDash val="solid"/>
+                    </a:lnBlToTr>
+                    <a:solidFill>
+                      <a:schemeClr val="tx1">
+                        <a:lumMod val="65000"/>
+                        <a:lumOff val="35000"/>
+                      </a:schemeClr>
+                    </a:solidFill>
+                  </a:tcPr>
+                </a:tc>
+                <a:tc>
+                  <a:txBody>
+                    <a:bodyPr/>
+                    <a:lstStyle/>
+                    <a:p>
+                      <a:pPr algn="ctr"/>
+                      <a:endParaRPr lang="en-US" dirty="0"/>
+                    </a:p>
+                  </a:txBody>
+                  <a:tcPr>
+                    <a:lnL w="12700" cap="flat" cmpd="sng" algn="ctr">
+                      <a:solidFill>
+                        <a:schemeClr val="tx1"/>
+                      </a:solidFill>
+                      <a:prstDash val="solid"/>
+                      <a:round/>
+                      <a:headEnd type="none" w="med" len="med"/>
+                      <a:tailEnd type="none" w="med" len="med"/>
+                    </a:lnL>
+                    <a:lnR w="12700" cap="flat" cmpd="sng" algn="ctr">
+                      <a:solidFill>
+                        <a:schemeClr val="tx1"/>
+                      </a:solidFill>
+                      <a:prstDash val="solid"/>
+                      <a:round/>
+                      <a:headEnd type="none" w="med" len="med"/>
+                      <a:tailEnd type="none" w="med" len="med"/>
+                    </a:lnR>
+                    <a:lnT w="12700" cap="flat" cmpd="sng" algn="ctr">
+                      <a:solidFill>
+                        <a:schemeClr val="tx1"/>
+                      </a:solidFill>
+                      <a:prstDash val="solid"/>
+                      <a:round/>
+                      <a:headEnd type="none" w="med" len="med"/>
+                      <a:tailEnd type="none" w="med" len="med"/>
+                    </a:lnT>
+                    <a:lnB w="12700" cap="flat" cmpd="sng" algn="ctr">
+                      <a:solidFill>
+                        <a:schemeClr val="tx1"/>
+                      </a:solidFill>
+                      <a:prstDash val="solid"/>
+                      <a:round/>
+                      <a:headEnd type="none" w="med" len="med"/>
+                      <a:tailEnd type="none" w="med" len="med"/>
+                    </a:lnB>
+                    <a:lnTlToBr w="12700" cmpd="sng">
+                      <a:noFill/>
+                      <a:prstDash val="solid"/>
+                    </a:lnTlToBr>
+                    <a:lnBlToTr w="12700" cmpd="sng">
+                      <a:noFill/>
+                      <a:prstDash val="solid"/>
+                    </a:lnBlToTr>
+                  </a:tcPr>
+                </a:tc>
+                <a:tc>
+                  <a:txBody>
+                    <a:bodyPr/>
+                    <a:lstStyle/>
+                    <a:p>
+                      <a:pPr algn="ctr"/>
+                      <a:r>
+                        <a:rPr lang="en-US" dirty="0" smtClean="0"/>
+                        <a:t>2.53e-2</a:t>
+                      </a:r>
+                      <a:endParaRPr lang="en-US" dirty="0"/>
+                    </a:p>
+                  </a:txBody>
+                  <a:tcPr>
+                    <a:lnL w="12700" cap="flat" cmpd="sng" algn="ctr">
+                      <a:solidFill>
+                        <a:schemeClr val="tx1"/>
+                      </a:solidFill>
+                      <a:prstDash val="solid"/>
+                      <a:round/>
+                      <a:headEnd type="none" w="med" len="med"/>
+                      <a:tailEnd type="none" w="med" len="med"/>
+                    </a:lnL>
+                    <a:lnR w="12700" cap="flat" cmpd="sng" algn="ctr">
+                      <a:solidFill>
+                        <a:schemeClr val="tx1"/>
+                      </a:solidFill>
+                      <a:prstDash val="solid"/>
+                      <a:round/>
+                      <a:headEnd type="none" w="med" len="med"/>
+                      <a:tailEnd type="none" w="med" len="med"/>
+                    </a:lnR>
+                    <a:lnT w="12700" cap="flat" cmpd="sng" algn="ctr">
+                      <a:solidFill>
+                        <a:schemeClr val="tx1"/>
+                      </a:solidFill>
+                      <a:prstDash val="solid"/>
+                      <a:round/>
+                      <a:headEnd type="none" w="med" len="med"/>
+                      <a:tailEnd type="none" w="med" len="med"/>
+                    </a:lnT>
+                    <a:lnB w="12700" cap="flat" cmpd="sng" algn="ctr">
+                      <a:solidFill>
+                        <a:schemeClr val="tx1"/>
+                      </a:solidFill>
+                      <a:prstDash val="solid"/>
+                      <a:round/>
+                      <a:headEnd type="none" w="med" len="med"/>
+                      <a:tailEnd type="none" w="med" len="med"/>
+                    </a:lnB>
+                    <a:lnTlToBr w="12700" cmpd="sng">
+                      <a:noFill/>
+                      <a:prstDash val="solid"/>
+                    </a:lnTlToBr>
+                    <a:lnBlToTr w="12700" cmpd="sng">
+                      <a:noFill/>
+                      <a:prstDash val="solid"/>
+                    </a:lnBlToTr>
+                    <a:solidFill>
+                      <a:srgbClr val="FFFF00"/>
+                    </a:solidFill>
+                  </a:tcPr>
+                </a:tc>
+                <a:tc>
+                  <a:txBody>
+                    <a:bodyPr/>
+                    <a:lstStyle/>
+                    <a:p>
+                      <a:pPr algn="ctr"/>
+                      <a:r>
+                        <a:rPr lang="en-US" dirty="0" smtClean="0"/>
+                        <a:t>2.021e-2</a:t>
+                      </a:r>
+                      <a:endParaRPr lang="en-US" dirty="0"/>
+                    </a:p>
+                  </a:txBody>
+                  <a:tcPr>
+                    <a:lnL w="12700" cap="flat" cmpd="sng" algn="ctr">
+                      <a:solidFill>
+                        <a:schemeClr val="tx1"/>
+                      </a:solidFill>
+                      <a:prstDash val="solid"/>
+                      <a:round/>
+                      <a:headEnd type="none" w="med" len="med"/>
+                      <a:tailEnd type="none" w="med" len="med"/>
+                    </a:lnL>
+                    <a:lnR w="12700" cap="flat" cmpd="sng" algn="ctr">
+                      <a:solidFill>
+                        <a:schemeClr val="tx1"/>
+                      </a:solidFill>
+                      <a:prstDash val="solid"/>
+                      <a:round/>
+                      <a:headEnd type="none" w="med" len="med"/>
+                      <a:tailEnd type="none" w="med" len="med"/>
+                    </a:lnR>
+                    <a:lnT w="12700" cap="flat" cmpd="sng" algn="ctr">
+                      <a:solidFill>
+                        <a:schemeClr val="tx1"/>
+                      </a:solidFill>
+                      <a:prstDash val="solid"/>
+                      <a:round/>
+                      <a:headEnd type="none" w="med" len="med"/>
+                      <a:tailEnd type="none" w="med" len="med"/>
+                    </a:lnT>
+                    <a:lnB w="12700" cap="flat" cmpd="sng" algn="ctr">
+                      <a:solidFill>
+                        <a:schemeClr val="tx1"/>
+                      </a:solidFill>
+                      <a:prstDash val="solid"/>
+                      <a:round/>
+                      <a:headEnd type="none" w="med" len="med"/>
+                      <a:tailEnd type="none" w="med" len="med"/>
+                    </a:lnB>
+                    <a:lnTlToBr w="12700" cmpd="sng">
+                      <a:noFill/>
+                      <a:prstDash val="solid"/>
+                    </a:lnTlToBr>
+                    <a:lnBlToTr w="12700" cmpd="sng">
+                      <a:noFill/>
+                      <a:prstDash val="solid"/>
+                    </a:lnBlToTr>
+                    <a:solidFill>
+                      <a:srgbClr val="FF0000"/>
+                    </a:solidFill>
+                  </a:tcPr>
+                </a:tc>
+                <a:tc>
+                  <a:txBody>
+                    <a:bodyPr/>
+                    <a:lstStyle/>
+                    <a:p>
+                      <a:pPr algn="ctr"/>
+                      <a:r>
+                        <a:rPr lang="en-US" dirty="0" smtClean="0"/>
+                        <a:t>2.011e-4</a:t>
+                      </a:r>
+                      <a:endParaRPr lang="en-US" dirty="0"/>
+                    </a:p>
+                  </a:txBody>
+                  <a:tcPr>
+                    <a:lnL w="12700" cap="flat" cmpd="sng" algn="ctr">
+                      <a:solidFill>
+                        <a:schemeClr val="tx1"/>
+                      </a:solidFill>
+                      <a:prstDash val="solid"/>
+                      <a:round/>
+                      <a:headEnd type="none" w="med" len="med"/>
+                      <a:tailEnd type="none" w="med" len="med"/>
+                    </a:lnL>
+                    <a:lnR w="12700" cap="flat" cmpd="sng" algn="ctr">
+                      <a:solidFill>
+                        <a:schemeClr val="tx1"/>
+                      </a:solidFill>
+                      <a:prstDash val="solid"/>
+                      <a:round/>
+                      <a:headEnd type="none" w="med" len="med"/>
+                      <a:tailEnd type="none" w="med" len="med"/>
+                    </a:lnR>
+                    <a:lnT w="12700" cap="flat" cmpd="sng" algn="ctr">
+                      <a:solidFill>
+                        <a:schemeClr val="tx1"/>
+                      </a:solidFill>
+                      <a:prstDash val="solid"/>
+                      <a:round/>
+                      <a:headEnd type="none" w="med" len="med"/>
+                      <a:tailEnd type="none" w="med" len="med"/>
+                    </a:lnT>
+                    <a:lnB w="12700" cap="flat" cmpd="sng" algn="ctr">
+                      <a:solidFill>
+                        <a:schemeClr val="tx1"/>
+                      </a:solidFill>
+                      <a:prstDash val="solid"/>
+                      <a:round/>
+                      <a:headEnd type="none" w="med" len="med"/>
+                      <a:tailEnd type="none" w="med" len="med"/>
+                    </a:lnB>
+                    <a:lnTlToBr w="12700" cmpd="sng">
+                      <a:noFill/>
+                      <a:prstDash val="solid"/>
+                    </a:lnTlToBr>
+                    <a:lnBlToTr w="12700" cmpd="sng">
+                      <a:noFill/>
+                      <a:prstDash val="solid"/>
+                    </a:lnBlToTr>
+                    <a:solidFill>
+                      <a:srgbClr val="FFFF00"/>
+                    </a:solidFill>
+                  </a:tcPr>
+                </a:tc>
+              </a:tr>
+              <a:tr h="440438">
+                <a:tc>
+                  <a:txBody>
+                    <a:bodyPr/>
+                    <a:lstStyle/>
+                    <a:p>
+                      <a:pPr algn="ctr"/>
+                      <a:r>
+                        <a:rPr lang="en-US" dirty="0" smtClean="0">
+                          <a:solidFill>
+                            <a:schemeClr val="bg1"/>
+                          </a:solidFill>
+                        </a:rPr>
+                        <a:t>2</a:t>
+                      </a:r>
+                      <a:endParaRPr lang="en-US" dirty="0">
+                        <a:solidFill>
+                          <a:schemeClr val="bg1"/>
+                        </a:solidFill>
+                      </a:endParaRPr>
+                    </a:p>
+                  </a:txBody>
+                  <a:tcPr>
+                    <a:lnL w="12700" cap="flat" cmpd="sng" algn="ctr">
+                      <a:solidFill>
+                        <a:schemeClr val="tx1"/>
+                      </a:solidFill>
+                      <a:prstDash val="solid"/>
+                      <a:round/>
+                      <a:headEnd type="none" w="med" len="med"/>
+                      <a:tailEnd type="none" w="med" len="med"/>
+                    </a:lnL>
+                    <a:lnR w="12700" cap="flat" cmpd="sng" algn="ctr">
+                      <a:solidFill>
+                        <a:schemeClr val="tx1"/>
+                      </a:solidFill>
+                      <a:prstDash val="solid"/>
+                      <a:round/>
+                      <a:headEnd type="none" w="med" len="med"/>
+                      <a:tailEnd type="none" w="med" len="med"/>
+                    </a:lnR>
+                    <a:lnT w="12700" cap="flat" cmpd="sng" algn="ctr">
+                      <a:solidFill>
+                        <a:schemeClr val="tx1"/>
+                      </a:solidFill>
+                      <a:prstDash val="solid"/>
+                      <a:round/>
+                      <a:headEnd type="none" w="med" len="med"/>
+                      <a:tailEnd type="none" w="med" len="med"/>
+                    </a:lnT>
+                    <a:lnB w="12700" cap="flat" cmpd="sng" algn="ctr">
+                      <a:solidFill>
+                        <a:schemeClr val="tx1"/>
+                      </a:solidFill>
+                      <a:prstDash val="solid"/>
+                      <a:round/>
+                      <a:headEnd type="none" w="med" len="med"/>
+                      <a:tailEnd type="none" w="med" len="med"/>
+                    </a:lnB>
+                    <a:lnTlToBr w="12700" cmpd="sng">
+                      <a:noFill/>
+                      <a:prstDash val="solid"/>
+                    </a:lnTlToBr>
+                    <a:lnBlToTr w="12700" cmpd="sng">
+                      <a:noFill/>
+                      <a:prstDash val="solid"/>
+                    </a:lnBlToTr>
+                    <a:solidFill>
+                      <a:schemeClr val="tx1">
+                        <a:lumMod val="65000"/>
+                        <a:lumOff val="35000"/>
+                      </a:schemeClr>
+                    </a:solidFill>
+                  </a:tcPr>
+                </a:tc>
+                <a:tc>
+                  <a:txBody>
+                    <a:bodyPr/>
+                    <a:lstStyle/>
+                    <a:p>
+                      <a:pPr algn="ctr"/>
+                      <a:r>
+                        <a:rPr lang="en-US" dirty="0" smtClean="0"/>
+                        <a:t>1.833e-1</a:t>
+                      </a:r>
+                      <a:endParaRPr lang="en-US" dirty="0"/>
+                    </a:p>
+                  </a:txBody>
+                  <a:tcPr>
+                    <a:lnL w="12700" cap="flat" cmpd="sng" algn="ctr">
+                      <a:solidFill>
+                        <a:schemeClr val="tx1"/>
+                      </a:solidFill>
+                      <a:prstDash val="solid"/>
+                      <a:round/>
+                      <a:headEnd type="none" w="med" len="med"/>
+                      <a:tailEnd type="none" w="med" len="med"/>
+                    </a:lnL>
+                    <a:lnR w="12700" cap="flat" cmpd="sng" algn="ctr">
+                      <a:solidFill>
+                        <a:schemeClr val="tx1"/>
+                      </a:solidFill>
+                      <a:prstDash val="solid"/>
+                      <a:round/>
+                      <a:headEnd type="none" w="med" len="med"/>
+                      <a:tailEnd type="none" w="med" len="med"/>
+                    </a:lnR>
+                    <a:lnT w="12700" cap="flat" cmpd="sng" algn="ctr">
+                      <a:solidFill>
+                        <a:schemeClr val="tx1"/>
+                      </a:solidFill>
+                      <a:prstDash val="solid"/>
+                      <a:round/>
+                      <a:headEnd type="none" w="med" len="med"/>
+                      <a:tailEnd type="none" w="med" len="med"/>
+                    </a:lnT>
+                    <a:lnB w="12700" cap="flat" cmpd="sng" algn="ctr">
+                      <a:solidFill>
+                        <a:schemeClr val="tx1"/>
+                      </a:solidFill>
+                      <a:prstDash val="solid"/>
+                      <a:round/>
+                      <a:headEnd type="none" w="med" len="med"/>
+                      <a:tailEnd type="none" w="med" len="med"/>
+                    </a:lnB>
+                    <a:lnTlToBr w="12700" cmpd="sng">
+                      <a:noFill/>
+                      <a:prstDash val="solid"/>
+                    </a:lnTlToBr>
+                    <a:lnBlToTr w="12700" cmpd="sng">
+                      <a:noFill/>
+                      <a:prstDash val="solid"/>
+                    </a:lnBlToTr>
+                  </a:tcPr>
+                </a:tc>
+                <a:tc>
+                  <a:txBody>
+                    <a:bodyPr/>
+                    <a:lstStyle/>
+                    <a:p>
+                      <a:pPr algn="ctr"/>
+                      <a:r>
+                        <a:rPr lang="en-US" dirty="0" smtClean="0"/>
+                        <a:t>3.97e-2</a:t>
+                      </a:r>
+                      <a:endParaRPr lang="en-US" dirty="0"/>
+                    </a:p>
+                  </a:txBody>
+                  <a:tcPr>
+                    <a:lnL w="12700" cap="flat" cmpd="sng" algn="ctr">
+                      <a:solidFill>
+                        <a:schemeClr val="tx1"/>
+                      </a:solidFill>
+                      <a:prstDash val="solid"/>
+                      <a:round/>
+                      <a:headEnd type="none" w="med" len="med"/>
+                      <a:tailEnd type="none" w="med" len="med"/>
+                    </a:lnL>
+                    <a:lnR w="12700" cap="flat" cmpd="sng" algn="ctr">
+                      <a:solidFill>
+                        <a:schemeClr val="tx1"/>
+                      </a:solidFill>
+                      <a:prstDash val="solid"/>
+                      <a:round/>
+                      <a:headEnd type="none" w="med" len="med"/>
+                      <a:tailEnd type="none" w="med" len="med"/>
+                    </a:lnR>
+                    <a:lnT w="12700" cap="flat" cmpd="sng" algn="ctr">
+                      <a:solidFill>
+                        <a:schemeClr val="tx1"/>
+                      </a:solidFill>
+                      <a:prstDash val="solid"/>
+                      <a:round/>
+                      <a:headEnd type="none" w="med" len="med"/>
+                      <a:tailEnd type="none" w="med" len="med"/>
+                    </a:lnT>
+                    <a:lnB w="12700" cap="flat" cmpd="sng" algn="ctr">
+                      <a:solidFill>
+                        <a:schemeClr val="tx1"/>
+                      </a:solidFill>
+                      <a:prstDash val="solid"/>
+                      <a:round/>
+                      <a:headEnd type="none" w="med" len="med"/>
+                      <a:tailEnd type="none" w="med" len="med"/>
+                    </a:lnB>
+                    <a:lnTlToBr w="12700" cmpd="sng">
+                      <a:noFill/>
+                      <a:prstDash val="solid"/>
+                    </a:lnTlToBr>
+                    <a:lnBlToTr w="12700" cmpd="sng">
+                      <a:noFill/>
+                      <a:prstDash val="solid"/>
+                    </a:lnBlToTr>
+                    <a:solidFill>
+                      <a:srgbClr val="FF0000"/>
+                    </a:solidFill>
+                  </a:tcPr>
+                </a:tc>
+                <a:tc>
+                  <a:txBody>
+                    <a:bodyPr/>
+                    <a:lstStyle/>
+                    <a:p>
+                      <a:pPr algn="ctr"/>
+                      <a:r>
+                        <a:rPr lang="en-US" dirty="0" smtClean="0"/>
+                        <a:t>1.124e-1</a:t>
+                      </a:r>
+                      <a:endParaRPr lang="en-US" dirty="0"/>
+                    </a:p>
+                  </a:txBody>
+                  <a:tcPr>
+                    <a:lnL w="12700" cap="flat" cmpd="sng" algn="ctr">
+                      <a:solidFill>
+                        <a:schemeClr val="tx1"/>
+                      </a:solidFill>
+                      <a:prstDash val="solid"/>
+                      <a:round/>
+                      <a:headEnd type="none" w="med" len="med"/>
+                      <a:tailEnd type="none" w="med" len="med"/>
+                    </a:lnL>
+                    <a:lnR w="12700" cap="flat" cmpd="sng" algn="ctr">
+                      <a:solidFill>
+                        <a:schemeClr val="tx1"/>
+                      </a:solidFill>
+                      <a:prstDash val="solid"/>
+                      <a:round/>
+                      <a:headEnd type="none" w="med" len="med"/>
+                      <a:tailEnd type="none" w="med" len="med"/>
+                    </a:lnR>
+                    <a:lnT w="12700" cap="flat" cmpd="sng" algn="ctr">
+                      <a:solidFill>
+                        <a:schemeClr val="tx1"/>
+                      </a:solidFill>
+                      <a:prstDash val="solid"/>
+                      <a:round/>
+                      <a:headEnd type="none" w="med" len="med"/>
+                      <a:tailEnd type="none" w="med" len="med"/>
+                    </a:lnT>
+                    <a:lnB w="12700" cap="flat" cmpd="sng" algn="ctr">
+                      <a:solidFill>
+                        <a:schemeClr val="tx1"/>
+                      </a:solidFill>
+                      <a:prstDash val="solid"/>
+                      <a:round/>
+                      <a:headEnd type="none" w="med" len="med"/>
+                      <a:tailEnd type="none" w="med" len="med"/>
+                    </a:lnB>
+                    <a:lnTlToBr w="12700" cmpd="sng">
+                      <a:noFill/>
+                      <a:prstDash val="solid"/>
+                    </a:lnTlToBr>
+                    <a:lnBlToTr w="12700" cmpd="sng">
+                      <a:noFill/>
+                      <a:prstDash val="solid"/>
+                    </a:lnBlToTr>
+                  </a:tcPr>
+                </a:tc>
+                <a:tc>
+                  <a:txBody>
+                    <a:bodyPr/>
+                    <a:lstStyle/>
+                    <a:p>
+                      <a:pPr algn="ctr"/>
+                      <a:r>
+                        <a:rPr lang="en-US" dirty="0" smtClean="0"/>
+                        <a:t>1.036e-2</a:t>
+                      </a:r>
+                      <a:endParaRPr lang="en-US" dirty="0"/>
+                    </a:p>
+                  </a:txBody>
+                  <a:tcPr>
+                    <a:lnL w="12700" cap="flat" cmpd="sng" algn="ctr">
+                      <a:solidFill>
+                        <a:schemeClr val="tx1"/>
+                      </a:solidFill>
+                      <a:prstDash val="solid"/>
+                      <a:round/>
+                      <a:headEnd type="none" w="med" len="med"/>
+                      <a:tailEnd type="none" w="med" len="med"/>
+                    </a:lnL>
+                    <a:lnR w="12700" cap="flat" cmpd="sng" algn="ctr">
+                      <a:solidFill>
+                        <a:schemeClr val="tx1"/>
+                      </a:solidFill>
+                      <a:prstDash val="solid"/>
+                      <a:round/>
+                      <a:headEnd type="none" w="med" len="med"/>
+                      <a:tailEnd type="none" w="med" len="med"/>
+                    </a:lnR>
+                    <a:lnT w="12700" cap="flat" cmpd="sng" algn="ctr">
+                      <a:solidFill>
+                        <a:schemeClr val="tx1"/>
+                      </a:solidFill>
+                      <a:prstDash val="solid"/>
+                      <a:round/>
+                      <a:headEnd type="none" w="med" len="med"/>
+                      <a:tailEnd type="none" w="med" len="med"/>
+                    </a:lnT>
+                    <a:lnB w="12700" cap="flat" cmpd="sng" algn="ctr">
+                      <a:solidFill>
+                        <a:schemeClr val="tx1"/>
+                      </a:solidFill>
+                      <a:prstDash val="solid"/>
+                      <a:round/>
+                      <a:headEnd type="none" w="med" len="med"/>
+                      <a:tailEnd type="none" w="med" len="med"/>
+                    </a:lnB>
+                    <a:lnTlToBr w="12700" cmpd="sng">
+                      <a:noFill/>
+                      <a:prstDash val="solid"/>
+                    </a:lnTlToBr>
+                    <a:lnBlToTr w="12700" cmpd="sng">
+                      <a:noFill/>
+                      <a:prstDash val="solid"/>
+                    </a:lnBlToTr>
+                    <a:solidFill>
+                      <a:srgbClr val="FF0000"/>
+                    </a:solidFill>
+                  </a:tcPr>
+                </a:tc>
+              </a:tr>
+              <a:tr h="440438">
+                <a:tc>
+                  <a:txBody>
+                    <a:bodyPr/>
+                    <a:lstStyle/>
+                    <a:p>
+                      <a:pPr algn="ctr"/>
+                      <a:r>
+                        <a:rPr lang="en-US" dirty="0" smtClean="0">
+                          <a:solidFill>
+                            <a:schemeClr val="bg1"/>
+                          </a:solidFill>
+                        </a:rPr>
+                        <a:t>1</a:t>
+                      </a:r>
+                      <a:endParaRPr lang="en-US" dirty="0">
+                        <a:solidFill>
+                          <a:schemeClr val="bg1"/>
+                        </a:solidFill>
+                      </a:endParaRPr>
+                    </a:p>
+                  </a:txBody>
+                  <a:tcPr>
+                    <a:lnL w="12700" cap="flat" cmpd="sng" algn="ctr">
+                      <a:solidFill>
+                        <a:schemeClr val="tx1"/>
+                      </a:solidFill>
+                      <a:prstDash val="solid"/>
+                      <a:round/>
+                      <a:headEnd type="none" w="med" len="med"/>
+                      <a:tailEnd type="none" w="med" len="med"/>
+                    </a:lnL>
+                    <a:lnR w="12700" cap="flat" cmpd="sng" algn="ctr">
+                      <a:solidFill>
+                        <a:schemeClr val="tx1"/>
+                      </a:solidFill>
+                      <a:prstDash val="solid"/>
+                      <a:round/>
+                      <a:headEnd type="none" w="med" len="med"/>
+                      <a:tailEnd type="none" w="med" len="med"/>
+                    </a:lnR>
+                    <a:lnT w="12700" cap="flat" cmpd="sng" algn="ctr">
+                      <a:solidFill>
+                        <a:schemeClr val="tx1"/>
+                      </a:solidFill>
+                      <a:prstDash val="solid"/>
+                      <a:round/>
+                      <a:headEnd type="none" w="med" len="med"/>
+                      <a:tailEnd type="none" w="med" len="med"/>
+                    </a:lnT>
+                    <a:lnB w="12700" cap="flat" cmpd="sng" algn="ctr">
+                      <a:solidFill>
+                        <a:schemeClr val="tx1"/>
+                      </a:solidFill>
+                      <a:prstDash val="solid"/>
+                      <a:round/>
+                      <a:headEnd type="none" w="med" len="med"/>
+                      <a:tailEnd type="none" w="med" len="med"/>
+                    </a:lnB>
+                    <a:lnTlToBr w="12700" cmpd="sng">
+                      <a:noFill/>
+                      <a:prstDash val="solid"/>
+                    </a:lnTlToBr>
+                    <a:lnBlToTr w="12700" cmpd="sng">
+                      <a:noFill/>
+                      <a:prstDash val="solid"/>
+                    </a:lnBlToTr>
+                    <a:solidFill>
+                      <a:schemeClr val="tx1">
+                        <a:lumMod val="65000"/>
+                        <a:lumOff val="35000"/>
+                      </a:schemeClr>
+                    </a:solidFill>
+                  </a:tcPr>
+                </a:tc>
+                <a:tc>
+                  <a:txBody>
+                    <a:bodyPr/>
+                    <a:lstStyle/>
+                    <a:p>
+                      <a:pPr algn="ctr"/>
+                      <a:endParaRPr lang="en-US" dirty="0"/>
+                    </a:p>
+                  </a:txBody>
+                  <a:tcPr>
+                    <a:lnL w="12700" cap="flat" cmpd="sng" algn="ctr">
+                      <a:solidFill>
+                        <a:schemeClr val="tx1"/>
+                      </a:solidFill>
+                      <a:prstDash val="solid"/>
+                      <a:round/>
+                      <a:headEnd type="none" w="med" len="med"/>
+                      <a:tailEnd type="none" w="med" len="med"/>
+                    </a:lnL>
+                    <a:lnR w="12700" cap="flat" cmpd="sng" algn="ctr">
+                      <a:solidFill>
+                        <a:schemeClr val="tx1"/>
+                      </a:solidFill>
+                      <a:prstDash val="solid"/>
+                      <a:round/>
+                      <a:headEnd type="none" w="med" len="med"/>
+                      <a:tailEnd type="none" w="med" len="med"/>
+                    </a:lnR>
+                    <a:lnT w="12700" cap="flat" cmpd="sng" algn="ctr">
+                      <a:solidFill>
+                        <a:schemeClr val="tx1"/>
+                      </a:solidFill>
+                      <a:prstDash val="solid"/>
+                      <a:round/>
+                      <a:headEnd type="none" w="med" len="med"/>
+                      <a:tailEnd type="none" w="med" len="med"/>
+                    </a:lnT>
+                    <a:lnB w="12700" cap="flat" cmpd="sng" algn="ctr">
+                      <a:solidFill>
+                        <a:schemeClr val="tx1"/>
+                      </a:solidFill>
+                      <a:prstDash val="solid"/>
+                      <a:round/>
+                      <a:headEnd type="none" w="med" len="med"/>
+                      <a:tailEnd type="none" w="med" len="med"/>
+                    </a:lnB>
+                    <a:lnTlToBr w="12700" cmpd="sng">
+                      <a:noFill/>
+                      <a:prstDash val="solid"/>
+                    </a:lnTlToBr>
+                    <a:lnBlToTr w="12700" cmpd="sng">
+                      <a:noFill/>
+                      <a:prstDash val="solid"/>
+                    </a:lnBlToTr>
+                  </a:tcPr>
+                </a:tc>
+                <a:tc>
+                  <a:txBody>
+                    <a:bodyPr/>
+                    <a:lstStyle/>
+                    <a:p>
+                      <a:pPr algn="ctr"/>
+                      <a:r>
+                        <a:rPr lang="en-US" dirty="0" smtClean="0"/>
+                        <a:t>6.059e-2</a:t>
+                      </a:r>
+                      <a:endParaRPr lang="en-US" dirty="0"/>
+                    </a:p>
+                  </a:txBody>
+                  <a:tcPr>
+                    <a:lnL w="12700" cap="flat" cmpd="sng" algn="ctr">
+                      <a:solidFill>
+                        <a:schemeClr val="tx1"/>
+                      </a:solidFill>
+                      <a:prstDash val="solid"/>
+                      <a:round/>
+                      <a:headEnd type="none" w="med" len="med"/>
+                      <a:tailEnd type="none" w="med" len="med"/>
+                    </a:lnL>
+                    <a:lnR w="12700" cap="flat" cmpd="sng" algn="ctr">
+                      <a:solidFill>
+                        <a:schemeClr val="tx1"/>
+                      </a:solidFill>
+                      <a:prstDash val="solid"/>
+                      <a:round/>
+                      <a:headEnd type="none" w="med" len="med"/>
+                      <a:tailEnd type="none" w="med" len="med"/>
+                    </a:lnR>
+                    <a:lnT w="12700" cap="flat" cmpd="sng" algn="ctr">
+                      <a:solidFill>
+                        <a:schemeClr val="tx1"/>
+                      </a:solidFill>
+                      <a:prstDash val="solid"/>
+                      <a:round/>
+                      <a:headEnd type="none" w="med" len="med"/>
+                      <a:tailEnd type="none" w="med" len="med"/>
+                    </a:lnT>
+                    <a:lnB w="12700" cap="flat" cmpd="sng" algn="ctr">
+                      <a:solidFill>
+                        <a:schemeClr val="tx1"/>
+                      </a:solidFill>
+                      <a:prstDash val="solid"/>
+                      <a:round/>
+                      <a:headEnd type="none" w="med" len="med"/>
+                      <a:tailEnd type="none" w="med" len="med"/>
+                    </a:lnB>
+                    <a:lnTlToBr w="12700" cmpd="sng">
+                      <a:noFill/>
+                      <a:prstDash val="solid"/>
+                    </a:lnTlToBr>
+                    <a:lnBlToTr w="12700" cmpd="sng">
+                      <a:noFill/>
+                      <a:prstDash val="solid"/>
+                    </a:lnBlToTr>
+                  </a:tcPr>
+                </a:tc>
+                <a:tc>
+                  <a:txBody>
+                    <a:bodyPr/>
+                    <a:lstStyle/>
+                    <a:p>
+                      <a:pPr algn="ctr"/>
+                      <a:r>
+                        <a:rPr lang="en-US" dirty="0" smtClean="0"/>
+                        <a:t>2.942e-1</a:t>
+                      </a:r>
+                      <a:endParaRPr lang="en-US" dirty="0"/>
+                    </a:p>
+                  </a:txBody>
+                  <a:tcPr>
+                    <a:lnL w="12700" cap="flat" cmpd="sng" algn="ctr">
+                      <a:solidFill>
+                        <a:schemeClr val="tx1"/>
+                      </a:solidFill>
+                      <a:prstDash val="solid"/>
+                      <a:round/>
+                      <a:headEnd type="none" w="med" len="med"/>
+                      <a:tailEnd type="none" w="med" len="med"/>
+                    </a:lnL>
+                    <a:lnR w="12700" cap="flat" cmpd="sng" algn="ctr">
+                      <a:solidFill>
+                        <a:schemeClr val="tx1"/>
+                      </a:solidFill>
+                      <a:prstDash val="solid"/>
+                      <a:round/>
+                      <a:headEnd type="none" w="med" len="med"/>
+                      <a:tailEnd type="none" w="med" len="med"/>
+                    </a:lnR>
+                    <a:lnT w="12700" cap="flat" cmpd="sng" algn="ctr">
+                      <a:solidFill>
+                        <a:schemeClr val="tx1"/>
+                      </a:solidFill>
+                      <a:prstDash val="solid"/>
+                      <a:round/>
+                      <a:headEnd type="none" w="med" len="med"/>
+                      <a:tailEnd type="none" w="med" len="med"/>
+                    </a:lnT>
+                    <a:lnB w="12700" cap="flat" cmpd="sng" algn="ctr">
+                      <a:solidFill>
+                        <a:schemeClr val="tx1"/>
+                      </a:solidFill>
+                      <a:prstDash val="solid"/>
+                      <a:round/>
+                      <a:headEnd type="none" w="med" len="med"/>
+                      <a:tailEnd type="none" w="med" len="med"/>
+                    </a:lnB>
+                    <a:lnTlToBr w="12700" cmpd="sng">
+                      <a:noFill/>
+                      <a:prstDash val="solid"/>
+                    </a:lnTlToBr>
+                    <a:lnBlToTr w="12700" cmpd="sng">
+                      <a:noFill/>
+                      <a:prstDash val="solid"/>
+                    </a:lnBlToTr>
+                  </a:tcPr>
+                </a:tc>
+                <a:tc>
+                  <a:txBody>
+                    <a:bodyPr/>
+                    <a:lstStyle/>
+                    <a:p>
+                      <a:pPr algn="ctr"/>
+                      <a:r>
+                        <a:rPr lang="en-US" dirty="0" smtClean="0"/>
+                        <a:t>1.057e-1</a:t>
+                      </a:r>
+                      <a:endParaRPr lang="en-US" dirty="0"/>
+                    </a:p>
+                  </a:txBody>
+                  <a:tcPr>
+                    <a:lnL w="12700" cap="flat" cmpd="sng" algn="ctr">
+                      <a:solidFill>
+                        <a:schemeClr val="tx1"/>
+                      </a:solidFill>
+                      <a:prstDash val="solid"/>
+                      <a:round/>
+                      <a:headEnd type="none" w="med" len="med"/>
+                      <a:tailEnd type="none" w="med" len="med"/>
+                    </a:lnL>
+                    <a:lnR w="12700" cap="flat" cmpd="sng" algn="ctr">
+                      <a:solidFill>
+                        <a:schemeClr val="tx1"/>
+                      </a:solidFill>
+                      <a:prstDash val="solid"/>
+                      <a:round/>
+                      <a:headEnd type="none" w="med" len="med"/>
+                      <a:tailEnd type="none" w="med" len="med"/>
+                    </a:lnR>
+                    <a:lnT w="12700" cap="flat" cmpd="sng" algn="ctr">
+                      <a:solidFill>
+                        <a:schemeClr val="tx1"/>
+                      </a:solidFill>
+                      <a:prstDash val="solid"/>
+                      <a:round/>
+                      <a:headEnd type="none" w="med" len="med"/>
+                      <a:tailEnd type="none" w="med" len="med"/>
+                    </a:lnT>
+                    <a:lnB w="12700" cap="flat" cmpd="sng" algn="ctr">
+                      <a:solidFill>
+                        <a:schemeClr val="tx1"/>
+                      </a:solidFill>
+                      <a:prstDash val="solid"/>
+                      <a:round/>
+                      <a:headEnd type="none" w="med" len="med"/>
+                      <a:tailEnd type="none" w="med" len="med"/>
+                    </a:lnB>
+                    <a:lnTlToBr w="12700" cmpd="sng">
+                      <a:noFill/>
+                      <a:prstDash val="solid"/>
+                    </a:lnTlToBr>
+                    <a:lnBlToTr w="12700" cmpd="sng">
+                      <a:noFill/>
+                      <a:prstDash val="solid"/>
+                    </a:lnBlToTr>
+                  </a:tcPr>
+                </a:tc>
+              </a:tr>
+              <a:tr h="440438">
+                <a:tc>
+                  <a:txBody>
+                    <a:bodyPr/>
+                    <a:lstStyle/>
+                    <a:p>
+                      <a:pPr algn="ctr"/>
+                      <a:r>
+                        <a:rPr lang="en-US" dirty="0" smtClean="0">
+                          <a:solidFill>
+                            <a:schemeClr val="bg1"/>
+                          </a:solidFill>
+                        </a:rPr>
+                        <a:t>0</a:t>
+                      </a:r>
+                      <a:endParaRPr lang="en-US" dirty="0">
+                        <a:solidFill>
+                          <a:schemeClr val="bg1"/>
+                        </a:solidFill>
+                      </a:endParaRPr>
+                    </a:p>
+                  </a:txBody>
+                  <a:tcPr>
+                    <a:lnL w="12700" cap="flat" cmpd="sng" algn="ctr">
+                      <a:solidFill>
+                        <a:schemeClr val="tx1"/>
+                      </a:solidFill>
+                      <a:prstDash val="solid"/>
+                      <a:round/>
+                      <a:headEnd type="none" w="med" len="med"/>
+                      <a:tailEnd type="none" w="med" len="med"/>
+                    </a:lnL>
+                    <a:lnR w="12700" cap="flat" cmpd="sng" algn="ctr">
+                      <a:solidFill>
+                        <a:schemeClr val="tx1"/>
+                      </a:solidFill>
+                      <a:prstDash val="solid"/>
+                      <a:round/>
+                      <a:headEnd type="none" w="med" len="med"/>
+                      <a:tailEnd type="none" w="med" len="med"/>
+                    </a:lnR>
+                    <a:lnT w="12700" cap="flat" cmpd="sng" algn="ctr">
+                      <a:solidFill>
+                        <a:schemeClr val="tx1"/>
+                      </a:solidFill>
+                      <a:prstDash val="solid"/>
+                      <a:round/>
+                      <a:headEnd type="none" w="med" len="med"/>
+                      <a:tailEnd type="none" w="med" len="med"/>
+                    </a:lnT>
+                    <a:lnB w="12700" cap="flat" cmpd="sng" algn="ctr">
+                      <a:solidFill>
+                        <a:schemeClr val="tx1"/>
+                      </a:solidFill>
+                      <a:prstDash val="solid"/>
+                      <a:round/>
+                      <a:headEnd type="none" w="med" len="med"/>
+                      <a:tailEnd type="none" w="med" len="med"/>
+                    </a:lnB>
+                    <a:lnTlToBr w="12700" cmpd="sng">
+                      <a:noFill/>
+                      <a:prstDash val="solid"/>
+                    </a:lnTlToBr>
+                    <a:lnBlToTr w="12700" cmpd="sng">
+                      <a:noFill/>
+                      <a:prstDash val="solid"/>
+                    </a:lnBlToTr>
+                    <a:solidFill>
+                      <a:schemeClr val="tx1">
+                        <a:lumMod val="65000"/>
+                        <a:lumOff val="35000"/>
+                      </a:schemeClr>
+                    </a:solidFill>
+                  </a:tcPr>
+                </a:tc>
+                <a:tc>
+                  <a:txBody>
+                    <a:bodyPr/>
+                    <a:lstStyle/>
+                    <a:p>
+                      <a:pPr algn="ctr"/>
+                      <a:r>
+                        <a:rPr lang="en-US" dirty="0" smtClean="0"/>
+                        <a:t>2.456e-1</a:t>
+                      </a:r>
+                      <a:endParaRPr lang="en-US" dirty="0"/>
+                    </a:p>
+                  </a:txBody>
+                  <a:tcPr>
+                    <a:lnL w="12700" cap="flat" cmpd="sng" algn="ctr">
+                      <a:solidFill>
+                        <a:schemeClr val="tx1"/>
+                      </a:solidFill>
+                      <a:prstDash val="solid"/>
+                      <a:round/>
+                      <a:headEnd type="none" w="med" len="med"/>
+                      <a:tailEnd type="none" w="med" len="med"/>
+                    </a:lnL>
+                    <a:lnR w="12700" cap="flat" cmpd="sng" algn="ctr">
+                      <a:solidFill>
+                        <a:schemeClr val="tx1"/>
+                      </a:solidFill>
+                      <a:prstDash val="solid"/>
+                      <a:round/>
+                      <a:headEnd type="none" w="med" len="med"/>
+                      <a:tailEnd type="none" w="med" len="med"/>
+                    </a:lnR>
+                    <a:lnT w="12700" cap="flat" cmpd="sng" algn="ctr">
+                      <a:solidFill>
+                        <a:schemeClr val="tx1"/>
+                      </a:solidFill>
+                      <a:prstDash val="solid"/>
+                      <a:round/>
+                      <a:headEnd type="none" w="med" len="med"/>
+                      <a:tailEnd type="none" w="med" len="med"/>
+                    </a:lnT>
+                    <a:lnB w="12700" cap="flat" cmpd="sng" algn="ctr">
+                      <a:solidFill>
+                        <a:schemeClr val="tx1"/>
+                      </a:solidFill>
+                      <a:prstDash val="solid"/>
+                      <a:round/>
+                      <a:headEnd type="none" w="med" len="med"/>
+                      <a:tailEnd type="none" w="med" len="med"/>
+                    </a:lnB>
+                    <a:lnTlToBr w="12700" cmpd="sng">
+                      <a:noFill/>
+                      <a:prstDash val="solid"/>
+                    </a:lnTlToBr>
+                    <a:lnBlToTr w="12700" cmpd="sng">
+                      <a:noFill/>
+                      <a:prstDash val="solid"/>
+                    </a:lnBlToTr>
+                  </a:tcPr>
+                </a:tc>
+                <a:tc>
+                  <a:txBody>
+                    <a:bodyPr/>
+                    <a:lstStyle/>
+                    <a:p>
+                      <a:pPr algn="ctr"/>
+                      <a:r>
+                        <a:rPr lang="en-US" dirty="0" smtClean="0"/>
+                        <a:t>8.399e-2</a:t>
+                      </a:r>
+                      <a:endParaRPr lang="en-US" dirty="0"/>
+                    </a:p>
+                  </a:txBody>
+                  <a:tcPr>
+                    <a:lnL w="12700" cap="flat" cmpd="sng" algn="ctr">
+                      <a:solidFill>
+                        <a:schemeClr val="tx1"/>
+                      </a:solidFill>
+                      <a:prstDash val="solid"/>
+                      <a:round/>
+                      <a:headEnd type="none" w="med" len="med"/>
+                      <a:tailEnd type="none" w="med" len="med"/>
+                    </a:lnL>
+                    <a:lnR w="12700" cap="flat" cmpd="sng" algn="ctr">
+                      <a:solidFill>
+                        <a:schemeClr val="tx1"/>
+                      </a:solidFill>
+                      <a:prstDash val="solid"/>
+                      <a:round/>
+                      <a:headEnd type="none" w="med" len="med"/>
+                      <a:tailEnd type="none" w="med" len="med"/>
+                    </a:lnR>
+                    <a:lnT w="12700" cap="flat" cmpd="sng" algn="ctr">
+                      <a:solidFill>
+                        <a:schemeClr val="tx1"/>
+                      </a:solidFill>
+                      <a:prstDash val="solid"/>
+                      <a:round/>
+                      <a:headEnd type="none" w="med" len="med"/>
+                      <a:tailEnd type="none" w="med" len="med"/>
+                    </a:lnT>
+                    <a:lnB w="12700" cap="flat" cmpd="sng" algn="ctr">
+                      <a:solidFill>
+                        <a:schemeClr val="tx1"/>
+                      </a:solidFill>
+                      <a:prstDash val="solid"/>
+                      <a:round/>
+                      <a:headEnd type="none" w="med" len="med"/>
+                      <a:tailEnd type="none" w="med" len="med"/>
+                    </a:lnB>
+                    <a:lnTlToBr w="12700" cmpd="sng">
+                      <a:noFill/>
+                      <a:prstDash val="solid"/>
+                    </a:lnTlToBr>
+                    <a:lnBlToTr w="12700" cmpd="sng">
+                      <a:noFill/>
+                      <a:prstDash val="solid"/>
+                    </a:lnBlToTr>
+                  </a:tcPr>
+                </a:tc>
+                <a:tc>
+                  <a:txBody>
+                    <a:bodyPr/>
+                    <a:lstStyle/>
+                    <a:p>
+                      <a:pPr algn="ctr"/>
+                      <a:r>
+                        <a:rPr lang="en-US" dirty="0" smtClean="0"/>
+                        <a:t>3.974e-1</a:t>
+                      </a:r>
+                      <a:endParaRPr lang="en-US" dirty="0"/>
+                    </a:p>
+                  </a:txBody>
+                  <a:tcPr>
+                    <a:lnL w="12700" cap="flat" cmpd="sng" algn="ctr">
+                      <a:solidFill>
+                        <a:schemeClr val="tx1"/>
+                      </a:solidFill>
+                      <a:prstDash val="solid"/>
+                      <a:round/>
+                      <a:headEnd type="none" w="med" len="med"/>
+                      <a:tailEnd type="none" w="med" len="med"/>
+                    </a:lnL>
+                    <a:lnR w="12700" cap="flat" cmpd="sng" algn="ctr">
+                      <a:solidFill>
+                        <a:schemeClr val="tx1"/>
+                      </a:solidFill>
+                      <a:prstDash val="solid"/>
+                      <a:round/>
+                      <a:headEnd type="none" w="med" len="med"/>
+                      <a:tailEnd type="none" w="med" len="med"/>
+                    </a:lnR>
+                    <a:lnT w="12700" cap="flat" cmpd="sng" algn="ctr">
+                      <a:solidFill>
+                        <a:schemeClr val="tx1"/>
+                      </a:solidFill>
+                      <a:prstDash val="solid"/>
+                      <a:round/>
+                      <a:headEnd type="none" w="med" len="med"/>
+                      <a:tailEnd type="none" w="med" len="med"/>
+                    </a:lnT>
+                    <a:lnB w="12700" cap="flat" cmpd="sng" algn="ctr">
+                      <a:solidFill>
+                        <a:schemeClr val="tx1"/>
+                      </a:solidFill>
+                      <a:prstDash val="solid"/>
+                      <a:round/>
+                      <a:headEnd type="none" w="med" len="med"/>
+                      <a:tailEnd type="none" w="med" len="med"/>
+                    </a:lnB>
+                    <a:lnTlToBr w="12700" cmpd="sng">
+                      <a:noFill/>
+                      <a:prstDash val="solid"/>
+                    </a:lnTlToBr>
+                    <a:lnBlToTr w="12700" cmpd="sng">
+                      <a:noFill/>
+                      <a:prstDash val="solid"/>
+                    </a:lnBlToTr>
+                  </a:tcPr>
+                </a:tc>
+                <a:tc>
+                  <a:txBody>
+                    <a:bodyPr/>
+                    <a:lstStyle/>
+                    <a:p>
+                      <a:pPr algn="ctr"/>
+                      <a:r>
+                        <a:rPr lang="en-US" dirty="0" smtClean="0"/>
+                        <a:t>2.802e-1</a:t>
+                      </a:r>
+                      <a:endParaRPr lang="en-US" dirty="0"/>
+                    </a:p>
+                  </a:txBody>
+                  <a:tcPr>
+                    <a:lnL w="12700" cap="flat" cmpd="sng" algn="ctr">
+                      <a:solidFill>
+                        <a:schemeClr val="tx1"/>
+                      </a:solidFill>
+                      <a:prstDash val="solid"/>
+                      <a:round/>
+                      <a:headEnd type="none" w="med" len="med"/>
+                      <a:tailEnd type="none" w="med" len="med"/>
+                    </a:lnL>
+                    <a:lnR w="12700" cap="flat" cmpd="sng" algn="ctr">
+                      <a:solidFill>
+                        <a:schemeClr val="tx1"/>
+                      </a:solidFill>
+                      <a:prstDash val="solid"/>
+                      <a:round/>
+                      <a:headEnd type="none" w="med" len="med"/>
+                      <a:tailEnd type="none" w="med" len="med"/>
+                    </a:lnR>
+                    <a:lnT w="12700" cap="flat" cmpd="sng" algn="ctr">
+                      <a:solidFill>
+                        <a:schemeClr val="tx1"/>
+                      </a:solidFill>
+                      <a:prstDash val="solid"/>
+                      <a:round/>
+                      <a:headEnd type="none" w="med" len="med"/>
+                      <a:tailEnd type="none" w="med" len="med"/>
+                    </a:lnT>
+                    <a:lnB w="12700" cap="flat" cmpd="sng" algn="ctr">
+                      <a:solidFill>
+                        <a:schemeClr val="tx1"/>
+                      </a:solidFill>
+                      <a:prstDash val="solid"/>
+                      <a:round/>
+                      <a:headEnd type="none" w="med" len="med"/>
+                      <a:tailEnd type="none" w="med" len="med"/>
+                    </a:lnB>
+                    <a:lnTlToBr w="12700" cmpd="sng">
+                      <a:noFill/>
+                      <a:prstDash val="solid"/>
+                    </a:lnTlToBr>
+                    <a:lnBlToTr w="12700" cmpd="sng">
+                      <a:noFill/>
+                      <a:prstDash val="solid"/>
+                    </a:lnBlToTr>
+                  </a:tcPr>
+                </a:tc>
+              </a:tr>
+            </a:tbl>
+          </a:graphicData>
+        </a:graphic>
+      </p:graphicFrame>
+    </p:spTree>
+    <p:extLst>
+      <p:ext uri="{BB962C8B-B14F-4D97-AF65-F5344CB8AC3E}">
+        <p14:creationId xmlns:p14="http://schemas.microsoft.com/office/powerpoint/2010/main" val="2167036066"/>
+      </p:ext>
+    </p:extLst>
+  </p:cSld>
+  <p:clrMapOvr>
+    <a:masterClrMapping/>
+  </p:clrMapOvr>
+</p:sld>
+</file>
+
+<file path=ppt/slides/slide8.xml><?xml version="1.0" encoding="utf-8"?>
+<p:sld xmlns:a="http://schemas.openxmlformats.org/drawingml/2006/main" xmlns:r="http://schemas.openxmlformats.org/officeDocument/2006/relationships" xmlns:p="http://schemas.openxmlformats.org/presentationml/2006/main">
+  <p:cSld>
+    <p:spTree>
+      <p:nvGrpSpPr>
+        <p:cNvPr id="1" name=""/>
+        <p:cNvGrpSpPr/>
+        <p:nvPr/>
+      </p:nvGrpSpPr>
+      <p:grpSpPr>
+        <a:xfrm>
+          <a:off x="0" y="0"/>
+          <a:ext cx="0" cy="0"/>
+          <a:chOff x="0" y="0"/>
+          <a:chExt cx="0" cy="0"/>
+        </a:xfrm>
+      </p:grpSpPr>
+      <p:pic>
+        <p:nvPicPr>
+          <p:cNvPr id="5" name="Picture 4"/>
+          <p:cNvPicPr>
+            <a:picLocks noChangeAspect="1"/>
+          </p:cNvPicPr>
+          <p:nvPr/>
+        </p:nvPicPr>
+        <p:blipFill rotWithShape="1">
+          <a:blip r:embed="rId2"/>
+          <a:srcRect l="16791" t="29381" r="3512" b="11341"/>
+          <a:stretch/>
+        </p:blipFill>
+        <p:spPr>
+          <a:xfrm>
+            <a:off x="1264920" y="2164616"/>
+            <a:ext cx="10242451" cy="4283207"/>
+          </a:xfrm>
+          <a:prstGeom prst="rect">
+            <a:avLst/>
+          </a:prstGeom>
+        </p:spPr>
+      </p:pic>
+      <p:sp>
+        <p:nvSpPr>
+          <p:cNvPr id="6" name="TextBox 5"/>
+          <p:cNvSpPr txBox="1"/>
+          <p:nvPr/>
+        </p:nvSpPr>
+        <p:spPr>
+          <a:xfrm>
+            <a:off x="579120" y="533400"/>
+            <a:ext cx="11323320" cy="1631216"/>
+          </a:xfrm>
+          <a:prstGeom prst="rect">
+            <a:avLst/>
+          </a:prstGeom>
+          <a:noFill/>
+        </p:spPr>
+        <p:txBody>
+          <a:bodyPr wrap="square" rtlCol="0">
+            <a:spAutoFit/>
+          </a:bodyPr>
+          <a:lstStyle/>
+          <a:p>
+            <a:pPr algn="ctr"/>
+            <a:r>
+              <a:rPr lang="en-US" sz="4400" dirty="0" smtClean="0">
+                <a:latin typeface="Calibri Light" panose="020F0302020204030204" pitchFamily="34" charset="0"/>
+                <a:cs typeface="Times New Roman" panose="02020603050405020304" pitchFamily="18" charset="0"/>
+              </a:rPr>
+              <a:t>Current Progress</a:t>
+            </a:r>
+          </a:p>
+          <a:p>
+            <a:endParaRPr lang="en-US" sz="3200" dirty="0">
+              <a:latin typeface="Times New Roman" panose="02020603050405020304" pitchFamily="18" charset="0"/>
+              <a:cs typeface="Times New Roman" panose="02020603050405020304" pitchFamily="18" charset="0"/>
+            </a:endParaRPr>
+          </a:p>
+          <a:p>
+            <a:r>
+              <a:rPr lang="en-US" sz="2400" b="1" dirty="0" smtClean="0">
+                <a:latin typeface="Calibri Light" panose="020F0302020204030204" pitchFamily="34" charset="0"/>
+                <a:cs typeface="Times New Roman" panose="02020603050405020304" pitchFamily="18" charset="0"/>
+              </a:rPr>
+              <a:t>Simulink Model of BPSK Modem</a:t>
+            </a:r>
+            <a:endParaRPr lang="en-US" sz="2400" b="1" dirty="0">
+              <a:latin typeface="Calibri Light" panose="020F0302020204030204" pitchFamily="34" charset="0"/>
+              <a:cs typeface="Times New Roman" panose="02020603050405020304" pitchFamily="18" charset="0"/>
+            </a:endParaRPr>
+          </a:p>
+        </p:txBody>
+      </p:sp>
+    </p:spTree>
+    <p:extLst>
+      <p:ext uri="{BB962C8B-B14F-4D97-AF65-F5344CB8AC3E}">
+        <p14:creationId xmlns:p14="http://schemas.microsoft.com/office/powerpoint/2010/main" val="1133992143"/>
+      </p:ext>
+    </p:extLst>
+  </p:cSld>
+  <p:clrMapOvr>
+    <a:masterClrMapping/>
+  </p:clrMapOvr>
+  <p:timing>
+    <p:tnLst>
+      <p:par>
+        <p:cTn id="1" dur="indefinite" restart="never" nodeType="tmRoot"/>
+      </p:par>
+    </p:tnLst>
+  </p:timing>
+</p:sld>
+</file>
+
+<file path=ppt/slides/slide9.xml><?xml version="1.0" encoding="utf-8"?>
+<p:sld xmlns:a="http://schemas.openxmlformats.org/drawingml/2006/main" xmlns:r="http://schemas.openxmlformats.org/officeDocument/2006/relationships" xmlns:p="http://schemas.openxmlformats.org/presentationml/2006/main">
+  <p:cSld>
+    <p:spTree>
+      <p:nvGrpSpPr>
+        <p:cNvPr id="1" name=""/>
+        <p:cNvGrpSpPr/>
+        <p:nvPr/>
+      </p:nvGrpSpPr>
+      <p:grpSpPr>
+        <a:xfrm>
+          <a:off x="0" y="0"/>
+          <a:ext cx="0" cy="0"/>
+          <a:chOff x="0" y="0"/>
+          <a:chExt cx="0" cy="0"/>
+        </a:xfrm>
+      </p:grpSpPr>
+      <p:sp>
+        <p:nvSpPr>
+          <p:cNvPr id="7" name="TextBox 6"/>
+          <p:cNvSpPr txBox="1"/>
+          <p:nvPr/>
+        </p:nvSpPr>
+        <p:spPr>
+          <a:xfrm>
+            <a:off x="403860" y="533400"/>
+            <a:ext cx="11323320" cy="769441"/>
+          </a:xfrm>
+          <a:prstGeom prst="rect">
+            <a:avLst/>
+          </a:prstGeom>
+          <a:noFill/>
+        </p:spPr>
+        <p:txBody>
+          <a:bodyPr wrap="square" rtlCol="0">
+            <a:spAutoFit/>
+          </a:bodyPr>
+          <a:lstStyle/>
+          <a:p>
+            <a:pPr algn="ctr"/>
+            <a:r>
+              <a:rPr lang="en-US" sz="4400" dirty="0" smtClean="0">
+                <a:latin typeface="+mj-lt"/>
+                <a:cs typeface="Times New Roman" panose="02020603050405020304" pitchFamily="18" charset="0"/>
+              </a:rPr>
+              <a:t>Current Progress</a:t>
+            </a:r>
+            <a:endParaRPr lang="en-US" sz="4400" dirty="0">
+              <a:latin typeface="+mj-lt"/>
+              <a:cs typeface="Times New Roman" panose="02020603050405020304" pitchFamily="18" charset="0"/>
+            </a:endParaRPr>
+          </a:p>
+        </p:txBody>
+      </p:sp>
+      <p:graphicFrame>
+        <p:nvGraphicFramePr>
+          <p:cNvPr id="10" name="Chart 9"/>
+          <p:cNvGraphicFramePr/>
+          <p:nvPr>
+            <p:extLst>
+              <p:ext uri="{D42A27DB-BD31-4B8C-83A1-F6EECF244321}">
+                <p14:modId xmlns:p14="http://schemas.microsoft.com/office/powerpoint/2010/main" val="320845795"/>
+              </p:ext>
+            </p:extLst>
+          </p:nvPr>
+        </p:nvGraphicFramePr>
+        <p:xfrm>
+          <a:off x="1291883" y="1575582"/>
+          <a:ext cx="9547274" cy="4909624"/>
+        </p:xfrm>
+        <a:graphic>
+          <a:graphicData uri="http://schemas.openxmlformats.org/drawingml/2006/chart">
+            <c:chart xmlns:c="http://schemas.openxmlformats.org/drawingml/2006/chart" xmlns:r="http://schemas.openxmlformats.org/officeDocument/2006/relationships" r:id="rId2"/>
+          </a:graphicData>
+        </a:graphic>
+      </p:graphicFrame>
+    </p:spTree>
+    <p:extLst>
+      <p:ext uri="{BB962C8B-B14F-4D97-AF65-F5344CB8AC3E}">
+        <p14:creationId xmlns:p14="http://schemas.microsoft.com/office/powerpoint/2010/main" val="39468784"/>
+      </p:ext>
+    </p:extLst>
+  </p:cSld>
+  <p:clrMapOvr>
+    <a:masterClrMapping/>
+  </p:clrMapOvr>
+  <p:timing>
+    <p:tnLst>
+      <p:par>
+        <p:cTn id="1" dur="indefinite" restart="never" nodeType="tmRoot"/>
+      </p:par>
+    </p:tnLst>
+  </p:timing>
 </p:sld>
 </file>
 
@@ -4274,4 +12069,526 @@
     </a:ext>
   </a:extLst>
 </a:theme>
+</file>
+
+<file path=ppt/theme/theme2.xml><?xml version="1.0" encoding="utf-8"?>
+<a:theme xmlns:a="http://schemas.openxmlformats.org/drawingml/2006/main" name="Office Theme">
+  <a:themeElements>
+    <a:clrScheme name="Office">
+      <a:dk1>
+        <a:sysClr val="windowText" lastClr="000000"/>
+      </a:dk1>
+      <a:lt1>
+        <a:sysClr val="window" lastClr="FFFFFF"/>
+      </a:lt1>
+      <a:dk2>
+        <a:srgbClr val="44546A"/>
+      </a:dk2>
+      <a:lt2>
+        <a:srgbClr val="E7E6E6"/>
+      </a:lt2>
+      <a:accent1>
+        <a:srgbClr val="5B9BD5"/>
+      </a:accent1>
+      <a:accent2>
+        <a:srgbClr val="ED7D31"/>
+      </a:accent2>
+      <a:accent3>
+        <a:srgbClr val="A5A5A5"/>
+      </a:accent3>
+      <a:accent4>
+        <a:srgbClr val="FFC000"/>
+      </a:accent4>
+      <a:accent5>
+        <a:srgbClr val="4472C4"/>
+      </a:accent5>
+      <a:accent6>
+        <a:srgbClr val="70AD47"/>
+      </a:accent6>
+      <a:hlink>
+        <a:srgbClr val="0563C1"/>
+      </a:hlink>
+      <a:folHlink>
+        <a:srgbClr val="954F72"/>
+      </a:folHlink>
+    </a:clrScheme>
+    <a:fontScheme name="Office">
+      <a:majorFont>
+        <a:latin typeface="Calibri Light" panose="020F0302020204030204"/>
+        <a:ea typeface=""/>
+        <a:cs typeface=""/>
+        <a:font script="Jpan" typeface="ＭＳ Ｐゴシック"/>
+        <a:font script="Hang" typeface="맑은 고딕"/>
+        <a:font script="Hans" typeface="宋体"/>
+        <a:font script="Hant" typeface="新細明體"/>
+        <a:font script="Arab" typeface="Times New Roman"/>
+        <a:font script="Hebr" typeface="Times New Roman"/>
+        <a:font script="Thai" typeface="Angsana New"/>
+        <a:font script="Ethi" typeface="Nyala"/>
+        <a:font script="Beng" typeface="Vrinda"/>
+        <a:font script="Gujr" typeface="Shruti"/>
+        <a:font script="Khmr" typeface="MoolBoran"/>
+        <a:font script="Knda" typeface="Tunga"/>
+        <a:font script="Guru" typeface="Raavi"/>
+        <a:font script="Cans" typeface="Euphemia"/>
+        <a:font script="Cher" typeface="Plantagenet Cherokee"/>
+        <a:font script="Yiii" typeface="Microsoft Yi Baiti"/>
+        <a:font script="Tibt" typeface="Microsoft Himalaya"/>
+        <a:font script="Thaa" typeface="MV Boli"/>
+        <a:font script="Deva" typeface="Mangal"/>
+        <a:font script="Telu" typeface="Gautami"/>
+        <a:font script="Taml" typeface="Latha"/>
+        <a:font script="Syrc" typeface="Estrangelo Edessa"/>
+        <a:font script="Orya" typeface="Kalinga"/>
+        <a:font script="Mlym" typeface="Kartika"/>
+        <a:font script="Laoo" typeface="DokChampa"/>
+        <a:font script="Sinh" typeface="Iskoola Pota"/>
+        <a:font script="Mong" typeface="Mongolian Baiti"/>
+        <a:font script="Viet" typeface="Times New Roman"/>
+        <a:font script="Uigh" typeface="Microsoft Uighur"/>
+        <a:font script="Geor" typeface="Sylfaen"/>
+      </a:majorFont>
+      <a:minorFont>
+        <a:latin typeface="Calibri" panose="020F0502020204030204"/>
+        <a:ea typeface=""/>
+        <a:cs typeface=""/>
+        <a:font script="Jpan" typeface="ＭＳ Ｐゴシック"/>
+        <a:font script="Hang" typeface="맑은 고딕"/>
+        <a:font script="Hans" typeface="宋体"/>
+        <a:font script="Hant" typeface="新細明體"/>
+        <a:font script="Arab" typeface="Arial"/>
+        <a:font script="Hebr" typeface="Arial"/>
+        <a:font script="Thai" typeface="Cordia New"/>
+        <a:font script="Ethi" typeface="Nyala"/>
+        <a:font script="Beng" typeface="Vrinda"/>
+        <a:font script="Gujr" typeface="Shruti"/>
+        <a:font script="Khmr" typeface="DaunPenh"/>
+        <a:font script="Knda" typeface="Tunga"/>
+        <a:font script="Guru" typeface="Raavi"/>
+        <a:font script="Cans" typeface="Euphemia"/>
+        <a:font script="Cher" typeface="Plantagenet Cherokee"/>
+        <a:font script="Yiii" typeface="Microsoft Yi Baiti"/>
+        <a:font script="Tibt" typeface="Microsoft Himalaya"/>
+        <a:font script="Thaa" typeface="MV Boli"/>
+        <a:font script="Deva" typeface="Mangal"/>
+        <a:font script="Telu" typeface="Gautami"/>
+        <a:font script="Taml" typeface="Latha"/>
+        <a:font script="Syrc" typeface="Estrangelo Edessa"/>
+        <a:font script="Orya" typeface="Kalinga"/>
+        <a:font script="Mlym" typeface="Kartika"/>
+        <a:font script="Laoo" typeface="DokChampa"/>
+        <a:font script="Sinh" typeface="Iskoola Pota"/>
+        <a:font script="Mong" typeface="Mongolian Baiti"/>
+        <a:font script="Viet" typeface="Arial"/>
+        <a:font script="Uigh" typeface="Microsoft Uighur"/>
+        <a:font script="Geor" typeface="Sylfaen"/>
+      </a:minorFont>
+    </a:fontScheme>
+    <a:fmtScheme name="Office">
+      <a:fillStyleLst>
+        <a:solidFill>
+          <a:schemeClr val="phClr"/>
+        </a:solidFill>
+        <a:gradFill rotWithShape="1">
+          <a:gsLst>
+            <a:gs pos="0">
+              <a:schemeClr val="phClr">
+                <a:lumMod val="110000"/>
+                <a:satMod val="105000"/>
+                <a:tint val="67000"/>
+              </a:schemeClr>
+            </a:gs>
+            <a:gs pos="50000">
+              <a:schemeClr val="phClr">
+                <a:lumMod val="105000"/>
+                <a:satMod val="103000"/>
+                <a:tint val="73000"/>
+              </a:schemeClr>
+            </a:gs>
+            <a:gs pos="100000">
+              <a:schemeClr val="phClr">
+                <a:lumMod val="105000"/>
+                <a:satMod val="109000"/>
+                <a:tint val="81000"/>
+              </a:schemeClr>
+            </a:gs>
+          </a:gsLst>
+          <a:lin ang="5400000" scaled="0"/>
+        </a:gradFill>
+        <a:gradFill rotWithShape="1">
+          <a:gsLst>
+            <a:gs pos="0">
+              <a:schemeClr val="phClr">
+                <a:satMod val="103000"/>
+                <a:lumMod val="102000"/>
+                <a:tint val="94000"/>
+              </a:schemeClr>
+            </a:gs>
+            <a:gs pos="50000">
+              <a:schemeClr val="phClr">
+                <a:satMod val="110000"/>
+                <a:lumMod val="100000"/>
+                <a:shade val="100000"/>
+              </a:schemeClr>
+            </a:gs>
+            <a:gs pos="100000">
+              <a:schemeClr val="phClr">
+                <a:lumMod val="99000"/>
+                <a:satMod val="120000"/>
+                <a:shade val="78000"/>
+              </a:schemeClr>
+            </a:gs>
+          </a:gsLst>
+          <a:lin ang="5400000" scaled="0"/>
+        </a:gradFill>
+      </a:fillStyleLst>
+      <a:lnStyleLst>
+        <a:ln w="6350" cap="flat" cmpd="sng" algn="ctr">
+          <a:solidFill>
+            <a:schemeClr val="phClr"/>
+          </a:solidFill>
+          <a:prstDash val="solid"/>
+          <a:miter lim="800000"/>
+        </a:ln>
+        <a:ln w="12700" cap="flat" cmpd="sng" algn="ctr">
+          <a:solidFill>
+            <a:schemeClr val="phClr"/>
+          </a:solidFill>
+          <a:prstDash val="solid"/>
+          <a:miter lim="800000"/>
+        </a:ln>
+        <a:ln w="19050" cap="flat" cmpd="sng" algn="ctr">
+          <a:solidFill>
+            <a:schemeClr val="phClr"/>
+          </a:solidFill>
+          <a:prstDash val="solid"/>
+          <a:miter lim="800000"/>
+        </a:ln>
+      </a:lnStyleLst>
+      <a:effectStyleLst>
+        <a:effectStyle>
+          <a:effectLst/>
+        </a:effectStyle>
+        <a:effectStyle>
+          <a:effectLst/>
+        </a:effectStyle>
+        <a:effectStyle>
+          <a:effectLst>
+            <a:outerShdw blurRad="57150" dist="19050" dir="5400000" algn="ctr" rotWithShape="0">
+              <a:srgbClr val="000000">
+                <a:alpha val="63000"/>
+              </a:srgbClr>
+            </a:outerShdw>
+          </a:effectLst>
+        </a:effectStyle>
+      </a:effectStyleLst>
+      <a:bgFillStyleLst>
+        <a:solidFill>
+          <a:schemeClr val="phClr"/>
+        </a:solidFill>
+        <a:solidFill>
+          <a:schemeClr val="phClr">
+            <a:tint val="95000"/>
+            <a:satMod val="170000"/>
+          </a:schemeClr>
+        </a:solidFill>
+        <a:gradFill rotWithShape="1">
+          <a:gsLst>
+            <a:gs pos="0">
+              <a:schemeClr val="phClr">
+                <a:tint val="93000"/>
+                <a:satMod val="150000"/>
+                <a:shade val="98000"/>
+                <a:lumMod val="102000"/>
+              </a:schemeClr>
+            </a:gs>
+            <a:gs pos="50000">
+              <a:schemeClr val="phClr">
+                <a:tint val="98000"/>
+                <a:satMod val="130000"/>
+                <a:shade val="90000"/>
+                <a:lumMod val="103000"/>
+              </a:schemeClr>
+            </a:gs>
+            <a:gs pos="100000">
+              <a:schemeClr val="phClr">
+                <a:shade val="63000"/>
+                <a:satMod val="120000"/>
+              </a:schemeClr>
+            </a:gs>
+          </a:gsLst>
+          <a:lin ang="5400000" scaled="0"/>
+        </a:gradFill>
+      </a:bgFillStyleLst>
+    </a:fmtScheme>
+  </a:themeElements>
+  <a:objectDefaults/>
+  <a:extraClrSchemeLst/>
+  <a:extLst>
+    <a:ext uri="{05A4C25C-085E-4340-85A3-A5531E510DB2}">
+      <thm15:themeFamily xmlns:thm15="http://schemas.microsoft.com/office/thememl/2012/main" name="Office Theme" id="{62F939B6-93AF-4DB8-9C6B-D6C7DFDC589F}" vid="{4A3C46E8-61CC-4603-A589-7422A47A8E4A}"/>
+    </a:ext>
+  </a:extLst>
+</a:theme>
+</file>
+
+<file path=ppt/theme/theme3.xml><?xml version="1.0" encoding="utf-8"?>
+<a:theme xmlns:a="http://schemas.openxmlformats.org/drawingml/2006/main" name="Office Theme">
+  <a:themeElements>
+    <a:clrScheme name="Office">
+      <a:dk1>
+        <a:sysClr val="windowText" lastClr="000000"/>
+      </a:dk1>
+      <a:lt1>
+        <a:sysClr val="window" lastClr="FFFFFF"/>
+      </a:lt1>
+      <a:dk2>
+        <a:srgbClr val="44546A"/>
+      </a:dk2>
+      <a:lt2>
+        <a:srgbClr val="E7E6E6"/>
+      </a:lt2>
+      <a:accent1>
+        <a:srgbClr val="5B9BD5"/>
+      </a:accent1>
+      <a:accent2>
+        <a:srgbClr val="ED7D31"/>
+      </a:accent2>
+      <a:accent3>
+        <a:srgbClr val="A5A5A5"/>
+      </a:accent3>
+      <a:accent4>
+        <a:srgbClr val="FFC000"/>
+      </a:accent4>
+      <a:accent5>
+        <a:srgbClr val="4472C4"/>
+      </a:accent5>
+      <a:accent6>
+        <a:srgbClr val="70AD47"/>
+      </a:accent6>
+      <a:hlink>
+        <a:srgbClr val="0563C1"/>
+      </a:hlink>
+      <a:folHlink>
+        <a:srgbClr val="954F72"/>
+      </a:folHlink>
+    </a:clrScheme>
+    <a:fontScheme name="Office">
+      <a:majorFont>
+        <a:latin typeface="Calibri Light" panose="020F0302020204030204"/>
+        <a:ea typeface=""/>
+        <a:cs typeface=""/>
+        <a:font script="Jpan" typeface="ＭＳ Ｐゴシック"/>
+        <a:font script="Hang" typeface="맑은 고딕"/>
+        <a:font script="Hans" typeface="宋体"/>
+        <a:font script="Hant" typeface="新細明體"/>
+        <a:font script="Arab" typeface="Times New Roman"/>
+        <a:font script="Hebr" typeface="Times New Roman"/>
+        <a:font script="Thai" typeface="Angsana New"/>
+        <a:font script="Ethi" typeface="Nyala"/>
+        <a:font script="Beng" typeface="Vrinda"/>
+        <a:font script="Gujr" typeface="Shruti"/>
+        <a:font script="Khmr" typeface="MoolBoran"/>
+        <a:font script="Knda" typeface="Tunga"/>
+        <a:font script="Guru" typeface="Raavi"/>
+        <a:font script="Cans" typeface="Euphemia"/>
+        <a:font script="Cher" typeface="Plantagenet Cherokee"/>
+        <a:font script="Yiii" typeface="Microsoft Yi Baiti"/>
+        <a:font script="Tibt" typeface="Microsoft Himalaya"/>
+        <a:font script="Thaa" typeface="MV Boli"/>
+        <a:font script="Deva" typeface="Mangal"/>
+        <a:font script="Telu" typeface="Gautami"/>
+        <a:font script="Taml" typeface="Latha"/>
+        <a:font script="Syrc" typeface="Estrangelo Edessa"/>
+        <a:font script="Orya" typeface="Kalinga"/>
+        <a:font script="Mlym" typeface="Kartika"/>
+        <a:font script="Laoo" typeface="DokChampa"/>
+        <a:font script="Sinh" typeface="Iskoola Pota"/>
+        <a:font script="Mong" typeface="Mongolian Baiti"/>
+        <a:font script="Viet" typeface="Times New Roman"/>
+        <a:font script="Uigh" typeface="Microsoft Uighur"/>
+        <a:font script="Geor" typeface="Sylfaen"/>
+      </a:majorFont>
+      <a:minorFont>
+        <a:latin typeface="Calibri" panose="020F0502020204030204"/>
+        <a:ea typeface=""/>
+        <a:cs typeface=""/>
+        <a:font script="Jpan" typeface="ＭＳ Ｐゴシック"/>
+        <a:font script="Hang" typeface="맑은 고딕"/>
+        <a:font script="Hans" typeface="宋体"/>
+        <a:font script="Hant" typeface="新細明體"/>
+        <a:font script="Arab" typeface="Arial"/>
+        <a:font script="Hebr" typeface="Arial"/>
+        <a:font script="Thai" typeface="Cordia New"/>
+        <a:font script="Ethi" typeface="Nyala"/>
+        <a:font script="Beng" typeface="Vrinda"/>
+        <a:font script="Gujr" typeface="Shruti"/>
+        <a:font script="Khmr" typeface="DaunPenh"/>
+        <a:font script="Knda" typeface="Tunga"/>
+        <a:font script="Guru" typeface="Raavi"/>
+        <a:font script="Cans" typeface="Euphemia"/>
+        <a:font script="Cher" typeface="Plantagenet Cherokee"/>
+        <a:font script="Yiii" typeface="Microsoft Yi Baiti"/>
+        <a:font script="Tibt" typeface="Microsoft Himalaya"/>
+        <a:font script="Thaa" typeface="MV Boli"/>
+        <a:font script="Deva" typeface="Mangal"/>
+        <a:font script="Telu" typeface="Gautami"/>
+        <a:font script="Taml" typeface="Latha"/>
+        <a:font script="Syrc" typeface="Estrangelo Edessa"/>
+        <a:font script="Orya" typeface="Kalinga"/>
+        <a:font script="Mlym" typeface="Kartika"/>
+        <a:font script="Laoo" typeface="DokChampa"/>
+        <a:font script="Sinh" typeface="Iskoola Pota"/>
+        <a:font script="Mong" typeface="Mongolian Baiti"/>
+        <a:font script="Viet" typeface="Arial"/>
+        <a:font script="Uigh" typeface="Microsoft Uighur"/>
+        <a:font script="Geor" typeface="Sylfaen"/>
+      </a:minorFont>
+    </a:fontScheme>
+    <a:fmtScheme name="Office">
+      <a:fillStyleLst>
+        <a:solidFill>
+          <a:schemeClr val="phClr"/>
+        </a:solidFill>
+        <a:gradFill rotWithShape="1">
+          <a:gsLst>
+            <a:gs pos="0">
+              <a:schemeClr val="phClr">
+                <a:lumMod val="110000"/>
+                <a:satMod val="105000"/>
+                <a:tint val="67000"/>
+              </a:schemeClr>
+            </a:gs>
+            <a:gs pos="50000">
+              <a:schemeClr val="phClr">
+                <a:lumMod val="105000"/>
+                <a:satMod val="103000"/>
+                <a:tint val="73000"/>
+              </a:schemeClr>
+            </a:gs>
+            <a:gs pos="100000">
+              <a:schemeClr val="phClr">
+                <a:lumMod val="105000"/>
+                <a:satMod val="109000"/>
+                <a:tint val="81000"/>
+              </a:schemeClr>
+            </a:gs>
+          </a:gsLst>
+          <a:lin ang="5400000" scaled="0"/>
+        </a:gradFill>
+        <a:gradFill rotWithShape="1">
+          <a:gsLst>
+            <a:gs pos="0">
+              <a:schemeClr val="phClr">
+                <a:satMod val="103000"/>
+                <a:lumMod val="102000"/>
+                <a:tint val="94000"/>
+              </a:schemeClr>
+            </a:gs>
+            <a:gs pos="50000">
+              <a:schemeClr val="phClr">
+                <a:satMod val="110000"/>
+                <a:lumMod val="100000"/>
+                <a:shade val="100000"/>
+              </a:schemeClr>
+            </a:gs>
+            <a:gs pos="100000">
+              <a:schemeClr val="phClr">
+                <a:lumMod val="99000"/>
+                <a:satMod val="120000"/>
+                <a:shade val="78000"/>
+              </a:schemeClr>
+            </a:gs>
+          </a:gsLst>
+          <a:lin ang="5400000" scaled="0"/>
+        </a:gradFill>
+      </a:fillStyleLst>
+      <a:lnStyleLst>
+        <a:ln w="6350" cap="flat" cmpd="sng" algn="ctr">
+          <a:solidFill>
+            <a:schemeClr val="phClr"/>
+          </a:solidFill>
+          <a:prstDash val="solid"/>
+          <a:miter lim="800000"/>
+        </a:ln>
+        <a:ln w="12700" cap="flat" cmpd="sng" algn="ctr">
+          <a:solidFill>
+            <a:schemeClr val="phClr"/>
+          </a:solidFill>
+          <a:prstDash val="solid"/>
+          <a:miter lim="800000"/>
+        </a:ln>
+        <a:ln w="19050" cap="flat" cmpd="sng" algn="ctr">
+          <a:solidFill>
+            <a:schemeClr val="phClr"/>
+          </a:solidFill>
+          <a:prstDash val="solid"/>
+          <a:miter lim="800000"/>
+        </a:ln>
+      </a:lnStyleLst>
+      <a:effectStyleLst>
+        <a:effectStyle>
+          <a:effectLst/>
+        </a:effectStyle>
+        <a:effectStyle>
+          <a:effectLst/>
+        </a:effectStyle>
+        <a:effectStyle>
+          <a:effectLst>
+            <a:outerShdw blurRad="57150" dist="19050" dir="5400000" algn="ctr" rotWithShape="0">
+              <a:srgbClr val="000000">
+                <a:alpha val="63000"/>
+              </a:srgbClr>
+            </a:outerShdw>
+          </a:effectLst>
+        </a:effectStyle>
+      </a:effectStyleLst>
+      <a:bgFillStyleLst>
+        <a:solidFill>
+          <a:schemeClr val="phClr"/>
+        </a:solidFill>
+        <a:solidFill>
+          <a:schemeClr val="phClr">
+            <a:tint val="95000"/>
+            <a:satMod val="170000"/>
+          </a:schemeClr>
+        </a:solidFill>
+        <a:gradFill rotWithShape="1">
+          <a:gsLst>
+            <a:gs pos="0">
+              <a:schemeClr val="phClr">
+                <a:tint val="93000"/>
+                <a:satMod val="150000"/>
+                <a:shade val="98000"/>
+                <a:lumMod val="102000"/>
+              </a:schemeClr>
+            </a:gs>
+            <a:gs pos="50000">
+              <a:schemeClr val="phClr">
+                <a:tint val="98000"/>
+                <a:satMod val="130000"/>
+                <a:shade val="90000"/>
+                <a:lumMod val="103000"/>
+              </a:schemeClr>
+            </a:gs>
+            <a:gs pos="100000">
+              <a:schemeClr val="phClr">
+                <a:shade val="63000"/>
+                <a:satMod val="120000"/>
+              </a:schemeClr>
+            </a:gs>
+          </a:gsLst>
+          <a:lin ang="5400000" scaled="0"/>
+        </a:gradFill>
+      </a:bgFillStyleLst>
+    </a:fmtScheme>
+  </a:themeElements>
+  <a:objectDefaults/>
+  <a:extraClrSchemeLst/>
+  <a:extLst>
+    <a:ext uri="{05A4C25C-085E-4340-85A3-A5531E510DB2}">
+      <thm15:themeFamily xmlns:thm15="http://schemas.microsoft.com/office/thememl/2012/main" name="Office Theme" id="{62F939B6-93AF-4DB8-9C6B-D6C7DFDC589F}" vid="{4A3C46E8-61CC-4603-A589-7422A47A8E4A}"/>
+    </a:ext>
+  </a:extLst>
+</a:theme>
 </file>
--- a/Presentations/SD1/SD1_presentation.pptx
+++ b/Presentations/SD1/SD1_presentation.pptx
@@ -20,8 +20,8 @@
     <p:sldId id="262" r:id="rId8"/>
     <p:sldId id="264" r:id="rId9"/>
     <p:sldId id="265" r:id="rId10"/>
-    <p:sldId id="263" r:id="rId11"/>
-    <p:sldId id="266" r:id="rId12"/>
+    <p:sldId id="271" r:id="rId11"/>
+    <p:sldId id="272" r:id="rId12"/>
     <p:sldId id="267" r:id="rId13"/>
     <p:sldId id="269" r:id="rId14"/>
     <p:sldId id="270" r:id="rId15"/>
@@ -639,11 +639,11 @@
           <c:showBubbleSize val="0"/>
         </c:dLbls>
         <c:smooth val="0"/>
-        <c:axId val="200461632"/>
-        <c:axId val="200462192"/>
+        <c:axId val="174988144"/>
+        <c:axId val="174988704"/>
       </c:lineChart>
       <c:catAx>
-        <c:axId val="200461632"/>
+        <c:axId val="174988144"/>
         <c:scaling>
           <c:orientation val="minMax"/>
         </c:scaling>
@@ -763,7 +763,7 @@
             <a:endParaRPr lang="en-US"/>
           </a:p>
         </c:txPr>
-        <c:crossAx val="200462192"/>
+        <c:crossAx val="174988704"/>
         <c:crosses val="autoZero"/>
         <c:auto val="1"/>
         <c:lblAlgn val="ctr"/>
@@ -771,7 +771,7 @@
         <c:noMultiLvlLbl val="0"/>
       </c:catAx>
       <c:valAx>
-        <c:axId val="200462192"/>
+        <c:axId val="174988704"/>
         <c:scaling>
           <c:orientation val="minMax"/>
         </c:scaling>
@@ -887,7 +887,7 @@
             <a:endParaRPr lang="en-US"/>
           </a:p>
         </c:txPr>
-        <c:crossAx val="200461632"/>
+        <c:crossAx val="174988144"/>
         <c:crosses val="autoZero"/>
         <c:crossBetween val="between"/>
       </c:valAx>
@@ -1272,11 +1272,11 @@
           <c:showBubbleSize val="0"/>
         </c:dLbls>
         <c:smooth val="0"/>
-        <c:axId val="200467232"/>
-        <c:axId val="161688368"/>
+        <c:axId val="174991504"/>
+        <c:axId val="173250784"/>
       </c:lineChart>
       <c:catAx>
-        <c:axId val="200467232"/>
+        <c:axId val="174991504"/>
         <c:scaling>
           <c:orientation val="minMax"/>
         </c:scaling>
@@ -1396,7 +1396,7 @@
             <a:endParaRPr lang="en-US"/>
           </a:p>
         </c:txPr>
-        <c:crossAx val="161688368"/>
+        <c:crossAx val="173250784"/>
         <c:crosses val="autoZero"/>
         <c:auto val="1"/>
         <c:lblAlgn val="ctr"/>
@@ -1404,7 +1404,7 @@
         <c:noMultiLvlLbl val="0"/>
       </c:catAx>
       <c:valAx>
-        <c:axId val="161688368"/>
+        <c:axId val="173250784"/>
         <c:scaling>
           <c:orientation val="minMax"/>
         </c:scaling>
@@ -1520,7 +1520,7 @@
             <a:endParaRPr lang="en-US"/>
           </a:p>
         </c:txPr>
-        <c:crossAx val="200467232"/>
+        <c:crossAx val="174991504"/>
         <c:crosses val="autoZero"/>
         <c:crossBetween val="between"/>
       </c:valAx>
@@ -6634,6 +6634,13 @@
   <p:clrMapOvr>
     <a:masterClrMapping/>
   </p:clrMapOvr>
+  <p:timing>
+    <p:tnLst>
+      <p:par>
+        <p:cTn id="1" dur="indefinite" restart="never" nodeType="tmRoot"/>
+      </p:par>
+    </p:tnLst>
+  </p:timing>
 </p:sld>
 </file>
 
@@ -6654,58 +6661,307 @@
           <a:chExt cx="0" cy="0"/>
         </a:xfrm>
       </p:grpSpPr>
+      <p:pic>
+        <p:nvPicPr>
+          <p:cNvPr id="4" name="Picture 3"/>
+          <p:cNvPicPr>
+            <a:picLocks noChangeAspect="1"/>
+          </p:cNvPicPr>
+          <p:nvPr/>
+        </p:nvPicPr>
+        <p:blipFill rotWithShape="1">
+          <a:blip r:embed="rId2"/>
+          <a:srcRect l="2158" t="13160" r="26574" b="31734"/>
+          <a:stretch/>
+        </p:blipFill>
+        <p:spPr>
+          <a:xfrm>
+            <a:off x="251460" y="3306462"/>
+            <a:ext cx="7433474" cy="3231497"/>
+          </a:xfrm>
+          <a:prstGeom prst="rect">
+            <a:avLst/>
+          </a:prstGeom>
+        </p:spPr>
+      </p:pic>
       <p:sp>
         <p:nvSpPr>
-          <p:cNvPr id="5" name="Title 4"/>
-          <p:cNvSpPr>
-            <a:spLocks noGrp="1"/>
-          </p:cNvSpPr>
-          <p:nvPr>
-            <p:ph type="title"/>
-          </p:nvPr>
+          <p:cNvPr id="5" name="TextBox 4"/>
+          <p:cNvSpPr txBox="1"/>
+          <p:nvPr/>
         </p:nvSpPr>
         <p:spPr>
           <a:xfrm>
-            <a:off x="838200" y="365125"/>
-            <a:ext cx="10515600" cy="3869250"/>
+            <a:off x="403860" y="533400"/>
+            <a:ext cx="11323320" cy="584775"/>
           </a:xfrm>
+          <a:prstGeom prst="rect">
+            <a:avLst/>
+          </a:prstGeom>
+          <a:noFill/>
         </p:spPr>
         <p:txBody>
-          <a:bodyPr/>
+          <a:bodyPr wrap="square" rtlCol="0">
+            <a:spAutoFit/>
+          </a:bodyPr>
           <a:lstStyle/>
           <a:p>
             <a:r>
-              <a:rPr lang="en-US" dirty="0" smtClean="0"/>
-              <a:t>RESERVED – CURRENT PROGRESS: </a:t>
-            </a:r>
-            <a:br>
-              <a:rPr lang="en-US" dirty="0" smtClean="0"/>
-            </a:br>
-            <a:r>
-              <a:rPr lang="en-US" dirty="0"/>
-              <a:t/>
-            </a:r>
-            <a:br>
-              <a:rPr lang="en-US" dirty="0"/>
-            </a:br>
-            <a:r>
-              <a:rPr lang="en-US" dirty="0" smtClean="0"/>
-              <a:t>BRIAN EXPLAINS BER PERFORMANCE OF BPSK SIMULINK MODEL</a:t>
-            </a:r>
-            <a:endParaRPr lang="en-US" dirty="0"/>
+              <a:rPr lang="en-US" sz="3200" dirty="0" smtClean="0">
+                <a:latin typeface="Times New Roman" panose="02020603050405020304" pitchFamily="18" charset="0"/>
+                <a:cs typeface="Times New Roman" panose="02020603050405020304" pitchFamily="18" charset="0"/>
+              </a:rPr>
+              <a:t>Polarity Reversal at 10 dB</a:t>
+            </a:r>
+            <a:endParaRPr lang="en-US" sz="3200" dirty="0">
+              <a:latin typeface="Times New Roman" panose="02020603050405020304" pitchFamily="18" charset="0"/>
+              <a:cs typeface="Times New Roman" panose="02020603050405020304" pitchFamily="18" charset="0"/>
+            </a:endParaRPr>
+          </a:p>
+        </p:txBody>
+      </p:sp>
+      <p:pic>
+        <p:nvPicPr>
+          <p:cNvPr id="6" name="Picture 5"/>
+          <p:cNvPicPr>
+            <a:picLocks noChangeAspect="1"/>
+          </p:cNvPicPr>
+          <p:nvPr/>
+        </p:nvPicPr>
+        <p:blipFill rotWithShape="1">
+          <a:blip r:embed="rId3"/>
+          <a:srcRect l="2319" t="13726" r="27237" b="31562"/>
+          <a:stretch/>
+        </p:blipFill>
+        <p:spPr>
+          <a:xfrm>
+            <a:off x="6305714" y="2080982"/>
+            <a:ext cx="5196840" cy="2269313"/>
+          </a:xfrm>
+          <a:prstGeom prst="rect">
+            <a:avLst/>
+          </a:prstGeom>
+          <a:ln w="25400">
+            <a:solidFill>
+              <a:schemeClr val="tx1"/>
+            </a:solidFill>
+          </a:ln>
+        </p:spPr>
+      </p:pic>
+      <p:cxnSp>
+        <p:nvCxnSpPr>
+          <p:cNvPr id="7" name="Straight Connector 6"/>
+          <p:cNvCxnSpPr/>
+          <p:nvPr/>
+        </p:nvCxnSpPr>
+        <p:spPr>
+          <a:xfrm flipH="1">
+            <a:off x="4339750" y="4350295"/>
+            <a:ext cx="1981206" cy="571915"/>
+          </a:xfrm>
+          <a:prstGeom prst="line">
+            <a:avLst/>
+          </a:prstGeom>
+          <a:ln w="25400">
+            <a:solidFill>
+              <a:schemeClr val="tx1"/>
+            </a:solidFill>
+          </a:ln>
+        </p:spPr>
+        <p:style>
+          <a:lnRef idx="1">
+            <a:schemeClr val="accent1"/>
+          </a:lnRef>
+          <a:fillRef idx="0">
+            <a:schemeClr val="accent1"/>
+          </a:fillRef>
+          <a:effectRef idx="0">
+            <a:schemeClr val="accent1"/>
+          </a:effectRef>
+          <a:fontRef idx="minor">
+            <a:schemeClr val="tx1"/>
+          </a:fontRef>
+        </p:style>
+      </p:cxnSp>
+      <p:cxnSp>
+        <p:nvCxnSpPr>
+          <p:cNvPr id="8" name="Straight Connector 7"/>
+          <p:cNvCxnSpPr/>
+          <p:nvPr/>
+        </p:nvCxnSpPr>
+        <p:spPr>
+          <a:xfrm flipH="1">
+            <a:off x="4339750" y="2080982"/>
+            <a:ext cx="1965964" cy="2841228"/>
+          </a:xfrm>
+          <a:prstGeom prst="line">
+            <a:avLst/>
+          </a:prstGeom>
+          <a:ln w="25400">
+            <a:solidFill>
+              <a:schemeClr val="tx1"/>
+            </a:solidFill>
+          </a:ln>
+        </p:spPr>
+        <p:style>
+          <a:lnRef idx="1">
+            <a:schemeClr val="accent1"/>
+          </a:lnRef>
+          <a:fillRef idx="0">
+            <a:schemeClr val="accent1"/>
+          </a:fillRef>
+          <a:effectRef idx="0">
+            <a:schemeClr val="accent1"/>
+          </a:effectRef>
+          <a:fontRef idx="minor">
+            <a:schemeClr val="tx1"/>
+          </a:fontRef>
+        </p:style>
+      </p:cxnSp>
+      <p:cxnSp>
+        <p:nvCxnSpPr>
+          <p:cNvPr id="9" name="Straight Connector 8"/>
+          <p:cNvCxnSpPr/>
+          <p:nvPr/>
+        </p:nvCxnSpPr>
+        <p:spPr>
+          <a:xfrm flipH="1">
+            <a:off x="4339750" y="4350295"/>
+            <a:ext cx="7162805" cy="571915"/>
+          </a:xfrm>
+          <a:prstGeom prst="line">
+            <a:avLst/>
+          </a:prstGeom>
+          <a:ln w="25400">
+            <a:solidFill>
+              <a:schemeClr val="tx1"/>
+            </a:solidFill>
+          </a:ln>
+        </p:spPr>
+        <p:style>
+          <a:lnRef idx="1">
+            <a:schemeClr val="accent1"/>
+          </a:lnRef>
+          <a:fillRef idx="0">
+            <a:schemeClr val="accent1"/>
+          </a:fillRef>
+          <a:effectRef idx="0">
+            <a:schemeClr val="accent1"/>
+          </a:effectRef>
+          <a:fontRef idx="minor">
+            <a:schemeClr val="tx1"/>
+          </a:fontRef>
+        </p:style>
+      </p:cxnSp>
+      <p:sp>
+        <p:nvSpPr>
+          <p:cNvPr id="10" name="TextBox 9"/>
+          <p:cNvSpPr txBox="1"/>
+          <p:nvPr/>
+        </p:nvSpPr>
+        <p:spPr>
+          <a:xfrm>
+            <a:off x="828916" y="2015309"/>
+            <a:ext cx="4566044" cy="1200329"/>
+          </a:xfrm>
+          <a:prstGeom prst="rect">
+            <a:avLst/>
+          </a:prstGeom>
+          <a:noFill/>
+        </p:spPr>
+        <p:txBody>
+          <a:bodyPr wrap="square" rtlCol="0">
+            <a:spAutoFit/>
+          </a:bodyPr>
+          <a:lstStyle/>
+          <a:p>
+            <a:pPr marL="285750" indent="-285750">
+              <a:buFont typeface="Arial" panose="020B0604020202020204" pitchFamily="34" charset="0"/>
+              <a:buChar char="•"/>
+            </a:pPr>
+            <a:r>
+              <a:rPr lang="en-US" dirty="0" smtClean="0">
+                <a:latin typeface="Times New Roman" panose="02020603050405020304" pitchFamily="18" charset="0"/>
+                <a:cs typeface="Times New Roman" panose="02020603050405020304" pitchFamily="18" charset="0"/>
+              </a:rPr>
+              <a:t>AWGN at 10 dB causes 180 phase shifts resulting in the PLL tracking in the wrong direction</a:t>
+            </a:r>
+          </a:p>
+          <a:p>
+            <a:pPr marL="285750" indent="-285750">
+              <a:buFont typeface="Arial" panose="020B0604020202020204" pitchFamily="34" charset="0"/>
+              <a:buChar char="•"/>
+            </a:pPr>
+            <a:endParaRPr lang="en-US" dirty="0">
+              <a:latin typeface="Times New Roman" panose="02020603050405020304" pitchFamily="18" charset="0"/>
+              <a:cs typeface="Times New Roman" panose="02020603050405020304" pitchFamily="18" charset="0"/>
+            </a:endParaRPr>
+          </a:p>
+        </p:txBody>
+      </p:sp>
+      <p:sp>
+        <p:nvSpPr>
+          <p:cNvPr id="11" name="Rectangle 10"/>
+          <p:cNvSpPr/>
+          <p:nvPr/>
+        </p:nvSpPr>
+        <p:spPr>
+          <a:xfrm>
+            <a:off x="8239367" y="5313102"/>
+            <a:ext cx="3263187" cy="1015663"/>
+          </a:xfrm>
+          <a:prstGeom prst="rect">
+            <a:avLst/>
+          </a:prstGeom>
+        </p:spPr>
+        <p:txBody>
+          <a:bodyPr wrap="square">
+            <a:spAutoFit/>
+          </a:bodyPr>
+          <a:lstStyle/>
+          <a:p>
+            <a:pPr marL="285750" indent="-285750">
+              <a:buFont typeface="Arial" panose="020B0604020202020204" pitchFamily="34" charset="0"/>
+              <a:buChar char="•"/>
+            </a:pPr>
+            <a:r>
+              <a:rPr lang="en-US" sz="2400" b="1" dirty="0" smtClean="0">
+                <a:latin typeface="Times New Roman" panose="02020603050405020304" pitchFamily="18" charset="0"/>
+                <a:cs typeface="Times New Roman" panose="02020603050405020304" pitchFamily="18" charset="0"/>
+              </a:rPr>
+              <a:t>IMPLICATION</a:t>
+            </a:r>
+            <a:r>
+              <a:rPr lang="en-US" dirty="0" smtClean="0">
+                <a:latin typeface="Times New Roman" panose="02020603050405020304" pitchFamily="18" charset="0"/>
+                <a:cs typeface="Times New Roman" panose="02020603050405020304" pitchFamily="18" charset="0"/>
+              </a:rPr>
+              <a:t>:  Necessitates need for differential encoding</a:t>
+            </a:r>
+            <a:endParaRPr lang="en-US" dirty="0">
+              <a:latin typeface="Times New Roman" panose="02020603050405020304" pitchFamily="18" charset="0"/>
+              <a:cs typeface="Times New Roman" panose="02020603050405020304" pitchFamily="18" charset="0"/>
+            </a:endParaRPr>
           </a:p>
         </p:txBody>
       </p:sp>
     </p:spTree>
     <p:extLst>
       <p:ext uri="{BB962C8B-B14F-4D97-AF65-F5344CB8AC3E}">
-        <p14:creationId xmlns:p14="http://schemas.microsoft.com/office/powerpoint/2010/main" val="2338249854"/>
+        <p14:creationId xmlns:p14="http://schemas.microsoft.com/office/powerpoint/2010/main" val="1712834354"/>
       </p:ext>
     </p:extLst>
   </p:cSld>
   <p:clrMapOvr>
     <a:masterClrMapping/>
   </p:clrMapOvr>
+  <p:timing>
+    <p:tnLst>
+      <p:par>
+        <p:cTn id="1" dur="indefinite" restart="never" nodeType="tmRoot"/>
+      </p:par>
+    </p:tnLst>
+  </p:timing>
 </p:sld>
 </file>
 
@@ -6726,58 +6982,152 @@
           <a:chExt cx="0" cy="0"/>
         </a:xfrm>
       </p:grpSpPr>
+      <p:pic>
+        <p:nvPicPr>
+          <p:cNvPr id="4" name="Picture 3"/>
+          <p:cNvPicPr>
+            <a:picLocks noChangeAspect="1"/>
+          </p:cNvPicPr>
+          <p:nvPr/>
+        </p:nvPicPr>
+        <p:blipFill rotWithShape="1">
+          <a:blip r:embed="rId2"/>
+          <a:srcRect l="2309" t="13541" r="26293" b="31875"/>
+          <a:stretch/>
+        </p:blipFill>
+        <p:spPr>
+          <a:xfrm>
+            <a:off x="861060" y="2477725"/>
+            <a:ext cx="7071360" cy="3039383"/>
+          </a:xfrm>
+          <a:prstGeom prst="rect">
+            <a:avLst/>
+          </a:prstGeom>
+        </p:spPr>
+      </p:pic>
       <p:sp>
         <p:nvSpPr>
-          <p:cNvPr id="5" name="Title 4"/>
-          <p:cNvSpPr>
-            <a:spLocks noGrp="1"/>
-          </p:cNvSpPr>
-          <p:nvPr>
-            <p:ph type="title"/>
-          </p:nvPr>
+          <p:cNvPr id="5" name="TextBox 4"/>
+          <p:cNvSpPr txBox="1"/>
+          <p:nvPr/>
         </p:nvSpPr>
         <p:spPr>
           <a:xfrm>
-            <a:off x="838200" y="365125"/>
-            <a:ext cx="10515600" cy="3869250"/>
+            <a:off x="403860" y="533400"/>
+            <a:ext cx="11323320" cy="584775"/>
           </a:xfrm>
+          <a:prstGeom prst="rect">
+            <a:avLst/>
+          </a:prstGeom>
+          <a:noFill/>
         </p:spPr>
         <p:txBody>
-          <a:bodyPr/>
+          <a:bodyPr wrap="square" rtlCol="0">
+            <a:spAutoFit/>
+          </a:bodyPr>
           <a:lstStyle/>
           <a:p>
             <a:r>
-              <a:rPr lang="en-US" dirty="0" smtClean="0"/>
-              <a:t>RESERVED – CURRENT PROGRESS: </a:t>
-            </a:r>
-            <a:br>
-              <a:rPr lang="en-US" dirty="0" smtClean="0"/>
-            </a:br>
-            <a:r>
-              <a:rPr lang="en-US" dirty="0"/>
-              <a:t/>
-            </a:r>
-            <a:br>
-              <a:rPr lang="en-US" dirty="0"/>
-            </a:br>
-            <a:r>
-              <a:rPr lang="en-US" dirty="0" smtClean="0"/>
-              <a:t>BRIAN EXPLAINS BER PERFORMANCE OF BPSK SIMULINK MODEL</a:t>
-            </a:r>
-            <a:endParaRPr lang="en-US" dirty="0"/>
+              <a:rPr lang="en-US" sz="3200" dirty="0" smtClean="0">
+                <a:latin typeface="Times New Roman" panose="02020603050405020304" pitchFamily="18" charset="0"/>
+                <a:cs typeface="Times New Roman" panose="02020603050405020304" pitchFamily="18" charset="0"/>
+              </a:rPr>
+              <a:t>Phase Error Response to Frequency Step</a:t>
+            </a:r>
+            <a:endParaRPr lang="en-US" sz="3200" dirty="0">
+              <a:latin typeface="Times New Roman" panose="02020603050405020304" pitchFamily="18" charset="0"/>
+              <a:cs typeface="Times New Roman" panose="02020603050405020304" pitchFamily="18" charset="0"/>
+            </a:endParaRPr>
+          </a:p>
+        </p:txBody>
+      </p:sp>
+      <p:sp>
+        <p:nvSpPr>
+          <p:cNvPr id="6" name="TextBox 5"/>
+          <p:cNvSpPr txBox="1"/>
+          <p:nvPr/>
+        </p:nvSpPr>
+        <p:spPr>
+          <a:xfrm>
+            <a:off x="8450580" y="2843255"/>
+            <a:ext cx="2476500" cy="2339102"/>
+          </a:xfrm>
+          <a:prstGeom prst="rect">
+            <a:avLst/>
+          </a:prstGeom>
+          <a:noFill/>
+        </p:spPr>
+        <p:txBody>
+          <a:bodyPr wrap="square" rtlCol="0">
+            <a:spAutoFit/>
+          </a:bodyPr>
+          <a:lstStyle/>
+          <a:p>
+            <a:pPr marL="285750" indent="-285750" algn="just">
+              <a:buFont typeface="Arial" panose="020B0604020202020204" pitchFamily="34" charset="0"/>
+              <a:buChar char="•"/>
+            </a:pPr>
+            <a:r>
+              <a:rPr lang="en-US" dirty="0" smtClean="0">
+                <a:latin typeface="Times New Roman" panose="02020603050405020304" pitchFamily="18" charset="0"/>
+                <a:cs typeface="Times New Roman" panose="02020603050405020304" pitchFamily="18" charset="0"/>
+              </a:rPr>
+              <a:t>PLL phase error becomes Amplitude Modulated after frequency step</a:t>
+            </a:r>
+          </a:p>
+          <a:p>
+            <a:pPr marL="285750" indent="-285750" algn="just">
+              <a:buFont typeface="Arial" panose="020B0604020202020204" pitchFamily="34" charset="0"/>
+              <a:buChar char="•"/>
+            </a:pPr>
+            <a:endParaRPr lang="en-US" dirty="0">
+              <a:latin typeface="Times New Roman" panose="02020603050405020304" pitchFamily="18" charset="0"/>
+              <a:cs typeface="Times New Roman" panose="02020603050405020304" pitchFamily="18" charset="0"/>
+            </a:endParaRPr>
+          </a:p>
+          <a:p>
+            <a:pPr marL="285750" indent="-285750" algn="just">
+              <a:buFont typeface="Arial" panose="020B0604020202020204" pitchFamily="34" charset="0"/>
+              <a:buChar char="•"/>
+            </a:pPr>
+            <a:r>
+              <a:rPr lang="en-US" sz="2000" b="1" dirty="0" smtClean="0">
+                <a:latin typeface="Times New Roman" panose="02020603050405020304" pitchFamily="18" charset="0"/>
+                <a:cs typeface="Times New Roman" panose="02020603050405020304" pitchFamily="18" charset="0"/>
+              </a:rPr>
+              <a:t>IMPLICATION</a:t>
+            </a:r>
+            <a:r>
+              <a:rPr lang="en-US" dirty="0" smtClean="0">
+                <a:latin typeface="Times New Roman" panose="02020603050405020304" pitchFamily="18" charset="0"/>
+                <a:cs typeface="Times New Roman" panose="02020603050405020304" pitchFamily="18" charset="0"/>
+              </a:rPr>
+              <a:t>:  Necessitates need for AGC</a:t>
+            </a:r>
+            <a:endParaRPr lang="en-US" dirty="0">
+              <a:latin typeface="Times New Roman" panose="02020603050405020304" pitchFamily="18" charset="0"/>
+              <a:cs typeface="Times New Roman" panose="02020603050405020304" pitchFamily="18" charset="0"/>
+            </a:endParaRPr>
           </a:p>
         </p:txBody>
       </p:sp>
     </p:spTree>
     <p:extLst>
       <p:ext uri="{BB962C8B-B14F-4D97-AF65-F5344CB8AC3E}">
-        <p14:creationId xmlns:p14="http://schemas.microsoft.com/office/powerpoint/2010/main" val="97005361"/>
+        <p14:creationId xmlns:p14="http://schemas.microsoft.com/office/powerpoint/2010/main" val="3438100172"/>
       </p:ext>
     </p:extLst>
   </p:cSld>
   <p:clrMapOvr>
     <a:masterClrMapping/>
   </p:clrMapOvr>
+  <p:timing>
+    <p:tnLst>
+      <p:par>
+        <p:cTn id="1" dur="indefinite" restart="never" nodeType="tmRoot"/>
+      </p:par>
+    </p:tnLst>
+  </p:timing>
 </p:sld>
 </file>
 
@@ -6883,6 +7233,13 @@
   <p:clrMapOvr>
     <a:masterClrMapping/>
   </p:clrMapOvr>
+  <p:timing>
+    <p:tnLst>
+      <p:par>
+        <p:cTn id="1" dur="indefinite" restart="never" nodeType="tmRoot"/>
+      </p:par>
+    </p:tnLst>
+  </p:timing>
 </p:sld>
 </file>
 
@@ -7019,10 +7376,6 @@
               </a:rPr>
               <a:t>Complete System C simulation (BPSK + FEC)</a:t>
             </a:r>
-            <a:endParaRPr lang="en-US" dirty="0" smtClean="0">
-              <a:latin typeface="+mj-lt"/>
-              <a:cs typeface="Times New Roman" panose="02020603050405020304" pitchFamily="18" charset="0"/>
-            </a:endParaRPr>
           </a:p>
           <a:p>
             <a:pPr marL="285750" indent="-285750">
@@ -7092,10 +7445,6 @@
               </a:rPr>
               <a:t>Develop USB-R232 HDL</a:t>
             </a:r>
-            <a:endParaRPr lang="en-US" dirty="0" smtClean="0">
-              <a:latin typeface="+mj-lt"/>
-              <a:cs typeface="Times New Roman" panose="02020603050405020304" pitchFamily="18" charset="0"/>
-            </a:endParaRPr>
           </a:p>
           <a:p>
             <a:pPr marL="285750" indent="-285750">
@@ -7183,17 +7532,8 @@
               <a:rPr lang="en-US" dirty="0" smtClean="0">
                 <a:latin typeface="+mj-lt"/>
               </a:rPr>
-              <a:t>FPGA Implementation of </a:t>
-            </a:r>
-            <a:r>
-              <a:rPr lang="en-US" dirty="0" smtClean="0">
-                <a:latin typeface="+mj-lt"/>
-              </a:rPr>
-              <a:t>System B &amp; System C</a:t>
-            </a:r>
-            <a:endParaRPr lang="en-US" dirty="0" smtClean="0">
-              <a:latin typeface="+mj-lt"/>
-            </a:endParaRPr>
+              <a:t>FPGA Implementation of System B &amp; System C</a:t>
+            </a:r>
           </a:p>
           <a:p>
             <a:pPr marL="285750" indent="-285750">
@@ -7435,6 +7775,13 @@
   <p:clrMapOvr>
     <a:masterClrMapping/>
   </p:clrMapOvr>
+  <p:timing>
+    <p:tnLst>
+      <p:par>
+        <p:cTn id="1" dur="indefinite" restart="never" nodeType="tmRoot"/>
+      </p:par>
+    </p:tnLst>
+  </p:timing>
 </p:sld>
 </file>
 
@@ -7518,6 +7865,13 @@
   <p:clrMapOvr>
     <a:masterClrMapping/>
   </p:clrMapOvr>
+  <p:timing>
+    <p:tnLst>
+      <p:par>
+        <p:cTn id="1" dur="indefinite" restart="never" nodeType="tmRoot"/>
+      </p:par>
+    </p:tnLst>
+  </p:timing>
 </p:sld>
 </file>
 
@@ -7660,6 +8014,13 @@
   <p:clrMapOvr>
     <a:masterClrMapping/>
   </p:clrMapOvr>
+  <p:timing>
+    <p:tnLst>
+      <p:par>
+        <p:cTn id="1" dur="indefinite" restart="never" nodeType="tmRoot"/>
+      </p:par>
+    </p:tnLst>
+  </p:timing>
 </p:sld>
 </file>
 
@@ -7911,6 +8272,13 @@
   <p:clrMapOvr>
     <a:masterClrMapping/>
   </p:clrMapOvr>
+  <p:timing>
+    <p:tnLst>
+      <p:par>
+        <p:cTn id="1" dur="indefinite" restart="never" nodeType="tmRoot"/>
+      </p:par>
+    </p:tnLst>
+  </p:timing>
 </p:sld>
 </file>
 
@@ -7973,7 +8341,7 @@
         </p:spPr>
         <p:txBody>
           <a:bodyPr>
-            <a:normAutofit fontScale="85000" lnSpcReduction="20000"/>
+            <a:normAutofit fontScale="92500" lnSpcReduction="20000"/>
           </a:bodyPr>
           <a:lstStyle/>
           <a:p>
@@ -8009,20 +8377,34 @@
             <a:endParaRPr lang="en-US" dirty="0" smtClean="0"/>
           </a:p>
           <a:p>
+            <a:pPr marL="914400" lvl="2" indent="0">
+              <a:buNone/>
+            </a:pPr>
+            <a:endParaRPr lang="en-US" dirty="0" smtClean="0"/>
+          </a:p>
+          <a:p>
             <a:pPr marL="971550" lvl="1" indent="-514350">
               <a:buFont typeface="+mj-lt"/>
               <a:buAutoNum type="arabicPeriod"/>
             </a:pPr>
             <a:r>
               <a:rPr lang="en-US" dirty="0" smtClean="0"/>
-              <a:t>System A (most prevalent today)</a:t>
+              <a:t>System </a:t>
+            </a:r>
+            <a:r>
+              <a:rPr lang="en-US" dirty="0" smtClean="0"/>
+              <a:t>A </a:t>
+            </a:r>
+            <a:r>
+              <a:rPr lang="en-US" dirty="0" smtClean="0"/>
+              <a:t>(more power-efficient modulation)</a:t>
             </a:r>
           </a:p>
           <a:p>
             <a:pPr lvl="2"/>
             <a:r>
               <a:rPr lang="en-US" dirty="0" smtClean="0"/>
-              <a:t>Modulation scheme : 1200 b/sec Bell 202 BFSK</a:t>
+              <a:t>Modulation scheme: 1200 b/sec BPSK</a:t>
             </a:r>
           </a:p>
           <a:p>
@@ -8044,38 +8426,28 @@
               <a:buAutoNum type="arabicPeriod"/>
             </a:pPr>
             <a:r>
+              <a:rPr lang="en-US" smtClean="0"/>
+              <a:t>System </a:t>
+            </a:r>
+            <a:r>
+              <a:rPr lang="en-US" smtClean="0"/>
+              <a:t>B </a:t>
+            </a:r>
+            <a:r>
               <a:rPr lang="en-US" dirty="0" smtClean="0"/>
-              <a:t>System B (more power-efficient modulation)</a:t>
-            </a:r>
-          </a:p>
-          <a:p>
-            <a:pPr lvl="2"/>
+              <a:t>( </a:t>
+            </a:r>
             <a:r>
               <a:rPr lang="en-US" dirty="0" smtClean="0"/>
-              <a:t>Modulation scheme: 1200 b/sec BPSK</a:t>
-            </a:r>
-          </a:p>
-          <a:p>
-            <a:pPr lvl="2"/>
+              <a:t>System B +</a:t>
+            </a:r>
             <a:r>
               <a:rPr lang="en-US" dirty="0" smtClean="0"/>
-              <a:t>Channel coding: none</a:t>
-            </a:r>
-          </a:p>
-          <a:p>
-            <a:pPr marL="914400" lvl="2" indent="0">
-              <a:buNone/>
-            </a:pPr>
-            <a:endParaRPr lang="en-US" dirty="0" smtClean="0"/>
-          </a:p>
-          <a:p>
-            <a:pPr marL="971550" lvl="1" indent="-514350">
-              <a:buFont typeface="+mj-lt"/>
-              <a:buAutoNum type="arabicPeriod"/>
-            </a:pPr>
+              <a:t> </a:t>
+            </a:r>
             <a:r>
               <a:rPr lang="en-US" dirty="0" smtClean="0"/>
-              <a:t>System C ( … plus forward error correction)</a:t>
+              <a:t>forward error correction)</a:t>
             </a:r>
           </a:p>
           <a:p>
@@ -8200,6 +8572,13 @@
   <p:clrMapOvr>
     <a:masterClrMapping/>
   </p:clrMapOvr>
+  <p:timing>
+    <p:tnLst>
+      <p:par>
+        <p:cTn id="1" dur="indefinite" restart="never" nodeType="tmRoot"/>
+      </p:par>
+    </p:tnLst>
+  </p:timing>
 </p:sld>
 </file>
 
@@ -8259,7 +8638,7 @@
             <p:ph sz="half" idx="1"/>
             <p:extLst>
               <p:ext uri="{D42A27DB-BD31-4B8C-83A1-F6EECF244321}">
-                <p14:modId xmlns:p14="http://schemas.microsoft.com/office/powerpoint/2010/main" val="3944057948"/>
+                <p14:modId xmlns:p14="http://schemas.microsoft.com/office/powerpoint/2010/main" val="2196757667"/>
               </p:ext>
             </p:extLst>
           </p:nvPr>
@@ -8284,6 +8663,13 @@
   <p:clrMapOvr>
     <a:masterClrMapping/>
   </p:clrMapOvr>
+  <p:timing>
+    <p:tnLst>
+      <p:par>
+        <p:cTn id="1" dur="indefinite" restart="never" nodeType="tmRoot"/>
+      </p:par>
+    </p:tnLst>
+  </p:timing>
 </p:sld>
 </file>
 
@@ -11599,6 +11985,13 @@
   <p:clrMapOvr>
     <a:masterClrMapping/>
   </p:clrMapOvr>
+  <p:timing>
+    <p:tnLst>
+      <p:par>
+        <p:cTn id="1" dur="indefinite" restart="never" nodeType="tmRoot"/>
+      </p:par>
+    </p:tnLst>
+  </p:timing>
 </p:sld>
 </file>
 
